--- a/Deliverables/Final Presentation.pptx
+++ b/Deliverables/Final Presentation.pptx
@@ -12,6 +12,19 @@
     <p:sldId id="257" r:id="rId7"/>
     <p:sldId id="258" r:id="rId8"/>
     <p:sldId id="259" r:id="rId9"/>
+    <p:sldId id="260" r:id="rId10"/>
+    <p:sldId id="261" r:id="rId11"/>
+    <p:sldId id="262" r:id="rId12"/>
+    <p:sldId id="263" r:id="rId13"/>
+    <p:sldId id="264" r:id="rId14"/>
+    <p:sldId id="265" r:id="rId15"/>
+    <p:sldId id="266" r:id="rId16"/>
+    <p:sldId id="267" r:id="rId17"/>
+    <p:sldId id="268" r:id="rId18"/>
+    <p:sldId id="269" r:id="rId19"/>
+    <p:sldId id="270" r:id="rId20"/>
+    <p:sldId id="271" r:id="rId21"/>
+    <p:sldId id="272" r:id="rId22"/>
   </p:sldIdLst>
   <p:sldSz cy="5143500" cx="9144000"/>
   <p:notesSz cx="6858000" cy="9144000"/>
@@ -788,12 +801,12 @@
 </p:notes>
 </file>
 
-<file path=ppt/notesSlides/notesSlide2.xml><?xml version="1.0" encoding="utf-8"?>
+<file path=ppt/notesSlides/notesSlide10.xml><?xml version="1.0" encoding="utf-8"?>
 <p:notes xmlns:a="http://schemas.openxmlformats.org/drawingml/2006/main" xmlns:r="http://schemas.openxmlformats.org/officeDocument/2006/relationships" xmlns:mc="http://schemas.openxmlformats.org/markup-compatibility/2006" xmlns:mv="urn:schemas-microsoft-com:mac:vml" xmlns:p="http://schemas.openxmlformats.org/presentationml/2006/main" xmlns:c="http://schemas.openxmlformats.org/drawingml/2006/chart" xmlns:dgm="http://schemas.openxmlformats.org/drawingml/2006/diagram" xmlns:o="urn:schemas-microsoft-com:office:office" xmlns:v="urn:schemas-microsoft-com:vml" xmlns:pvml="urn:schemas-microsoft-com:office:powerpoint" xmlns:com="http://schemas.openxmlformats.org/drawingml/2006/compatibility" xmlns:p14="http://schemas.microsoft.com/office/powerpoint/2010/main" xmlns:p15="http://schemas.microsoft.com/office/powerpoint/2012/main" showMasterPhAnim="0" showMasterSp="0">
   <p:cSld>
     <p:spTree>
       <p:nvGrpSpPr>
-        <p:cNvPr id="57" name="Shape 57"/>
+        <p:cNvPr id="108" name="Shape 108"/>
         <p:cNvGrpSpPr/>
         <p:nvPr/>
       </p:nvGrpSpPr>
@@ -807,7 +820,7 @@
       </p:grpSpPr>
       <p:sp>
         <p:nvSpPr>
-          <p:cNvPr id="58" name="Google Shape;58;g84c2369612_1_1:notes"/>
+          <p:cNvPr id="109" name="Google Shape;109;g7739f47d56_0_63:notes"/>
           <p:cNvSpPr/>
           <p:nvPr>
             <p:ph idx="2" type="sldImg"/>
@@ -842,7 +855,7 @@
       </p:sp>
       <p:sp>
         <p:nvSpPr>
-          <p:cNvPr id="59" name="Google Shape;59;g84c2369612_1_1:notes"/>
+          <p:cNvPr id="110" name="Google Shape;110;g7739f47d56_0_63:notes"/>
           <p:cNvSpPr txBox="1"/>
           <p:nvPr>
             <p:ph idx="1" type="body"/>
@@ -887,12 +900,12 @@
 </p:notes>
 </file>
 
-<file path=ppt/notesSlides/notesSlide3.xml><?xml version="1.0" encoding="utf-8"?>
+<file path=ppt/notesSlides/notesSlide11.xml><?xml version="1.0" encoding="utf-8"?>
 <p:notes xmlns:a="http://schemas.openxmlformats.org/drawingml/2006/main" xmlns:r="http://schemas.openxmlformats.org/officeDocument/2006/relationships" xmlns:mc="http://schemas.openxmlformats.org/markup-compatibility/2006" xmlns:mv="urn:schemas-microsoft-com:mac:vml" xmlns:p="http://schemas.openxmlformats.org/presentationml/2006/main" xmlns:c="http://schemas.openxmlformats.org/drawingml/2006/chart" xmlns:dgm="http://schemas.openxmlformats.org/drawingml/2006/diagram" xmlns:o="urn:schemas-microsoft-com:office:office" xmlns:v="urn:schemas-microsoft-com:vml" xmlns:pvml="urn:schemas-microsoft-com:office:powerpoint" xmlns:com="http://schemas.openxmlformats.org/drawingml/2006/compatibility" xmlns:p14="http://schemas.microsoft.com/office/powerpoint/2010/main" xmlns:p15="http://schemas.microsoft.com/office/powerpoint/2012/main" showMasterPhAnim="0" showMasterSp="0">
   <p:cSld>
     <p:spTree>
       <p:nvGrpSpPr>
-        <p:cNvPr id="63" name="Shape 63"/>
+        <p:cNvPr id="116" name="Shape 116"/>
         <p:cNvGrpSpPr/>
         <p:nvPr/>
       </p:nvGrpSpPr>
@@ -906,7 +919,7 @@
       </p:grpSpPr>
       <p:sp>
         <p:nvSpPr>
-          <p:cNvPr id="64" name="Google Shape;64;g7739f47d56_0_1:notes"/>
+          <p:cNvPr id="117" name="Google Shape;117;g7739f47d56_0_121:notes"/>
           <p:cNvSpPr/>
           <p:nvPr>
             <p:ph idx="2" type="sldImg"/>
@@ -941,7 +954,799 @@
       </p:sp>
       <p:sp>
         <p:nvSpPr>
-          <p:cNvPr id="65" name="Google Shape;65;g7739f47d56_0_1:notes"/>
+          <p:cNvPr id="118" name="Google Shape;118;g7739f47d56_0_121:notes"/>
+          <p:cNvSpPr txBox="1"/>
+          <p:nvPr>
+            <p:ph idx="1" type="body"/>
+          </p:nvPr>
+        </p:nvSpPr>
+        <p:spPr>
+          <a:xfrm>
+            <a:off x="685800" y="4343400"/>
+            <a:ext cx="5486400" cy="4114800"/>
+          </a:xfrm>
+          <a:prstGeom prst="rect">
+            <a:avLst/>
+          </a:prstGeom>
+        </p:spPr>
+        <p:txBody>
+          <a:bodyPr anchorCtr="0" anchor="t" bIns="91425" lIns="91425" spcFirstLastPara="1" rIns="91425" wrap="square" tIns="91425">
+            <a:noAutofit/>
+          </a:bodyPr>
+          <a:lstStyle/>
+          <a:p>
+            <a:pPr indent="0" lvl="0" marL="0" rtl="0" algn="l">
+              <a:spcBef>
+                <a:spcPts val="0"/>
+              </a:spcBef>
+              <a:spcAft>
+                <a:spcPts val="0"/>
+              </a:spcAft>
+              <a:buNone/>
+            </a:pPr>
+            <a:r>
+              <a:t/>
+            </a:r>
+            <a:endParaRPr/>
+          </a:p>
+        </p:txBody>
+      </p:sp>
+    </p:spTree>
+  </p:cSld>
+  <p:clrMapOvr>
+    <a:masterClrMapping/>
+  </p:clrMapOvr>
+</p:notes>
+</file>
+
+<file path=ppt/notesSlides/notesSlide12.xml><?xml version="1.0" encoding="utf-8"?>
+<p:notes xmlns:a="http://schemas.openxmlformats.org/drawingml/2006/main" xmlns:r="http://schemas.openxmlformats.org/officeDocument/2006/relationships" xmlns:mc="http://schemas.openxmlformats.org/markup-compatibility/2006" xmlns:mv="urn:schemas-microsoft-com:mac:vml" xmlns:p="http://schemas.openxmlformats.org/presentationml/2006/main" xmlns:c="http://schemas.openxmlformats.org/drawingml/2006/chart" xmlns:dgm="http://schemas.openxmlformats.org/drawingml/2006/diagram" xmlns:o="urn:schemas-microsoft-com:office:office" xmlns:v="urn:schemas-microsoft-com:vml" xmlns:pvml="urn:schemas-microsoft-com:office:powerpoint" xmlns:com="http://schemas.openxmlformats.org/drawingml/2006/compatibility" xmlns:p14="http://schemas.microsoft.com/office/powerpoint/2010/main" xmlns:p15="http://schemas.microsoft.com/office/powerpoint/2012/main" showMasterPhAnim="0" showMasterSp="0">
+  <p:cSld>
+    <p:spTree>
+      <p:nvGrpSpPr>
+        <p:cNvPr id="125" name="Shape 125"/>
+        <p:cNvGrpSpPr/>
+        <p:nvPr/>
+      </p:nvGrpSpPr>
+      <p:grpSpPr>
+        <a:xfrm>
+          <a:off x="0" y="0"/>
+          <a:ext cx="0" cy="0"/>
+          <a:chOff x="0" y="0"/>
+          <a:chExt cx="0" cy="0"/>
+        </a:xfrm>
+      </p:grpSpPr>
+      <p:sp>
+        <p:nvSpPr>
+          <p:cNvPr id="126" name="Google Shape;126;g7739f47d56_0_105:notes"/>
+          <p:cNvSpPr/>
+          <p:nvPr>
+            <p:ph idx="2" type="sldImg"/>
+          </p:nvPr>
+        </p:nvSpPr>
+        <p:spPr>
+          <a:xfrm>
+            <a:off x="381300" y="685800"/>
+            <a:ext cx="6096000" cy="3429000"/>
+          </a:xfrm>
+          <a:custGeom>
+            <a:rect b="b" l="l" r="r" t="t"/>
+            <a:pathLst>
+              <a:path extrusionOk="0" h="120000" w="120000">
+                <a:moveTo>
+                  <a:pt x="0" y="0"/>
+                </a:moveTo>
+                <a:lnTo>
+                  <a:pt x="120000" y="0"/>
+                </a:lnTo>
+                <a:lnTo>
+                  <a:pt x="120000" y="120000"/>
+                </a:lnTo>
+                <a:lnTo>
+                  <a:pt x="0" y="120000"/>
+                </a:lnTo>
+                <a:close/>
+              </a:path>
+            </a:pathLst>
+          </a:custGeom>
+        </p:spPr>
+      </p:sp>
+      <p:sp>
+        <p:nvSpPr>
+          <p:cNvPr id="127" name="Google Shape;127;g7739f47d56_0_105:notes"/>
+          <p:cNvSpPr txBox="1"/>
+          <p:nvPr>
+            <p:ph idx="1" type="body"/>
+          </p:nvPr>
+        </p:nvSpPr>
+        <p:spPr>
+          <a:xfrm>
+            <a:off x="685800" y="4343400"/>
+            <a:ext cx="5486400" cy="4114800"/>
+          </a:xfrm>
+          <a:prstGeom prst="rect">
+            <a:avLst/>
+          </a:prstGeom>
+        </p:spPr>
+        <p:txBody>
+          <a:bodyPr anchorCtr="0" anchor="t" bIns="91425" lIns="91425" spcFirstLastPara="1" rIns="91425" wrap="square" tIns="91425">
+            <a:noAutofit/>
+          </a:bodyPr>
+          <a:lstStyle/>
+          <a:p>
+            <a:pPr indent="0" lvl="0" marL="0" rtl="0" algn="l">
+              <a:spcBef>
+                <a:spcPts val="0"/>
+              </a:spcBef>
+              <a:spcAft>
+                <a:spcPts val="0"/>
+              </a:spcAft>
+              <a:buNone/>
+            </a:pPr>
+            <a:r>
+              <a:t/>
+            </a:r>
+            <a:endParaRPr/>
+          </a:p>
+        </p:txBody>
+      </p:sp>
+    </p:spTree>
+  </p:cSld>
+  <p:clrMapOvr>
+    <a:masterClrMapping/>
+  </p:clrMapOvr>
+</p:notes>
+</file>
+
+<file path=ppt/notesSlides/notesSlide13.xml><?xml version="1.0" encoding="utf-8"?>
+<p:notes xmlns:a="http://schemas.openxmlformats.org/drawingml/2006/main" xmlns:r="http://schemas.openxmlformats.org/officeDocument/2006/relationships" xmlns:mc="http://schemas.openxmlformats.org/markup-compatibility/2006" xmlns:mv="urn:schemas-microsoft-com:mac:vml" xmlns:p="http://schemas.openxmlformats.org/presentationml/2006/main" xmlns:c="http://schemas.openxmlformats.org/drawingml/2006/chart" xmlns:dgm="http://schemas.openxmlformats.org/drawingml/2006/diagram" xmlns:o="urn:schemas-microsoft-com:office:office" xmlns:v="urn:schemas-microsoft-com:vml" xmlns:pvml="urn:schemas-microsoft-com:office:powerpoint" xmlns:com="http://schemas.openxmlformats.org/drawingml/2006/compatibility" xmlns:p14="http://schemas.microsoft.com/office/powerpoint/2010/main" xmlns:p15="http://schemas.microsoft.com/office/powerpoint/2012/main" showMasterPhAnim="0" showMasterSp="0">
+  <p:cSld>
+    <p:spTree>
+      <p:nvGrpSpPr>
+        <p:cNvPr id="131" name="Shape 131"/>
+        <p:cNvGrpSpPr/>
+        <p:nvPr/>
+      </p:nvGrpSpPr>
+      <p:grpSpPr>
+        <a:xfrm>
+          <a:off x="0" y="0"/>
+          <a:ext cx="0" cy="0"/>
+          <a:chOff x="0" y="0"/>
+          <a:chExt cx="0" cy="0"/>
+        </a:xfrm>
+      </p:grpSpPr>
+      <p:sp>
+        <p:nvSpPr>
+          <p:cNvPr id="132" name="Google Shape;132;g7739f47d56_0_70:notes"/>
+          <p:cNvSpPr/>
+          <p:nvPr>
+            <p:ph idx="2" type="sldImg"/>
+          </p:nvPr>
+        </p:nvSpPr>
+        <p:spPr>
+          <a:xfrm>
+            <a:off x="381300" y="685800"/>
+            <a:ext cx="6096000" cy="3429000"/>
+          </a:xfrm>
+          <a:custGeom>
+            <a:rect b="b" l="l" r="r" t="t"/>
+            <a:pathLst>
+              <a:path extrusionOk="0" h="120000" w="120000">
+                <a:moveTo>
+                  <a:pt x="0" y="0"/>
+                </a:moveTo>
+                <a:lnTo>
+                  <a:pt x="120000" y="0"/>
+                </a:lnTo>
+                <a:lnTo>
+                  <a:pt x="120000" y="120000"/>
+                </a:lnTo>
+                <a:lnTo>
+                  <a:pt x="0" y="120000"/>
+                </a:lnTo>
+                <a:close/>
+              </a:path>
+            </a:pathLst>
+          </a:custGeom>
+        </p:spPr>
+      </p:sp>
+      <p:sp>
+        <p:nvSpPr>
+          <p:cNvPr id="133" name="Google Shape;133;g7739f47d56_0_70:notes"/>
+          <p:cNvSpPr txBox="1"/>
+          <p:nvPr>
+            <p:ph idx="1" type="body"/>
+          </p:nvPr>
+        </p:nvSpPr>
+        <p:spPr>
+          <a:xfrm>
+            <a:off x="685800" y="4343400"/>
+            <a:ext cx="5486400" cy="4114800"/>
+          </a:xfrm>
+          <a:prstGeom prst="rect">
+            <a:avLst/>
+          </a:prstGeom>
+        </p:spPr>
+        <p:txBody>
+          <a:bodyPr anchorCtr="0" anchor="t" bIns="91425" lIns="91425" spcFirstLastPara="1" rIns="91425" wrap="square" tIns="91425">
+            <a:noAutofit/>
+          </a:bodyPr>
+          <a:lstStyle/>
+          <a:p>
+            <a:pPr indent="0" lvl="0" marL="0" rtl="0" algn="l">
+              <a:spcBef>
+                <a:spcPts val="0"/>
+              </a:spcBef>
+              <a:spcAft>
+                <a:spcPts val="0"/>
+              </a:spcAft>
+              <a:buNone/>
+            </a:pPr>
+            <a:r>
+              <a:t/>
+            </a:r>
+            <a:endParaRPr/>
+          </a:p>
+        </p:txBody>
+      </p:sp>
+    </p:spTree>
+  </p:cSld>
+  <p:clrMapOvr>
+    <a:masterClrMapping/>
+  </p:clrMapOvr>
+</p:notes>
+</file>
+
+<file path=ppt/notesSlides/notesSlide14.xml><?xml version="1.0" encoding="utf-8"?>
+<p:notes xmlns:a="http://schemas.openxmlformats.org/drawingml/2006/main" xmlns:r="http://schemas.openxmlformats.org/officeDocument/2006/relationships" xmlns:mc="http://schemas.openxmlformats.org/markup-compatibility/2006" xmlns:mv="urn:schemas-microsoft-com:mac:vml" xmlns:p="http://schemas.openxmlformats.org/presentationml/2006/main" xmlns:c="http://schemas.openxmlformats.org/drawingml/2006/chart" xmlns:dgm="http://schemas.openxmlformats.org/drawingml/2006/diagram" xmlns:o="urn:schemas-microsoft-com:office:office" xmlns:v="urn:schemas-microsoft-com:vml" xmlns:pvml="urn:schemas-microsoft-com:office:powerpoint" xmlns:com="http://schemas.openxmlformats.org/drawingml/2006/compatibility" xmlns:p14="http://schemas.microsoft.com/office/powerpoint/2010/main" xmlns:p15="http://schemas.microsoft.com/office/powerpoint/2012/main" showMasterPhAnim="0" showMasterSp="0">
+  <p:cSld>
+    <p:spTree>
+      <p:nvGrpSpPr>
+        <p:cNvPr id="137" name="Shape 137"/>
+        <p:cNvGrpSpPr/>
+        <p:nvPr/>
+      </p:nvGrpSpPr>
+      <p:grpSpPr>
+        <a:xfrm>
+          <a:off x="0" y="0"/>
+          <a:ext cx="0" cy="0"/>
+          <a:chOff x="0" y="0"/>
+          <a:chExt cx="0" cy="0"/>
+        </a:xfrm>
+      </p:grpSpPr>
+      <p:sp>
+        <p:nvSpPr>
+          <p:cNvPr id="138" name="Google Shape;138;g7739f47d56_0_77:notes"/>
+          <p:cNvSpPr/>
+          <p:nvPr>
+            <p:ph idx="2" type="sldImg"/>
+          </p:nvPr>
+        </p:nvSpPr>
+        <p:spPr>
+          <a:xfrm>
+            <a:off x="381300" y="685800"/>
+            <a:ext cx="6096000" cy="3429000"/>
+          </a:xfrm>
+          <a:custGeom>
+            <a:rect b="b" l="l" r="r" t="t"/>
+            <a:pathLst>
+              <a:path extrusionOk="0" h="120000" w="120000">
+                <a:moveTo>
+                  <a:pt x="0" y="0"/>
+                </a:moveTo>
+                <a:lnTo>
+                  <a:pt x="120000" y="0"/>
+                </a:lnTo>
+                <a:lnTo>
+                  <a:pt x="120000" y="120000"/>
+                </a:lnTo>
+                <a:lnTo>
+                  <a:pt x="0" y="120000"/>
+                </a:lnTo>
+                <a:close/>
+              </a:path>
+            </a:pathLst>
+          </a:custGeom>
+        </p:spPr>
+      </p:sp>
+      <p:sp>
+        <p:nvSpPr>
+          <p:cNvPr id="139" name="Google Shape;139;g7739f47d56_0_77:notes"/>
+          <p:cNvSpPr txBox="1"/>
+          <p:nvPr>
+            <p:ph idx="1" type="body"/>
+          </p:nvPr>
+        </p:nvSpPr>
+        <p:spPr>
+          <a:xfrm>
+            <a:off x="685800" y="4343400"/>
+            <a:ext cx="5486400" cy="4114800"/>
+          </a:xfrm>
+          <a:prstGeom prst="rect">
+            <a:avLst/>
+          </a:prstGeom>
+        </p:spPr>
+        <p:txBody>
+          <a:bodyPr anchorCtr="0" anchor="t" bIns="91425" lIns="91425" spcFirstLastPara="1" rIns="91425" wrap="square" tIns="91425">
+            <a:noAutofit/>
+          </a:bodyPr>
+          <a:lstStyle/>
+          <a:p>
+            <a:pPr indent="0" lvl="0" marL="0" rtl="0" algn="l">
+              <a:spcBef>
+                <a:spcPts val="0"/>
+              </a:spcBef>
+              <a:spcAft>
+                <a:spcPts val="0"/>
+              </a:spcAft>
+              <a:buNone/>
+            </a:pPr>
+            <a:r>
+              <a:t/>
+            </a:r>
+            <a:endParaRPr/>
+          </a:p>
+        </p:txBody>
+      </p:sp>
+    </p:spTree>
+  </p:cSld>
+  <p:clrMapOvr>
+    <a:masterClrMapping/>
+  </p:clrMapOvr>
+</p:notes>
+</file>
+
+<file path=ppt/notesSlides/notesSlide15.xml><?xml version="1.0" encoding="utf-8"?>
+<p:notes xmlns:a="http://schemas.openxmlformats.org/drawingml/2006/main" xmlns:r="http://schemas.openxmlformats.org/officeDocument/2006/relationships" xmlns:mc="http://schemas.openxmlformats.org/markup-compatibility/2006" xmlns:mv="urn:schemas-microsoft-com:mac:vml" xmlns:p="http://schemas.openxmlformats.org/presentationml/2006/main" xmlns:c="http://schemas.openxmlformats.org/drawingml/2006/chart" xmlns:dgm="http://schemas.openxmlformats.org/drawingml/2006/diagram" xmlns:o="urn:schemas-microsoft-com:office:office" xmlns:v="urn:schemas-microsoft-com:vml" xmlns:pvml="urn:schemas-microsoft-com:office:powerpoint" xmlns:com="http://schemas.openxmlformats.org/drawingml/2006/compatibility" xmlns:p14="http://schemas.microsoft.com/office/powerpoint/2010/main" xmlns:p15="http://schemas.microsoft.com/office/powerpoint/2012/main" showMasterPhAnim="0" showMasterSp="0">
+  <p:cSld>
+    <p:spTree>
+      <p:nvGrpSpPr>
+        <p:cNvPr id="144" name="Shape 144"/>
+        <p:cNvGrpSpPr/>
+        <p:nvPr/>
+      </p:nvGrpSpPr>
+      <p:grpSpPr>
+        <a:xfrm>
+          <a:off x="0" y="0"/>
+          <a:ext cx="0" cy="0"/>
+          <a:chOff x="0" y="0"/>
+          <a:chExt cx="0" cy="0"/>
+        </a:xfrm>
+      </p:grpSpPr>
+      <p:sp>
+        <p:nvSpPr>
+          <p:cNvPr id="145" name="Google Shape;145;g7739f47d56_0_89:notes"/>
+          <p:cNvSpPr/>
+          <p:nvPr>
+            <p:ph idx="2" type="sldImg"/>
+          </p:nvPr>
+        </p:nvSpPr>
+        <p:spPr>
+          <a:xfrm>
+            <a:off x="381300" y="685800"/>
+            <a:ext cx="6096000" cy="3429000"/>
+          </a:xfrm>
+          <a:custGeom>
+            <a:rect b="b" l="l" r="r" t="t"/>
+            <a:pathLst>
+              <a:path extrusionOk="0" h="120000" w="120000">
+                <a:moveTo>
+                  <a:pt x="0" y="0"/>
+                </a:moveTo>
+                <a:lnTo>
+                  <a:pt x="120000" y="0"/>
+                </a:lnTo>
+                <a:lnTo>
+                  <a:pt x="120000" y="120000"/>
+                </a:lnTo>
+                <a:lnTo>
+                  <a:pt x="0" y="120000"/>
+                </a:lnTo>
+                <a:close/>
+              </a:path>
+            </a:pathLst>
+          </a:custGeom>
+        </p:spPr>
+      </p:sp>
+      <p:sp>
+        <p:nvSpPr>
+          <p:cNvPr id="146" name="Google Shape;146;g7739f47d56_0_89:notes"/>
+          <p:cNvSpPr txBox="1"/>
+          <p:nvPr>
+            <p:ph idx="1" type="body"/>
+          </p:nvPr>
+        </p:nvSpPr>
+        <p:spPr>
+          <a:xfrm>
+            <a:off x="685800" y="4343400"/>
+            <a:ext cx="5486400" cy="4114800"/>
+          </a:xfrm>
+          <a:prstGeom prst="rect">
+            <a:avLst/>
+          </a:prstGeom>
+        </p:spPr>
+        <p:txBody>
+          <a:bodyPr anchorCtr="0" anchor="t" bIns="91425" lIns="91425" spcFirstLastPara="1" rIns="91425" wrap="square" tIns="91425">
+            <a:noAutofit/>
+          </a:bodyPr>
+          <a:lstStyle/>
+          <a:p>
+            <a:pPr indent="0" lvl="0" marL="0" rtl="0" algn="l">
+              <a:spcBef>
+                <a:spcPts val="0"/>
+              </a:spcBef>
+              <a:spcAft>
+                <a:spcPts val="0"/>
+              </a:spcAft>
+              <a:buNone/>
+            </a:pPr>
+            <a:r>
+              <a:t/>
+            </a:r>
+            <a:endParaRPr/>
+          </a:p>
+        </p:txBody>
+      </p:sp>
+    </p:spTree>
+  </p:cSld>
+  <p:clrMapOvr>
+    <a:masterClrMapping/>
+  </p:clrMapOvr>
+</p:notes>
+</file>
+
+<file path=ppt/notesSlides/notesSlide16.xml><?xml version="1.0" encoding="utf-8"?>
+<p:notes xmlns:a="http://schemas.openxmlformats.org/drawingml/2006/main" xmlns:r="http://schemas.openxmlformats.org/officeDocument/2006/relationships" xmlns:mc="http://schemas.openxmlformats.org/markup-compatibility/2006" xmlns:mv="urn:schemas-microsoft-com:mac:vml" xmlns:p="http://schemas.openxmlformats.org/presentationml/2006/main" xmlns:c="http://schemas.openxmlformats.org/drawingml/2006/chart" xmlns:dgm="http://schemas.openxmlformats.org/drawingml/2006/diagram" xmlns:o="urn:schemas-microsoft-com:office:office" xmlns:v="urn:schemas-microsoft-com:vml" xmlns:pvml="urn:schemas-microsoft-com:office:powerpoint" xmlns:com="http://schemas.openxmlformats.org/drawingml/2006/compatibility" xmlns:p14="http://schemas.microsoft.com/office/powerpoint/2010/main" xmlns:p15="http://schemas.microsoft.com/office/powerpoint/2012/main" showMasterPhAnim="0" showMasterSp="0">
+  <p:cSld>
+    <p:spTree>
+      <p:nvGrpSpPr>
+        <p:cNvPr id="152" name="Shape 152"/>
+        <p:cNvGrpSpPr/>
+        <p:nvPr/>
+      </p:nvGrpSpPr>
+      <p:grpSpPr>
+        <a:xfrm>
+          <a:off x="0" y="0"/>
+          <a:ext cx="0" cy="0"/>
+          <a:chOff x="0" y="0"/>
+          <a:chExt cx="0" cy="0"/>
+        </a:xfrm>
+      </p:grpSpPr>
+      <p:sp>
+        <p:nvSpPr>
+          <p:cNvPr id="153" name="Google Shape;153;g7739f47d56_0_100:notes"/>
+          <p:cNvSpPr/>
+          <p:nvPr>
+            <p:ph idx="2" type="sldImg"/>
+          </p:nvPr>
+        </p:nvSpPr>
+        <p:spPr>
+          <a:xfrm>
+            <a:off x="381300" y="685800"/>
+            <a:ext cx="6096000" cy="3429000"/>
+          </a:xfrm>
+          <a:custGeom>
+            <a:rect b="b" l="l" r="r" t="t"/>
+            <a:pathLst>
+              <a:path extrusionOk="0" h="120000" w="120000">
+                <a:moveTo>
+                  <a:pt x="0" y="0"/>
+                </a:moveTo>
+                <a:lnTo>
+                  <a:pt x="120000" y="0"/>
+                </a:lnTo>
+                <a:lnTo>
+                  <a:pt x="120000" y="120000"/>
+                </a:lnTo>
+                <a:lnTo>
+                  <a:pt x="0" y="120000"/>
+                </a:lnTo>
+                <a:close/>
+              </a:path>
+            </a:pathLst>
+          </a:custGeom>
+        </p:spPr>
+      </p:sp>
+      <p:sp>
+        <p:nvSpPr>
+          <p:cNvPr id="154" name="Google Shape;154;g7739f47d56_0_100:notes"/>
+          <p:cNvSpPr txBox="1"/>
+          <p:nvPr>
+            <p:ph idx="1" type="body"/>
+          </p:nvPr>
+        </p:nvSpPr>
+        <p:spPr>
+          <a:xfrm>
+            <a:off x="685800" y="4343400"/>
+            <a:ext cx="5486400" cy="4114800"/>
+          </a:xfrm>
+          <a:prstGeom prst="rect">
+            <a:avLst/>
+          </a:prstGeom>
+        </p:spPr>
+        <p:txBody>
+          <a:bodyPr anchorCtr="0" anchor="t" bIns="91425" lIns="91425" spcFirstLastPara="1" rIns="91425" wrap="square" tIns="91425">
+            <a:noAutofit/>
+          </a:bodyPr>
+          <a:lstStyle/>
+          <a:p>
+            <a:pPr indent="0" lvl="0" marL="0" rtl="0" algn="l">
+              <a:spcBef>
+                <a:spcPts val="0"/>
+              </a:spcBef>
+              <a:spcAft>
+                <a:spcPts val="0"/>
+              </a:spcAft>
+              <a:buNone/>
+            </a:pPr>
+            <a:r>
+              <a:t/>
+            </a:r>
+            <a:endParaRPr/>
+          </a:p>
+        </p:txBody>
+      </p:sp>
+    </p:spTree>
+  </p:cSld>
+  <p:clrMapOvr>
+    <a:masterClrMapping/>
+  </p:clrMapOvr>
+</p:notes>
+</file>
+
+<file path=ppt/notesSlides/notesSlide17.xml><?xml version="1.0" encoding="utf-8"?>
+<p:notes xmlns:a="http://schemas.openxmlformats.org/drawingml/2006/main" xmlns:r="http://schemas.openxmlformats.org/officeDocument/2006/relationships" xmlns:mc="http://schemas.openxmlformats.org/markup-compatibility/2006" xmlns:mv="urn:schemas-microsoft-com:mac:vml" xmlns:p="http://schemas.openxmlformats.org/presentationml/2006/main" xmlns:c="http://schemas.openxmlformats.org/drawingml/2006/chart" xmlns:dgm="http://schemas.openxmlformats.org/drawingml/2006/diagram" xmlns:o="urn:schemas-microsoft-com:office:office" xmlns:v="urn:schemas-microsoft-com:vml" xmlns:pvml="urn:schemas-microsoft-com:office:powerpoint" xmlns:com="http://schemas.openxmlformats.org/drawingml/2006/compatibility" xmlns:p14="http://schemas.microsoft.com/office/powerpoint/2010/main" xmlns:p15="http://schemas.microsoft.com/office/powerpoint/2012/main" showMasterPhAnim="0" showMasterSp="0">
+  <p:cSld>
+    <p:spTree>
+      <p:nvGrpSpPr>
+        <p:cNvPr id="158" name="Shape 158"/>
+        <p:cNvGrpSpPr/>
+        <p:nvPr/>
+      </p:nvGrpSpPr>
+      <p:grpSpPr>
+        <a:xfrm>
+          <a:off x="0" y="0"/>
+          <a:ext cx="0" cy="0"/>
+          <a:chOff x="0" y="0"/>
+          <a:chExt cx="0" cy="0"/>
+        </a:xfrm>
+      </p:grpSpPr>
+      <p:sp>
+        <p:nvSpPr>
+          <p:cNvPr id="159" name="Google Shape;159;g7739f47d56_0_95:notes"/>
+          <p:cNvSpPr/>
+          <p:nvPr>
+            <p:ph idx="2" type="sldImg"/>
+          </p:nvPr>
+        </p:nvSpPr>
+        <p:spPr>
+          <a:xfrm>
+            <a:off x="381300" y="685800"/>
+            <a:ext cx="6096000" cy="3429000"/>
+          </a:xfrm>
+          <a:custGeom>
+            <a:rect b="b" l="l" r="r" t="t"/>
+            <a:pathLst>
+              <a:path extrusionOk="0" h="120000" w="120000">
+                <a:moveTo>
+                  <a:pt x="0" y="0"/>
+                </a:moveTo>
+                <a:lnTo>
+                  <a:pt x="120000" y="0"/>
+                </a:lnTo>
+                <a:lnTo>
+                  <a:pt x="120000" y="120000"/>
+                </a:lnTo>
+                <a:lnTo>
+                  <a:pt x="0" y="120000"/>
+                </a:lnTo>
+                <a:close/>
+              </a:path>
+            </a:pathLst>
+          </a:custGeom>
+        </p:spPr>
+      </p:sp>
+      <p:sp>
+        <p:nvSpPr>
+          <p:cNvPr id="160" name="Google Shape;160;g7739f47d56_0_95:notes"/>
+          <p:cNvSpPr txBox="1"/>
+          <p:nvPr>
+            <p:ph idx="1" type="body"/>
+          </p:nvPr>
+        </p:nvSpPr>
+        <p:spPr>
+          <a:xfrm>
+            <a:off x="685800" y="4343400"/>
+            <a:ext cx="5486400" cy="4114800"/>
+          </a:xfrm>
+          <a:prstGeom prst="rect">
+            <a:avLst/>
+          </a:prstGeom>
+        </p:spPr>
+        <p:txBody>
+          <a:bodyPr anchorCtr="0" anchor="t" bIns="91425" lIns="91425" spcFirstLastPara="1" rIns="91425" wrap="square" tIns="91425">
+            <a:noAutofit/>
+          </a:bodyPr>
+          <a:lstStyle/>
+          <a:p>
+            <a:pPr indent="0" lvl="0" marL="0" rtl="0" algn="l">
+              <a:spcBef>
+                <a:spcPts val="0"/>
+              </a:spcBef>
+              <a:spcAft>
+                <a:spcPts val="0"/>
+              </a:spcAft>
+              <a:buNone/>
+            </a:pPr>
+            <a:r>
+              <a:t/>
+            </a:r>
+            <a:endParaRPr/>
+          </a:p>
+        </p:txBody>
+      </p:sp>
+    </p:spTree>
+  </p:cSld>
+  <p:clrMapOvr>
+    <a:masterClrMapping/>
+  </p:clrMapOvr>
+</p:notes>
+</file>
+
+<file path=ppt/notesSlides/notesSlide2.xml><?xml version="1.0" encoding="utf-8"?>
+<p:notes xmlns:a="http://schemas.openxmlformats.org/drawingml/2006/main" xmlns:r="http://schemas.openxmlformats.org/officeDocument/2006/relationships" xmlns:mc="http://schemas.openxmlformats.org/markup-compatibility/2006" xmlns:mv="urn:schemas-microsoft-com:mac:vml" xmlns:p="http://schemas.openxmlformats.org/presentationml/2006/main" xmlns:c="http://schemas.openxmlformats.org/drawingml/2006/chart" xmlns:dgm="http://schemas.openxmlformats.org/drawingml/2006/diagram" xmlns:o="urn:schemas-microsoft-com:office:office" xmlns:v="urn:schemas-microsoft-com:vml" xmlns:pvml="urn:schemas-microsoft-com:office:powerpoint" xmlns:com="http://schemas.openxmlformats.org/drawingml/2006/compatibility" xmlns:p14="http://schemas.microsoft.com/office/powerpoint/2010/main" xmlns:p15="http://schemas.microsoft.com/office/powerpoint/2012/main" showMasterPhAnim="0" showMasterSp="0">
+  <p:cSld>
+    <p:spTree>
+      <p:nvGrpSpPr>
+        <p:cNvPr id="57" name="Shape 57"/>
+        <p:cNvGrpSpPr/>
+        <p:nvPr/>
+      </p:nvGrpSpPr>
+      <p:grpSpPr>
+        <a:xfrm>
+          <a:off x="0" y="0"/>
+          <a:ext cx="0" cy="0"/>
+          <a:chOff x="0" y="0"/>
+          <a:chExt cx="0" cy="0"/>
+        </a:xfrm>
+      </p:grpSpPr>
+      <p:sp>
+        <p:nvSpPr>
+          <p:cNvPr id="58" name="Google Shape;58;g7739f47d56_0_1:notes"/>
+          <p:cNvSpPr/>
+          <p:nvPr>
+            <p:ph idx="2" type="sldImg"/>
+          </p:nvPr>
+        </p:nvSpPr>
+        <p:spPr>
+          <a:xfrm>
+            <a:off x="381300" y="685800"/>
+            <a:ext cx="6096000" cy="3429000"/>
+          </a:xfrm>
+          <a:custGeom>
+            <a:rect b="b" l="l" r="r" t="t"/>
+            <a:pathLst>
+              <a:path extrusionOk="0" h="120000" w="120000">
+                <a:moveTo>
+                  <a:pt x="0" y="0"/>
+                </a:moveTo>
+                <a:lnTo>
+                  <a:pt x="120000" y="0"/>
+                </a:lnTo>
+                <a:lnTo>
+                  <a:pt x="120000" y="120000"/>
+                </a:lnTo>
+                <a:lnTo>
+                  <a:pt x="0" y="120000"/>
+                </a:lnTo>
+                <a:close/>
+              </a:path>
+            </a:pathLst>
+          </a:custGeom>
+        </p:spPr>
+      </p:sp>
+      <p:sp>
+        <p:nvSpPr>
+          <p:cNvPr id="59" name="Google Shape;59;g7739f47d56_0_1:notes"/>
+          <p:cNvSpPr txBox="1"/>
+          <p:nvPr>
+            <p:ph idx="1" type="body"/>
+          </p:nvPr>
+        </p:nvSpPr>
+        <p:spPr>
+          <a:xfrm>
+            <a:off x="685800" y="4343400"/>
+            <a:ext cx="5486400" cy="4114800"/>
+          </a:xfrm>
+          <a:prstGeom prst="rect">
+            <a:avLst/>
+          </a:prstGeom>
+        </p:spPr>
+        <p:txBody>
+          <a:bodyPr anchorCtr="0" anchor="t" bIns="91425" lIns="91425" spcFirstLastPara="1" rIns="91425" wrap="square" tIns="91425">
+            <a:noAutofit/>
+          </a:bodyPr>
+          <a:lstStyle/>
+          <a:p>
+            <a:pPr indent="0" lvl="0" marL="0" rtl="0" algn="l">
+              <a:spcBef>
+                <a:spcPts val="0"/>
+              </a:spcBef>
+              <a:spcAft>
+                <a:spcPts val="0"/>
+              </a:spcAft>
+              <a:buNone/>
+            </a:pPr>
+            <a:r>
+              <a:t/>
+            </a:r>
+            <a:endParaRPr/>
+          </a:p>
+        </p:txBody>
+      </p:sp>
+    </p:spTree>
+  </p:cSld>
+  <p:clrMapOvr>
+    <a:masterClrMapping/>
+  </p:clrMapOvr>
+</p:notes>
+</file>
+
+<file path=ppt/notesSlides/notesSlide3.xml><?xml version="1.0" encoding="utf-8"?>
+<p:notes xmlns:a="http://schemas.openxmlformats.org/drawingml/2006/main" xmlns:r="http://schemas.openxmlformats.org/officeDocument/2006/relationships" xmlns:mc="http://schemas.openxmlformats.org/markup-compatibility/2006" xmlns:mv="urn:schemas-microsoft-com:mac:vml" xmlns:p="http://schemas.openxmlformats.org/presentationml/2006/main" xmlns:c="http://schemas.openxmlformats.org/drawingml/2006/chart" xmlns:dgm="http://schemas.openxmlformats.org/drawingml/2006/diagram" xmlns:o="urn:schemas-microsoft-com:office:office" xmlns:v="urn:schemas-microsoft-com:vml" xmlns:pvml="urn:schemas-microsoft-com:office:powerpoint" xmlns:com="http://schemas.openxmlformats.org/drawingml/2006/compatibility" xmlns:p14="http://schemas.microsoft.com/office/powerpoint/2010/main" xmlns:p15="http://schemas.microsoft.com/office/powerpoint/2012/main" showMasterPhAnim="0" showMasterSp="0">
+  <p:cSld>
+    <p:spTree>
+      <p:nvGrpSpPr>
+        <p:cNvPr id="63" name="Shape 63"/>
+        <p:cNvGrpSpPr/>
+        <p:nvPr/>
+      </p:nvGrpSpPr>
+      <p:grpSpPr>
+        <a:xfrm>
+          <a:off x="0" y="0"/>
+          <a:ext cx="0" cy="0"/>
+          <a:chOff x="0" y="0"/>
+          <a:chExt cx="0" cy="0"/>
+        </a:xfrm>
+      </p:grpSpPr>
+      <p:sp>
+        <p:nvSpPr>
+          <p:cNvPr id="64" name="Google Shape;64;g7739f47d56_0_21:notes"/>
+          <p:cNvSpPr/>
+          <p:nvPr>
+            <p:ph idx="2" type="sldImg"/>
+          </p:nvPr>
+        </p:nvSpPr>
+        <p:spPr>
+          <a:xfrm>
+            <a:off x="381300" y="685800"/>
+            <a:ext cx="6096000" cy="3429000"/>
+          </a:xfrm>
+          <a:custGeom>
+            <a:rect b="b" l="l" r="r" t="t"/>
+            <a:pathLst>
+              <a:path extrusionOk="0" h="120000" w="120000">
+                <a:moveTo>
+                  <a:pt x="0" y="0"/>
+                </a:moveTo>
+                <a:lnTo>
+                  <a:pt x="120000" y="0"/>
+                </a:lnTo>
+                <a:lnTo>
+                  <a:pt x="120000" y="120000"/>
+                </a:lnTo>
+                <a:lnTo>
+                  <a:pt x="0" y="120000"/>
+                </a:lnTo>
+                <a:close/>
+              </a:path>
+            </a:pathLst>
+          </a:custGeom>
+        </p:spPr>
+      </p:sp>
+      <p:sp>
+        <p:nvSpPr>
+          <p:cNvPr id="65" name="Google Shape;65;g7739f47d56_0_21:notes"/>
           <p:cNvSpPr txBox="1"/>
           <p:nvPr>
             <p:ph idx="1" type="body"/>
@@ -1041,6 +1846,501 @@
       <p:sp>
         <p:nvSpPr>
           <p:cNvPr id="71" name="Google Shape;71;g7739f47d56_0_10:notes"/>
+          <p:cNvSpPr txBox="1"/>
+          <p:nvPr>
+            <p:ph idx="1" type="body"/>
+          </p:nvPr>
+        </p:nvSpPr>
+        <p:spPr>
+          <a:xfrm>
+            <a:off x="685800" y="4343400"/>
+            <a:ext cx="5486400" cy="4114800"/>
+          </a:xfrm>
+          <a:prstGeom prst="rect">
+            <a:avLst/>
+          </a:prstGeom>
+        </p:spPr>
+        <p:txBody>
+          <a:bodyPr anchorCtr="0" anchor="t" bIns="91425" lIns="91425" spcFirstLastPara="1" rIns="91425" wrap="square" tIns="91425">
+            <a:noAutofit/>
+          </a:bodyPr>
+          <a:lstStyle/>
+          <a:p>
+            <a:pPr indent="0" lvl="0" marL="0" rtl="0" algn="l">
+              <a:spcBef>
+                <a:spcPts val="0"/>
+              </a:spcBef>
+              <a:spcAft>
+                <a:spcPts val="0"/>
+              </a:spcAft>
+              <a:buNone/>
+            </a:pPr>
+            <a:r>
+              <a:t/>
+            </a:r>
+            <a:endParaRPr/>
+          </a:p>
+        </p:txBody>
+      </p:sp>
+    </p:spTree>
+  </p:cSld>
+  <p:clrMapOvr>
+    <a:masterClrMapping/>
+  </p:clrMapOvr>
+</p:notes>
+</file>
+
+<file path=ppt/notesSlides/notesSlide5.xml><?xml version="1.0" encoding="utf-8"?>
+<p:notes xmlns:a="http://schemas.openxmlformats.org/drawingml/2006/main" xmlns:r="http://schemas.openxmlformats.org/officeDocument/2006/relationships" xmlns:mc="http://schemas.openxmlformats.org/markup-compatibility/2006" xmlns:mv="urn:schemas-microsoft-com:mac:vml" xmlns:p="http://schemas.openxmlformats.org/presentationml/2006/main" xmlns:c="http://schemas.openxmlformats.org/drawingml/2006/chart" xmlns:dgm="http://schemas.openxmlformats.org/drawingml/2006/diagram" xmlns:o="urn:schemas-microsoft-com:office:office" xmlns:v="urn:schemas-microsoft-com:vml" xmlns:pvml="urn:schemas-microsoft-com:office:powerpoint" xmlns:com="http://schemas.openxmlformats.org/drawingml/2006/compatibility" xmlns:p14="http://schemas.microsoft.com/office/powerpoint/2010/main" xmlns:p15="http://schemas.microsoft.com/office/powerpoint/2012/main" showMasterPhAnim="0" showMasterSp="0">
+  <p:cSld>
+    <p:spTree>
+      <p:nvGrpSpPr>
+        <p:cNvPr id="75" name="Shape 75"/>
+        <p:cNvGrpSpPr/>
+        <p:nvPr/>
+      </p:nvGrpSpPr>
+      <p:grpSpPr>
+        <a:xfrm>
+          <a:off x="0" y="0"/>
+          <a:ext cx="0" cy="0"/>
+          <a:chOff x="0" y="0"/>
+          <a:chExt cx="0" cy="0"/>
+        </a:xfrm>
+      </p:grpSpPr>
+      <p:sp>
+        <p:nvSpPr>
+          <p:cNvPr id="76" name="Google Shape;76;g7739f47d56_0_27:notes"/>
+          <p:cNvSpPr/>
+          <p:nvPr>
+            <p:ph idx="2" type="sldImg"/>
+          </p:nvPr>
+        </p:nvSpPr>
+        <p:spPr>
+          <a:xfrm>
+            <a:off x="381300" y="685800"/>
+            <a:ext cx="6096000" cy="3429000"/>
+          </a:xfrm>
+          <a:custGeom>
+            <a:rect b="b" l="l" r="r" t="t"/>
+            <a:pathLst>
+              <a:path extrusionOk="0" h="120000" w="120000">
+                <a:moveTo>
+                  <a:pt x="0" y="0"/>
+                </a:moveTo>
+                <a:lnTo>
+                  <a:pt x="120000" y="0"/>
+                </a:lnTo>
+                <a:lnTo>
+                  <a:pt x="120000" y="120000"/>
+                </a:lnTo>
+                <a:lnTo>
+                  <a:pt x="0" y="120000"/>
+                </a:lnTo>
+                <a:close/>
+              </a:path>
+            </a:pathLst>
+          </a:custGeom>
+        </p:spPr>
+      </p:sp>
+      <p:sp>
+        <p:nvSpPr>
+          <p:cNvPr id="77" name="Google Shape;77;g7739f47d56_0_27:notes"/>
+          <p:cNvSpPr txBox="1"/>
+          <p:nvPr>
+            <p:ph idx="1" type="body"/>
+          </p:nvPr>
+        </p:nvSpPr>
+        <p:spPr>
+          <a:xfrm>
+            <a:off x="685800" y="4343400"/>
+            <a:ext cx="5486400" cy="4114800"/>
+          </a:xfrm>
+          <a:prstGeom prst="rect">
+            <a:avLst/>
+          </a:prstGeom>
+        </p:spPr>
+        <p:txBody>
+          <a:bodyPr anchorCtr="0" anchor="t" bIns="91425" lIns="91425" spcFirstLastPara="1" rIns="91425" wrap="square" tIns="91425">
+            <a:noAutofit/>
+          </a:bodyPr>
+          <a:lstStyle/>
+          <a:p>
+            <a:pPr indent="0" lvl="0" marL="0" rtl="0" algn="l">
+              <a:spcBef>
+                <a:spcPts val="0"/>
+              </a:spcBef>
+              <a:spcAft>
+                <a:spcPts val="0"/>
+              </a:spcAft>
+              <a:buNone/>
+            </a:pPr>
+            <a:r>
+              <a:t/>
+            </a:r>
+            <a:endParaRPr/>
+          </a:p>
+        </p:txBody>
+      </p:sp>
+    </p:spTree>
+  </p:cSld>
+  <p:clrMapOvr>
+    <a:masterClrMapping/>
+  </p:clrMapOvr>
+</p:notes>
+</file>
+
+<file path=ppt/notesSlides/notesSlide6.xml><?xml version="1.0" encoding="utf-8"?>
+<p:notes xmlns:a="http://schemas.openxmlformats.org/drawingml/2006/main" xmlns:r="http://schemas.openxmlformats.org/officeDocument/2006/relationships" xmlns:mc="http://schemas.openxmlformats.org/markup-compatibility/2006" xmlns:mv="urn:schemas-microsoft-com:mac:vml" xmlns:p="http://schemas.openxmlformats.org/presentationml/2006/main" xmlns:c="http://schemas.openxmlformats.org/drawingml/2006/chart" xmlns:dgm="http://schemas.openxmlformats.org/drawingml/2006/diagram" xmlns:o="urn:schemas-microsoft-com:office:office" xmlns:v="urn:schemas-microsoft-com:vml" xmlns:pvml="urn:schemas-microsoft-com:office:powerpoint" xmlns:com="http://schemas.openxmlformats.org/drawingml/2006/compatibility" xmlns:p14="http://schemas.microsoft.com/office/powerpoint/2010/main" xmlns:p15="http://schemas.microsoft.com/office/powerpoint/2012/main" showMasterPhAnim="0" showMasterSp="0">
+  <p:cSld>
+    <p:spTree>
+      <p:nvGrpSpPr>
+        <p:cNvPr id="81" name="Shape 81"/>
+        <p:cNvGrpSpPr/>
+        <p:nvPr/>
+      </p:nvGrpSpPr>
+      <p:grpSpPr>
+        <a:xfrm>
+          <a:off x="0" y="0"/>
+          <a:ext cx="0" cy="0"/>
+          <a:chOff x="0" y="0"/>
+          <a:chExt cx="0" cy="0"/>
+        </a:xfrm>
+      </p:grpSpPr>
+      <p:sp>
+        <p:nvSpPr>
+          <p:cNvPr id="82" name="Google Shape;82;g7739f47d56_0_34:notes"/>
+          <p:cNvSpPr/>
+          <p:nvPr>
+            <p:ph idx="2" type="sldImg"/>
+          </p:nvPr>
+        </p:nvSpPr>
+        <p:spPr>
+          <a:xfrm>
+            <a:off x="381300" y="685800"/>
+            <a:ext cx="6096000" cy="3429000"/>
+          </a:xfrm>
+          <a:custGeom>
+            <a:rect b="b" l="l" r="r" t="t"/>
+            <a:pathLst>
+              <a:path extrusionOk="0" h="120000" w="120000">
+                <a:moveTo>
+                  <a:pt x="0" y="0"/>
+                </a:moveTo>
+                <a:lnTo>
+                  <a:pt x="120000" y="0"/>
+                </a:lnTo>
+                <a:lnTo>
+                  <a:pt x="120000" y="120000"/>
+                </a:lnTo>
+                <a:lnTo>
+                  <a:pt x="0" y="120000"/>
+                </a:lnTo>
+                <a:close/>
+              </a:path>
+            </a:pathLst>
+          </a:custGeom>
+        </p:spPr>
+      </p:sp>
+      <p:sp>
+        <p:nvSpPr>
+          <p:cNvPr id="83" name="Google Shape;83;g7739f47d56_0_34:notes"/>
+          <p:cNvSpPr txBox="1"/>
+          <p:nvPr>
+            <p:ph idx="1" type="body"/>
+          </p:nvPr>
+        </p:nvSpPr>
+        <p:spPr>
+          <a:xfrm>
+            <a:off x="685800" y="4343400"/>
+            <a:ext cx="5486400" cy="4114800"/>
+          </a:xfrm>
+          <a:prstGeom prst="rect">
+            <a:avLst/>
+          </a:prstGeom>
+        </p:spPr>
+        <p:txBody>
+          <a:bodyPr anchorCtr="0" anchor="t" bIns="91425" lIns="91425" spcFirstLastPara="1" rIns="91425" wrap="square" tIns="91425">
+            <a:noAutofit/>
+          </a:bodyPr>
+          <a:lstStyle/>
+          <a:p>
+            <a:pPr indent="0" lvl="0" marL="0" rtl="0" algn="l">
+              <a:spcBef>
+                <a:spcPts val="0"/>
+              </a:spcBef>
+              <a:spcAft>
+                <a:spcPts val="0"/>
+              </a:spcAft>
+              <a:buNone/>
+            </a:pPr>
+            <a:r>
+              <a:t/>
+            </a:r>
+            <a:endParaRPr/>
+          </a:p>
+        </p:txBody>
+      </p:sp>
+    </p:spTree>
+  </p:cSld>
+  <p:clrMapOvr>
+    <a:masterClrMapping/>
+  </p:clrMapOvr>
+</p:notes>
+</file>
+
+<file path=ppt/notesSlides/notesSlide7.xml><?xml version="1.0" encoding="utf-8"?>
+<p:notes xmlns:a="http://schemas.openxmlformats.org/drawingml/2006/main" xmlns:r="http://schemas.openxmlformats.org/officeDocument/2006/relationships" xmlns:mc="http://schemas.openxmlformats.org/markup-compatibility/2006" xmlns:mv="urn:schemas-microsoft-com:mac:vml" xmlns:p="http://schemas.openxmlformats.org/presentationml/2006/main" xmlns:c="http://schemas.openxmlformats.org/drawingml/2006/chart" xmlns:dgm="http://schemas.openxmlformats.org/drawingml/2006/diagram" xmlns:o="urn:schemas-microsoft-com:office:office" xmlns:v="urn:schemas-microsoft-com:vml" xmlns:pvml="urn:schemas-microsoft-com:office:powerpoint" xmlns:com="http://schemas.openxmlformats.org/drawingml/2006/compatibility" xmlns:p14="http://schemas.microsoft.com/office/powerpoint/2010/main" xmlns:p15="http://schemas.microsoft.com/office/powerpoint/2012/main" showMasterPhAnim="0" showMasterSp="0">
+  <p:cSld>
+    <p:spTree>
+      <p:nvGrpSpPr>
+        <p:cNvPr id="87" name="Shape 87"/>
+        <p:cNvGrpSpPr/>
+        <p:nvPr/>
+      </p:nvGrpSpPr>
+      <p:grpSpPr>
+        <a:xfrm>
+          <a:off x="0" y="0"/>
+          <a:ext cx="0" cy="0"/>
+          <a:chOff x="0" y="0"/>
+          <a:chExt cx="0" cy="0"/>
+        </a:xfrm>
+      </p:grpSpPr>
+      <p:sp>
+        <p:nvSpPr>
+          <p:cNvPr id="88" name="Google Shape;88;g7739f47d56_0_41:notes"/>
+          <p:cNvSpPr/>
+          <p:nvPr>
+            <p:ph idx="2" type="sldImg"/>
+          </p:nvPr>
+        </p:nvSpPr>
+        <p:spPr>
+          <a:xfrm>
+            <a:off x="381300" y="685800"/>
+            <a:ext cx="6096000" cy="3429000"/>
+          </a:xfrm>
+          <a:custGeom>
+            <a:rect b="b" l="l" r="r" t="t"/>
+            <a:pathLst>
+              <a:path extrusionOk="0" h="120000" w="120000">
+                <a:moveTo>
+                  <a:pt x="0" y="0"/>
+                </a:moveTo>
+                <a:lnTo>
+                  <a:pt x="120000" y="0"/>
+                </a:lnTo>
+                <a:lnTo>
+                  <a:pt x="120000" y="120000"/>
+                </a:lnTo>
+                <a:lnTo>
+                  <a:pt x="0" y="120000"/>
+                </a:lnTo>
+                <a:close/>
+              </a:path>
+            </a:pathLst>
+          </a:custGeom>
+        </p:spPr>
+      </p:sp>
+      <p:sp>
+        <p:nvSpPr>
+          <p:cNvPr id="89" name="Google Shape;89;g7739f47d56_0_41:notes"/>
+          <p:cNvSpPr txBox="1"/>
+          <p:nvPr>
+            <p:ph idx="1" type="body"/>
+          </p:nvPr>
+        </p:nvSpPr>
+        <p:spPr>
+          <a:xfrm>
+            <a:off x="685800" y="4343400"/>
+            <a:ext cx="5486400" cy="4114800"/>
+          </a:xfrm>
+          <a:prstGeom prst="rect">
+            <a:avLst/>
+          </a:prstGeom>
+        </p:spPr>
+        <p:txBody>
+          <a:bodyPr anchorCtr="0" anchor="t" bIns="91425" lIns="91425" spcFirstLastPara="1" rIns="91425" wrap="square" tIns="91425">
+            <a:noAutofit/>
+          </a:bodyPr>
+          <a:lstStyle/>
+          <a:p>
+            <a:pPr indent="0" lvl="0" marL="0" rtl="0" algn="l">
+              <a:spcBef>
+                <a:spcPts val="0"/>
+              </a:spcBef>
+              <a:spcAft>
+                <a:spcPts val="0"/>
+              </a:spcAft>
+              <a:buNone/>
+            </a:pPr>
+            <a:r>
+              <a:t/>
+            </a:r>
+            <a:endParaRPr/>
+          </a:p>
+        </p:txBody>
+      </p:sp>
+    </p:spTree>
+  </p:cSld>
+  <p:clrMapOvr>
+    <a:masterClrMapping/>
+  </p:clrMapOvr>
+</p:notes>
+</file>
+
+<file path=ppt/notesSlides/notesSlide8.xml><?xml version="1.0" encoding="utf-8"?>
+<p:notes xmlns:a="http://schemas.openxmlformats.org/drawingml/2006/main" xmlns:r="http://schemas.openxmlformats.org/officeDocument/2006/relationships" xmlns:mc="http://schemas.openxmlformats.org/markup-compatibility/2006" xmlns:mv="urn:schemas-microsoft-com:mac:vml" xmlns:p="http://schemas.openxmlformats.org/presentationml/2006/main" xmlns:c="http://schemas.openxmlformats.org/drawingml/2006/chart" xmlns:dgm="http://schemas.openxmlformats.org/drawingml/2006/diagram" xmlns:o="urn:schemas-microsoft-com:office:office" xmlns:v="urn:schemas-microsoft-com:vml" xmlns:pvml="urn:schemas-microsoft-com:office:powerpoint" xmlns:com="http://schemas.openxmlformats.org/drawingml/2006/compatibility" xmlns:p14="http://schemas.microsoft.com/office/powerpoint/2010/main" xmlns:p15="http://schemas.microsoft.com/office/powerpoint/2012/main" showMasterPhAnim="0" showMasterSp="0">
+  <p:cSld>
+    <p:spTree>
+      <p:nvGrpSpPr>
+        <p:cNvPr id="96" name="Shape 96"/>
+        <p:cNvGrpSpPr/>
+        <p:nvPr/>
+      </p:nvGrpSpPr>
+      <p:grpSpPr>
+        <a:xfrm>
+          <a:off x="0" y="0"/>
+          <a:ext cx="0" cy="0"/>
+          <a:chOff x="0" y="0"/>
+          <a:chExt cx="0" cy="0"/>
+        </a:xfrm>
+      </p:grpSpPr>
+      <p:sp>
+        <p:nvSpPr>
+          <p:cNvPr id="97" name="Google Shape;97;g7739f47d56_0_53:notes"/>
+          <p:cNvSpPr/>
+          <p:nvPr>
+            <p:ph idx="2" type="sldImg"/>
+          </p:nvPr>
+        </p:nvSpPr>
+        <p:spPr>
+          <a:xfrm>
+            <a:off x="381300" y="685800"/>
+            <a:ext cx="6096000" cy="3429000"/>
+          </a:xfrm>
+          <a:custGeom>
+            <a:rect b="b" l="l" r="r" t="t"/>
+            <a:pathLst>
+              <a:path extrusionOk="0" h="120000" w="120000">
+                <a:moveTo>
+                  <a:pt x="0" y="0"/>
+                </a:moveTo>
+                <a:lnTo>
+                  <a:pt x="120000" y="0"/>
+                </a:lnTo>
+                <a:lnTo>
+                  <a:pt x="120000" y="120000"/>
+                </a:lnTo>
+                <a:lnTo>
+                  <a:pt x="0" y="120000"/>
+                </a:lnTo>
+                <a:close/>
+              </a:path>
+            </a:pathLst>
+          </a:custGeom>
+        </p:spPr>
+      </p:sp>
+      <p:sp>
+        <p:nvSpPr>
+          <p:cNvPr id="98" name="Google Shape;98;g7739f47d56_0_53:notes"/>
+          <p:cNvSpPr txBox="1"/>
+          <p:nvPr>
+            <p:ph idx="1" type="body"/>
+          </p:nvPr>
+        </p:nvSpPr>
+        <p:spPr>
+          <a:xfrm>
+            <a:off x="685800" y="4343400"/>
+            <a:ext cx="5486400" cy="4114800"/>
+          </a:xfrm>
+          <a:prstGeom prst="rect">
+            <a:avLst/>
+          </a:prstGeom>
+        </p:spPr>
+        <p:txBody>
+          <a:bodyPr anchorCtr="0" anchor="t" bIns="91425" lIns="91425" spcFirstLastPara="1" rIns="91425" wrap="square" tIns="91425">
+            <a:noAutofit/>
+          </a:bodyPr>
+          <a:lstStyle/>
+          <a:p>
+            <a:pPr indent="0" lvl="0" marL="0" rtl="0" algn="l">
+              <a:spcBef>
+                <a:spcPts val="0"/>
+              </a:spcBef>
+              <a:spcAft>
+                <a:spcPts val="0"/>
+              </a:spcAft>
+              <a:buNone/>
+            </a:pPr>
+            <a:r>
+              <a:t/>
+            </a:r>
+            <a:endParaRPr/>
+          </a:p>
+        </p:txBody>
+      </p:sp>
+    </p:spTree>
+  </p:cSld>
+  <p:clrMapOvr>
+    <a:masterClrMapping/>
+  </p:clrMapOvr>
+</p:notes>
+</file>
+
+<file path=ppt/notesSlides/notesSlide9.xml><?xml version="1.0" encoding="utf-8"?>
+<p:notes xmlns:a="http://schemas.openxmlformats.org/drawingml/2006/main" xmlns:r="http://schemas.openxmlformats.org/officeDocument/2006/relationships" xmlns:mc="http://schemas.openxmlformats.org/markup-compatibility/2006" xmlns:mv="urn:schemas-microsoft-com:mac:vml" xmlns:p="http://schemas.openxmlformats.org/presentationml/2006/main" xmlns:c="http://schemas.openxmlformats.org/drawingml/2006/chart" xmlns:dgm="http://schemas.openxmlformats.org/drawingml/2006/diagram" xmlns:o="urn:schemas-microsoft-com:office:office" xmlns:v="urn:schemas-microsoft-com:vml" xmlns:pvml="urn:schemas-microsoft-com:office:powerpoint" xmlns:com="http://schemas.openxmlformats.org/drawingml/2006/compatibility" xmlns:p14="http://schemas.microsoft.com/office/powerpoint/2010/main" xmlns:p15="http://schemas.microsoft.com/office/powerpoint/2012/main" showMasterPhAnim="0" showMasterSp="0">
+  <p:cSld>
+    <p:spTree>
+      <p:nvGrpSpPr>
+        <p:cNvPr id="102" name="Shape 102"/>
+        <p:cNvGrpSpPr/>
+        <p:nvPr/>
+      </p:nvGrpSpPr>
+      <p:grpSpPr>
+        <a:xfrm>
+          <a:off x="0" y="0"/>
+          <a:ext cx="0" cy="0"/>
+          <a:chOff x="0" y="0"/>
+          <a:chExt cx="0" cy="0"/>
+        </a:xfrm>
+      </p:grpSpPr>
+      <p:sp>
+        <p:nvSpPr>
+          <p:cNvPr id="103" name="Google Shape;103;g7739f47d56_0_46:notes"/>
+          <p:cNvSpPr/>
+          <p:nvPr>
+            <p:ph idx="2" type="sldImg"/>
+          </p:nvPr>
+        </p:nvSpPr>
+        <p:spPr>
+          <a:xfrm>
+            <a:off x="381300" y="685800"/>
+            <a:ext cx="6096000" cy="3429000"/>
+          </a:xfrm>
+          <a:custGeom>
+            <a:rect b="b" l="l" r="r" t="t"/>
+            <a:pathLst>
+              <a:path extrusionOk="0" h="120000" w="120000">
+                <a:moveTo>
+                  <a:pt x="0" y="0"/>
+                </a:moveTo>
+                <a:lnTo>
+                  <a:pt x="120000" y="0"/>
+                </a:lnTo>
+                <a:lnTo>
+                  <a:pt x="120000" y="120000"/>
+                </a:lnTo>
+                <a:lnTo>
+                  <a:pt x="0" y="120000"/>
+                </a:lnTo>
+                <a:close/>
+              </a:path>
+            </a:pathLst>
+          </a:custGeom>
+        </p:spPr>
+      </p:sp>
+      <p:sp>
+        <p:nvSpPr>
+          <p:cNvPr id="104" name="Google Shape;104;g7739f47d56_0_46:notes"/>
           <p:cNvSpPr txBox="1"/>
           <p:nvPr>
             <p:ph idx="1" type="body"/>
@@ -5881,6 +7181,1865 @@
 </p:sld>
 </file>
 
+<file path=ppt/slides/slide10.xml><?xml version="1.0" encoding="utf-8"?>
+<p:sld xmlns:a="http://schemas.openxmlformats.org/drawingml/2006/main" xmlns:r="http://schemas.openxmlformats.org/officeDocument/2006/relationships" xmlns:mc="http://schemas.openxmlformats.org/markup-compatibility/2006" xmlns:mv="urn:schemas-microsoft-com:mac:vml" xmlns:p="http://schemas.openxmlformats.org/presentationml/2006/main" xmlns:c="http://schemas.openxmlformats.org/drawingml/2006/chart" xmlns:dgm="http://schemas.openxmlformats.org/drawingml/2006/diagram" xmlns:o="urn:schemas-microsoft-com:office:office" xmlns:v="urn:schemas-microsoft-com:vml" xmlns:pvml="urn:schemas-microsoft-com:office:powerpoint" xmlns:com="http://schemas.openxmlformats.org/drawingml/2006/compatibility" xmlns:p14="http://schemas.microsoft.com/office/powerpoint/2010/main" xmlns:p15="http://schemas.microsoft.com/office/powerpoint/2012/main">
+  <p:cSld>
+    <p:spTree>
+      <p:nvGrpSpPr>
+        <p:cNvPr id="111" name="Shape 111"/>
+        <p:cNvGrpSpPr/>
+        <p:nvPr/>
+      </p:nvGrpSpPr>
+      <p:grpSpPr>
+        <a:xfrm>
+          <a:off x="0" y="0"/>
+          <a:ext cx="0" cy="0"/>
+          <a:chOff x="0" y="0"/>
+          <a:chExt cx="0" cy="0"/>
+        </a:xfrm>
+      </p:grpSpPr>
+      <p:sp>
+        <p:nvSpPr>
+          <p:cNvPr id="112" name="Google Shape;112;p22"/>
+          <p:cNvSpPr txBox="1"/>
+          <p:nvPr>
+            <p:ph type="title"/>
+          </p:nvPr>
+        </p:nvSpPr>
+        <p:spPr>
+          <a:xfrm>
+            <a:off x="371250" y="0"/>
+            <a:ext cx="8401500" cy="755700"/>
+          </a:xfrm>
+          <a:prstGeom prst="rect">
+            <a:avLst/>
+          </a:prstGeom>
+        </p:spPr>
+        <p:txBody>
+          <a:bodyPr anchorCtr="0" anchor="b" bIns="91425" lIns="91425" spcFirstLastPara="1" rIns="91425" wrap="square" tIns="91425">
+            <a:noAutofit/>
+          </a:bodyPr>
+          <a:lstStyle/>
+          <a:p>
+            <a:pPr indent="0" lvl="0" marL="0" rtl="0" algn="ctr">
+              <a:spcBef>
+                <a:spcPts val="0"/>
+              </a:spcBef>
+              <a:spcAft>
+                <a:spcPts val="0"/>
+              </a:spcAft>
+              <a:buNone/>
+            </a:pPr>
+            <a:r>
+              <a:rPr lang="en" sz="3100"/>
+              <a:t>Machine Learning Aspects </a:t>
+            </a:r>
+            <a:endParaRPr sz="1100"/>
+          </a:p>
+        </p:txBody>
+      </p:sp>
+      <p:sp>
+        <p:nvSpPr>
+          <p:cNvPr id="113" name="Google Shape;113;p22"/>
+          <p:cNvSpPr txBox="1"/>
+          <p:nvPr>
+            <p:ph idx="1" type="body"/>
+          </p:nvPr>
+        </p:nvSpPr>
+        <p:spPr>
+          <a:xfrm>
+            <a:off x="91675" y="573425"/>
+            <a:ext cx="8795400" cy="3179400"/>
+          </a:xfrm>
+          <a:prstGeom prst="rect">
+            <a:avLst/>
+          </a:prstGeom>
+        </p:spPr>
+        <p:txBody>
+          <a:bodyPr anchorCtr="0" anchor="t" bIns="91425" lIns="91425" spcFirstLastPara="1" rIns="91425" wrap="square" tIns="91425">
+            <a:noAutofit/>
+          </a:bodyPr>
+          <a:lstStyle/>
+          <a:p>
+            <a:pPr indent="0" lvl="0" marL="0" rtl="0" algn="l">
+              <a:lnSpc>
+                <a:spcPct val="90000"/>
+              </a:lnSpc>
+              <a:spcBef>
+                <a:spcPts val="1000"/>
+              </a:spcBef>
+              <a:spcAft>
+                <a:spcPts val="0"/>
+              </a:spcAft>
+              <a:buNone/>
+            </a:pPr>
+            <a:r>
+              <a:rPr lang="en" sz="2200">
+                <a:solidFill>
+                  <a:schemeClr val="dk1"/>
+                </a:solidFill>
+              </a:rPr>
+              <a:t>•Training</a:t>
+            </a:r>
+            <a:endParaRPr sz="1100">
+              <a:solidFill>
+                <a:schemeClr val="dk1"/>
+              </a:solidFill>
+              <a:highlight>
+                <a:srgbClr val="FFFF00"/>
+              </a:highlight>
+            </a:endParaRPr>
+          </a:p>
+          <a:p>
+            <a:pPr indent="0" lvl="0" marL="0" rtl="0" algn="l">
+              <a:lnSpc>
+                <a:spcPct val="90000"/>
+              </a:lnSpc>
+              <a:spcBef>
+                <a:spcPts val="1000"/>
+              </a:spcBef>
+              <a:spcAft>
+                <a:spcPts val="0"/>
+              </a:spcAft>
+              <a:buNone/>
+            </a:pPr>
+            <a:r>
+              <a:rPr b="1" lang="en">
+                <a:solidFill>
+                  <a:schemeClr val="dk1"/>
+                </a:solidFill>
+              </a:rPr>
+              <a:t>Output of first version trained on full dataset	 Output of second version trained on full dataset at 12,000 epochs</a:t>
+            </a:r>
+            <a:endParaRPr sz="2200">
+              <a:solidFill>
+                <a:schemeClr val="dk1"/>
+              </a:solidFill>
+            </a:endParaRPr>
+          </a:p>
+          <a:p>
+            <a:pPr indent="0" lvl="0" marL="0" rtl="0" algn="l">
+              <a:spcBef>
+                <a:spcPts val="0"/>
+              </a:spcBef>
+              <a:spcAft>
+                <a:spcPts val="1600"/>
+              </a:spcAft>
+              <a:buNone/>
+            </a:pPr>
+            <a:r>
+              <a:t/>
+            </a:r>
+            <a:endParaRPr/>
+          </a:p>
+        </p:txBody>
+      </p:sp>
+      <p:pic>
+        <p:nvPicPr>
+          <p:cNvPr id="114" name="Google Shape;114;p22"/>
+          <p:cNvPicPr preferRelativeResize="0"/>
+          <p:nvPr/>
+        </p:nvPicPr>
+        <p:blipFill>
+          <a:blip r:embed="rId3">
+            <a:alphaModFix/>
+          </a:blip>
+          <a:stretch>
+            <a:fillRect/>
+          </a:stretch>
+        </p:blipFill>
+        <p:spPr>
+          <a:xfrm>
+            <a:off x="242800" y="1584013"/>
+            <a:ext cx="3179400" cy="3179400"/>
+          </a:xfrm>
+          <a:prstGeom prst="rect">
+            <a:avLst/>
+          </a:prstGeom>
+          <a:noFill/>
+          <a:ln>
+            <a:noFill/>
+          </a:ln>
+        </p:spPr>
+      </p:pic>
+      <p:pic>
+        <p:nvPicPr>
+          <p:cNvPr id="115" name="Google Shape;115;p22"/>
+          <p:cNvPicPr preferRelativeResize="0"/>
+          <p:nvPr/>
+        </p:nvPicPr>
+        <p:blipFill rotWithShape="1">
+          <a:blip r:embed="rId4">
+            <a:alphaModFix/>
+          </a:blip>
+          <a:srcRect b="0" l="-4199" r="0" t="-4199"/>
+          <a:stretch/>
+        </p:blipFill>
+        <p:spPr>
+          <a:xfrm>
+            <a:off x="4458650" y="1348700"/>
+            <a:ext cx="3650026" cy="3650024"/>
+          </a:xfrm>
+          <a:prstGeom prst="rect">
+            <a:avLst/>
+          </a:prstGeom>
+          <a:noFill/>
+          <a:ln>
+            <a:noFill/>
+          </a:ln>
+        </p:spPr>
+      </p:pic>
+    </p:spTree>
+  </p:cSld>
+  <p:clrMapOvr>
+    <a:masterClrMapping/>
+  </p:clrMapOvr>
+</p:sld>
+</file>
+
+<file path=ppt/slides/slide11.xml><?xml version="1.0" encoding="utf-8"?>
+<p:sld xmlns:a="http://schemas.openxmlformats.org/drawingml/2006/main" xmlns:r="http://schemas.openxmlformats.org/officeDocument/2006/relationships" xmlns:mc="http://schemas.openxmlformats.org/markup-compatibility/2006" xmlns:mv="urn:schemas-microsoft-com:mac:vml" xmlns:p="http://schemas.openxmlformats.org/presentationml/2006/main" xmlns:c="http://schemas.openxmlformats.org/drawingml/2006/chart" xmlns:dgm="http://schemas.openxmlformats.org/drawingml/2006/diagram" xmlns:o="urn:schemas-microsoft-com:office:office" xmlns:v="urn:schemas-microsoft-com:vml" xmlns:pvml="urn:schemas-microsoft-com:office:powerpoint" xmlns:com="http://schemas.openxmlformats.org/drawingml/2006/compatibility" xmlns:p14="http://schemas.microsoft.com/office/powerpoint/2010/main" xmlns:p15="http://schemas.microsoft.com/office/powerpoint/2012/main">
+  <p:cSld>
+    <p:spTree>
+      <p:nvGrpSpPr>
+        <p:cNvPr id="119" name="Shape 119"/>
+        <p:cNvGrpSpPr/>
+        <p:nvPr/>
+      </p:nvGrpSpPr>
+      <p:grpSpPr>
+        <a:xfrm>
+          <a:off x="0" y="0"/>
+          <a:ext cx="0" cy="0"/>
+          <a:chOff x="0" y="0"/>
+          <a:chExt cx="0" cy="0"/>
+        </a:xfrm>
+      </p:grpSpPr>
+      <p:sp>
+        <p:nvSpPr>
+          <p:cNvPr id="120" name="Google Shape;120;p23"/>
+          <p:cNvSpPr txBox="1"/>
+          <p:nvPr>
+            <p:ph type="title"/>
+          </p:nvPr>
+        </p:nvSpPr>
+        <p:spPr>
+          <a:xfrm>
+            <a:off x="371250" y="0"/>
+            <a:ext cx="8401500" cy="755700"/>
+          </a:xfrm>
+          <a:prstGeom prst="rect">
+            <a:avLst/>
+          </a:prstGeom>
+        </p:spPr>
+        <p:txBody>
+          <a:bodyPr anchorCtr="0" anchor="b" bIns="91425" lIns="91425" spcFirstLastPara="1" rIns="91425" wrap="square" tIns="91425">
+            <a:noAutofit/>
+          </a:bodyPr>
+          <a:lstStyle/>
+          <a:p>
+            <a:pPr indent="0" lvl="0" marL="0" rtl="0" algn="ctr">
+              <a:spcBef>
+                <a:spcPts val="0"/>
+              </a:spcBef>
+              <a:spcAft>
+                <a:spcPts val="0"/>
+              </a:spcAft>
+              <a:buNone/>
+            </a:pPr>
+            <a:r>
+              <a:rPr lang="en" sz="3100"/>
+              <a:t>Machine Learning Aspects </a:t>
+            </a:r>
+            <a:endParaRPr sz="1100"/>
+          </a:p>
+        </p:txBody>
+      </p:sp>
+      <p:sp>
+        <p:nvSpPr>
+          <p:cNvPr id="121" name="Google Shape;121;p23"/>
+          <p:cNvSpPr txBox="1"/>
+          <p:nvPr>
+            <p:ph idx="1" type="body"/>
+          </p:nvPr>
+        </p:nvSpPr>
+        <p:spPr>
+          <a:xfrm>
+            <a:off x="91675" y="573425"/>
+            <a:ext cx="8795400" cy="3179400"/>
+          </a:xfrm>
+          <a:prstGeom prst="rect">
+            <a:avLst/>
+          </a:prstGeom>
+        </p:spPr>
+        <p:txBody>
+          <a:bodyPr anchorCtr="0" anchor="t" bIns="91425" lIns="91425" spcFirstLastPara="1" rIns="91425" wrap="square" tIns="91425">
+            <a:noAutofit/>
+          </a:bodyPr>
+          <a:lstStyle/>
+          <a:p>
+            <a:pPr indent="0" lvl="0" marL="0" rtl="0" algn="l">
+              <a:lnSpc>
+                <a:spcPct val="90000"/>
+              </a:lnSpc>
+              <a:spcBef>
+                <a:spcPts val="1000"/>
+              </a:spcBef>
+              <a:spcAft>
+                <a:spcPts val="0"/>
+              </a:spcAft>
+              <a:buNone/>
+            </a:pPr>
+            <a:r>
+              <a:rPr lang="en" sz="2200">
+                <a:solidFill>
+                  <a:schemeClr val="dk1"/>
+                </a:solidFill>
+              </a:rPr>
+              <a:t>•Training</a:t>
+            </a:r>
+            <a:endParaRPr sz="1100">
+              <a:solidFill>
+                <a:schemeClr val="dk1"/>
+              </a:solidFill>
+              <a:highlight>
+                <a:srgbClr val="FFFF00"/>
+              </a:highlight>
+            </a:endParaRPr>
+          </a:p>
+          <a:p>
+            <a:pPr indent="0" lvl="0" marL="0" rtl="0" algn="l">
+              <a:lnSpc>
+                <a:spcPct val="90000"/>
+              </a:lnSpc>
+              <a:spcBef>
+                <a:spcPts val="1000"/>
+              </a:spcBef>
+              <a:spcAft>
+                <a:spcPts val="0"/>
+              </a:spcAft>
+              <a:buNone/>
+            </a:pPr>
+            <a:r>
+              <a:rPr b="1" lang="en">
+                <a:solidFill>
+                  <a:schemeClr val="dk1"/>
+                </a:solidFill>
+              </a:rPr>
+              <a:t>	 									</a:t>
+            </a:r>
+            <a:r>
+              <a:rPr b="1" lang="en" sz="1100">
+                <a:solidFill>
+                  <a:schemeClr val="dk1"/>
+                </a:solidFill>
+              </a:rPr>
+              <a:t>Output of final version of electronic and psychedelic genres</a:t>
+            </a:r>
+            <a:endParaRPr b="1" sz="1100">
+              <a:solidFill>
+                <a:schemeClr val="dk1"/>
+              </a:solidFill>
+            </a:endParaRPr>
+          </a:p>
+          <a:p>
+            <a:pPr indent="0" lvl="0" marL="1371600" rtl="0" algn="l">
+              <a:lnSpc>
+                <a:spcPct val="90000"/>
+              </a:lnSpc>
+              <a:spcBef>
+                <a:spcPts val="1000"/>
+              </a:spcBef>
+              <a:spcAft>
+                <a:spcPts val="0"/>
+              </a:spcAft>
+              <a:buNone/>
+            </a:pPr>
+            <a:r>
+              <a:t/>
+            </a:r>
+            <a:endParaRPr b="1">
+              <a:solidFill>
+                <a:schemeClr val="dk1"/>
+              </a:solidFill>
+            </a:endParaRPr>
+          </a:p>
+          <a:p>
+            <a:pPr indent="0" lvl="0" marL="0" rtl="0" algn="l">
+              <a:spcBef>
+                <a:spcPts val="0"/>
+              </a:spcBef>
+              <a:spcAft>
+                <a:spcPts val="1600"/>
+              </a:spcAft>
+              <a:buNone/>
+            </a:pPr>
+            <a:r>
+              <a:t/>
+            </a:r>
+            <a:endParaRPr/>
+          </a:p>
+        </p:txBody>
+      </p:sp>
+      <p:pic>
+        <p:nvPicPr>
+          <p:cNvPr id="122" name="Google Shape;122;p23"/>
+          <p:cNvPicPr preferRelativeResize="0"/>
+          <p:nvPr/>
+        </p:nvPicPr>
+        <p:blipFill>
+          <a:blip r:embed="rId3">
+            <a:alphaModFix/>
+          </a:blip>
+          <a:stretch>
+            <a:fillRect/>
+          </a:stretch>
+        </p:blipFill>
+        <p:spPr>
+          <a:xfrm>
+            <a:off x="251275" y="1677425"/>
+            <a:ext cx="3200400" cy="3200400"/>
+          </a:xfrm>
+          <a:prstGeom prst="rect">
+            <a:avLst/>
+          </a:prstGeom>
+          <a:noFill/>
+          <a:ln>
+            <a:noFill/>
+          </a:ln>
+        </p:spPr>
+      </p:pic>
+      <p:pic>
+        <p:nvPicPr>
+          <p:cNvPr id="123" name="Google Shape;123;p23"/>
+          <p:cNvPicPr preferRelativeResize="0"/>
+          <p:nvPr/>
+        </p:nvPicPr>
+        <p:blipFill>
+          <a:blip r:embed="rId4">
+            <a:alphaModFix/>
+          </a:blip>
+          <a:stretch>
+            <a:fillRect/>
+          </a:stretch>
+        </p:blipFill>
+        <p:spPr>
+          <a:xfrm>
+            <a:off x="5060150" y="1591700"/>
+            <a:ext cx="3333750" cy="3371850"/>
+          </a:xfrm>
+          <a:prstGeom prst="rect">
+            <a:avLst/>
+          </a:prstGeom>
+          <a:noFill/>
+          <a:ln>
+            <a:noFill/>
+          </a:ln>
+        </p:spPr>
+      </p:pic>
+      <p:sp>
+        <p:nvSpPr>
+          <p:cNvPr id="124" name="Google Shape;124;p23"/>
+          <p:cNvSpPr txBox="1"/>
+          <p:nvPr/>
+        </p:nvSpPr>
+        <p:spPr>
+          <a:xfrm>
+            <a:off x="351475" y="1200250"/>
+            <a:ext cx="3000000" cy="3000000"/>
+          </a:xfrm>
+          <a:prstGeom prst="rect">
+            <a:avLst/>
+          </a:prstGeom>
+          <a:noFill/>
+          <a:ln>
+            <a:noFill/>
+          </a:ln>
+        </p:spPr>
+        <p:txBody>
+          <a:bodyPr anchorCtr="0" anchor="t" bIns="91425" lIns="91425" spcFirstLastPara="1" rIns="91425" wrap="square" tIns="91425">
+            <a:noAutofit/>
+          </a:bodyPr>
+          <a:lstStyle/>
+          <a:p>
+            <a:pPr indent="0" lvl="0" marL="0" rtl="0" algn="l">
+              <a:spcBef>
+                <a:spcPts val="0"/>
+              </a:spcBef>
+              <a:spcAft>
+                <a:spcPts val="0"/>
+              </a:spcAft>
+              <a:buNone/>
+            </a:pPr>
+            <a:r>
+              <a:rPr b="1" lang="en" sz="1000">
+                <a:solidFill>
+                  <a:schemeClr val="dk1"/>
+                </a:solidFill>
+              </a:rPr>
+              <a:t>Output of final version of rock genre GAN trained only on rock/metal genres (34,000 epochs)</a:t>
+            </a:r>
+            <a:endParaRPr sz="1200"/>
+          </a:p>
+        </p:txBody>
+      </p:sp>
+    </p:spTree>
+  </p:cSld>
+  <p:clrMapOvr>
+    <a:masterClrMapping/>
+  </p:clrMapOvr>
+</p:sld>
+</file>
+
+<file path=ppt/slides/slide12.xml><?xml version="1.0" encoding="utf-8"?>
+<p:sld xmlns:a="http://schemas.openxmlformats.org/drawingml/2006/main" xmlns:r="http://schemas.openxmlformats.org/officeDocument/2006/relationships" xmlns:mc="http://schemas.openxmlformats.org/markup-compatibility/2006" xmlns:mv="urn:schemas-microsoft-com:mac:vml" xmlns:p="http://schemas.openxmlformats.org/presentationml/2006/main" xmlns:c="http://schemas.openxmlformats.org/drawingml/2006/chart" xmlns:dgm="http://schemas.openxmlformats.org/drawingml/2006/diagram" xmlns:o="urn:schemas-microsoft-com:office:office" xmlns:v="urn:schemas-microsoft-com:vml" xmlns:pvml="urn:schemas-microsoft-com:office:powerpoint" xmlns:com="http://schemas.openxmlformats.org/drawingml/2006/compatibility" xmlns:p14="http://schemas.microsoft.com/office/powerpoint/2010/main" xmlns:p15="http://schemas.microsoft.com/office/powerpoint/2012/main">
+  <p:cSld>
+    <p:spTree>
+      <p:nvGrpSpPr>
+        <p:cNvPr id="128" name="Shape 128"/>
+        <p:cNvGrpSpPr/>
+        <p:nvPr/>
+      </p:nvGrpSpPr>
+      <p:grpSpPr>
+        <a:xfrm>
+          <a:off x="0" y="0"/>
+          <a:ext cx="0" cy="0"/>
+          <a:chOff x="0" y="0"/>
+          <a:chExt cx="0" cy="0"/>
+        </a:xfrm>
+      </p:grpSpPr>
+      <p:sp>
+        <p:nvSpPr>
+          <p:cNvPr id="129" name="Google Shape;129;p24"/>
+          <p:cNvSpPr txBox="1"/>
+          <p:nvPr>
+            <p:ph type="title"/>
+          </p:nvPr>
+        </p:nvSpPr>
+        <p:spPr>
+          <a:xfrm>
+            <a:off x="371250" y="0"/>
+            <a:ext cx="8401500" cy="755700"/>
+          </a:xfrm>
+          <a:prstGeom prst="rect">
+            <a:avLst/>
+          </a:prstGeom>
+        </p:spPr>
+        <p:txBody>
+          <a:bodyPr anchorCtr="0" anchor="b" bIns="91425" lIns="91425" spcFirstLastPara="1" rIns="91425" wrap="square" tIns="91425">
+            <a:noAutofit/>
+          </a:bodyPr>
+          <a:lstStyle/>
+          <a:p>
+            <a:pPr indent="0" lvl="0" marL="0" rtl="0" algn="ctr">
+              <a:spcBef>
+                <a:spcPts val="0"/>
+              </a:spcBef>
+              <a:spcAft>
+                <a:spcPts val="0"/>
+              </a:spcAft>
+              <a:buNone/>
+            </a:pPr>
+            <a:r>
+              <a:rPr lang="en" sz="3100"/>
+              <a:t>Machine Learning Aspects </a:t>
+            </a:r>
+            <a:endParaRPr sz="1100"/>
+          </a:p>
+        </p:txBody>
+      </p:sp>
+      <p:sp>
+        <p:nvSpPr>
+          <p:cNvPr id="130" name="Google Shape;130;p24"/>
+          <p:cNvSpPr txBox="1"/>
+          <p:nvPr>
+            <p:ph idx="1" type="body"/>
+          </p:nvPr>
+        </p:nvSpPr>
+        <p:spPr>
+          <a:xfrm>
+            <a:off x="91675" y="573425"/>
+            <a:ext cx="8795400" cy="3179400"/>
+          </a:xfrm>
+          <a:prstGeom prst="rect">
+            <a:avLst/>
+          </a:prstGeom>
+        </p:spPr>
+        <p:txBody>
+          <a:bodyPr anchorCtr="0" anchor="t" bIns="91425" lIns="91425" spcFirstLastPara="1" rIns="91425" wrap="square" tIns="91425">
+            <a:noAutofit/>
+          </a:bodyPr>
+          <a:lstStyle/>
+          <a:p>
+            <a:pPr indent="0" lvl="0" marL="0" rtl="0" algn="l">
+              <a:lnSpc>
+                <a:spcPct val="90000"/>
+              </a:lnSpc>
+              <a:spcBef>
+                <a:spcPts val="1000"/>
+              </a:spcBef>
+              <a:spcAft>
+                <a:spcPts val="0"/>
+              </a:spcAft>
+              <a:buNone/>
+            </a:pPr>
+            <a:r>
+              <a:rPr lang="en" sz="2200">
+                <a:solidFill>
+                  <a:schemeClr val="dk1"/>
+                </a:solidFill>
+              </a:rPr>
+              <a:t>•Training</a:t>
+            </a:r>
+            <a:endParaRPr sz="2200">
+              <a:solidFill>
+                <a:schemeClr val="dk1"/>
+              </a:solidFill>
+            </a:endParaRPr>
+          </a:p>
+          <a:p>
+            <a:pPr indent="0" lvl="0" marL="0" rtl="0" algn="l">
+              <a:lnSpc>
+                <a:spcPct val="90000"/>
+              </a:lnSpc>
+              <a:spcBef>
+                <a:spcPts val="1000"/>
+              </a:spcBef>
+              <a:spcAft>
+                <a:spcPts val="0"/>
+              </a:spcAft>
+              <a:buNone/>
+            </a:pPr>
+            <a:r>
+              <a:rPr lang="en" sz="2200">
+                <a:solidFill>
+                  <a:schemeClr val="dk1"/>
+                </a:solidFill>
+              </a:rPr>
+              <a:t>EDM training: </a:t>
+            </a:r>
+            <a:r>
+              <a:rPr lang="en" sz="2200" u="sng">
+                <a:solidFill>
+                  <a:schemeClr val="hlink"/>
+                </a:solidFill>
+                <a:hlinkClick r:id="rId3"/>
+              </a:rPr>
+              <a:t>https://imgur.com/XGrmRR1</a:t>
+            </a:r>
+            <a:endParaRPr sz="2200">
+              <a:solidFill>
+                <a:schemeClr val="dk1"/>
+              </a:solidFill>
+            </a:endParaRPr>
+          </a:p>
+          <a:p>
+            <a:pPr indent="0" lvl="0" marL="0" rtl="0" algn="l">
+              <a:lnSpc>
+                <a:spcPct val="90000"/>
+              </a:lnSpc>
+              <a:spcBef>
+                <a:spcPts val="1000"/>
+              </a:spcBef>
+              <a:spcAft>
+                <a:spcPts val="0"/>
+              </a:spcAft>
+              <a:buNone/>
+            </a:pPr>
+            <a:r>
+              <a:rPr lang="en" sz="2200">
+                <a:solidFill>
+                  <a:schemeClr val="dk1"/>
+                </a:solidFill>
+              </a:rPr>
+              <a:t>Metal training: </a:t>
+            </a:r>
+            <a:r>
+              <a:rPr lang="en" sz="2200" u="sng">
+                <a:solidFill>
+                  <a:schemeClr val="hlink"/>
+                </a:solidFill>
+                <a:hlinkClick r:id="rId4"/>
+              </a:rPr>
+              <a:t>https://imgur.com/ZyyivO7</a:t>
+            </a:r>
+            <a:endParaRPr sz="2200">
+              <a:solidFill>
+                <a:schemeClr val="dk1"/>
+              </a:solidFill>
+            </a:endParaRPr>
+          </a:p>
+          <a:p>
+            <a:pPr indent="0" lvl="0" marL="0" rtl="0" algn="l">
+              <a:lnSpc>
+                <a:spcPct val="90000"/>
+              </a:lnSpc>
+              <a:spcBef>
+                <a:spcPts val="1000"/>
+              </a:spcBef>
+              <a:spcAft>
+                <a:spcPts val="0"/>
+              </a:spcAft>
+              <a:buNone/>
+            </a:pPr>
+            <a:r>
+              <a:t/>
+            </a:r>
+            <a:endParaRPr sz="2200">
+              <a:solidFill>
+                <a:schemeClr val="dk1"/>
+              </a:solidFill>
+            </a:endParaRPr>
+          </a:p>
+          <a:p>
+            <a:pPr indent="0" lvl="0" marL="0" rtl="0" algn="l">
+              <a:lnSpc>
+                <a:spcPct val="90000"/>
+              </a:lnSpc>
+              <a:spcBef>
+                <a:spcPts val="1000"/>
+              </a:spcBef>
+              <a:spcAft>
+                <a:spcPts val="0"/>
+              </a:spcAft>
+              <a:buNone/>
+            </a:pPr>
+            <a:r>
+              <a:t/>
+            </a:r>
+            <a:endParaRPr sz="2200">
+              <a:solidFill>
+                <a:schemeClr val="dk1"/>
+              </a:solidFill>
+            </a:endParaRPr>
+          </a:p>
+          <a:p>
+            <a:pPr indent="0" lvl="0" marL="0" rtl="0" algn="l">
+              <a:spcBef>
+                <a:spcPts val="0"/>
+              </a:spcBef>
+              <a:spcAft>
+                <a:spcPts val="1600"/>
+              </a:spcAft>
+              <a:buNone/>
+            </a:pPr>
+            <a:r>
+              <a:t/>
+            </a:r>
+            <a:endParaRPr/>
+          </a:p>
+        </p:txBody>
+      </p:sp>
+    </p:spTree>
+  </p:cSld>
+  <p:clrMapOvr>
+    <a:masterClrMapping/>
+  </p:clrMapOvr>
+</p:sld>
+</file>
+
+<file path=ppt/slides/slide13.xml><?xml version="1.0" encoding="utf-8"?>
+<p:sld xmlns:a="http://schemas.openxmlformats.org/drawingml/2006/main" xmlns:r="http://schemas.openxmlformats.org/officeDocument/2006/relationships" xmlns:mc="http://schemas.openxmlformats.org/markup-compatibility/2006" xmlns:mv="urn:schemas-microsoft-com:mac:vml" xmlns:p="http://schemas.openxmlformats.org/presentationml/2006/main" xmlns:c="http://schemas.openxmlformats.org/drawingml/2006/chart" xmlns:dgm="http://schemas.openxmlformats.org/drawingml/2006/diagram" xmlns:o="urn:schemas-microsoft-com:office:office" xmlns:v="urn:schemas-microsoft-com:vml" xmlns:pvml="urn:schemas-microsoft-com:office:powerpoint" xmlns:com="http://schemas.openxmlformats.org/drawingml/2006/compatibility" xmlns:p14="http://schemas.microsoft.com/office/powerpoint/2010/main" xmlns:p15="http://schemas.microsoft.com/office/powerpoint/2012/main">
+  <p:cSld>
+    <p:spTree>
+      <p:nvGrpSpPr>
+        <p:cNvPr id="134" name="Shape 134"/>
+        <p:cNvGrpSpPr/>
+        <p:nvPr/>
+      </p:nvGrpSpPr>
+      <p:grpSpPr>
+        <a:xfrm>
+          <a:off x="0" y="0"/>
+          <a:ext cx="0" cy="0"/>
+          <a:chOff x="0" y="0"/>
+          <a:chExt cx="0" cy="0"/>
+        </a:xfrm>
+      </p:grpSpPr>
+      <p:sp>
+        <p:nvSpPr>
+          <p:cNvPr id="135" name="Google Shape;135;p25"/>
+          <p:cNvSpPr txBox="1"/>
+          <p:nvPr>
+            <p:ph type="title"/>
+          </p:nvPr>
+        </p:nvSpPr>
+        <p:spPr>
+          <a:xfrm>
+            <a:off x="371250" y="0"/>
+            <a:ext cx="8401500" cy="755700"/>
+          </a:xfrm>
+          <a:prstGeom prst="rect">
+            <a:avLst/>
+          </a:prstGeom>
+        </p:spPr>
+        <p:txBody>
+          <a:bodyPr anchorCtr="0" anchor="b" bIns="91425" lIns="91425" spcFirstLastPara="1" rIns="91425" wrap="square" tIns="91425">
+            <a:noAutofit/>
+          </a:bodyPr>
+          <a:lstStyle/>
+          <a:p>
+            <a:pPr indent="0" lvl="0" marL="0" rtl="0" algn="ctr">
+              <a:spcBef>
+                <a:spcPts val="0"/>
+              </a:spcBef>
+              <a:spcAft>
+                <a:spcPts val="0"/>
+              </a:spcAft>
+              <a:buNone/>
+            </a:pPr>
+            <a:r>
+              <a:rPr lang="en" sz="3100"/>
+              <a:t>Machine Learning Aspects </a:t>
+            </a:r>
+            <a:endParaRPr sz="1100"/>
+          </a:p>
+        </p:txBody>
+      </p:sp>
+      <p:sp>
+        <p:nvSpPr>
+          <p:cNvPr id="136" name="Google Shape;136;p25"/>
+          <p:cNvSpPr txBox="1"/>
+          <p:nvPr>
+            <p:ph idx="1" type="body"/>
+          </p:nvPr>
+        </p:nvSpPr>
+        <p:spPr>
+          <a:xfrm>
+            <a:off x="91675" y="573425"/>
+            <a:ext cx="8795400" cy="3179400"/>
+          </a:xfrm>
+          <a:prstGeom prst="rect">
+            <a:avLst/>
+          </a:prstGeom>
+        </p:spPr>
+        <p:txBody>
+          <a:bodyPr anchorCtr="0" anchor="t" bIns="91425" lIns="91425" spcFirstLastPara="1" rIns="91425" wrap="square" tIns="91425">
+            <a:noAutofit/>
+          </a:bodyPr>
+          <a:lstStyle/>
+          <a:p>
+            <a:pPr indent="0" lvl="0" marL="0" rtl="0" algn="l">
+              <a:lnSpc>
+                <a:spcPct val="90000"/>
+              </a:lnSpc>
+              <a:spcBef>
+                <a:spcPts val="1000"/>
+              </a:spcBef>
+              <a:spcAft>
+                <a:spcPts val="0"/>
+              </a:spcAft>
+              <a:buNone/>
+            </a:pPr>
+            <a:r>
+              <a:rPr lang="en" sz="2200">
+                <a:solidFill>
+                  <a:schemeClr val="dk1"/>
+                </a:solidFill>
+              </a:rPr>
+              <a:t>•Inference</a:t>
+            </a:r>
+            <a:endParaRPr sz="2200">
+              <a:solidFill>
+                <a:schemeClr val="dk1"/>
+              </a:solidFill>
+            </a:endParaRPr>
+          </a:p>
+          <a:p>
+            <a:pPr indent="0" lvl="0" marL="228600" rtl="0" algn="just">
+              <a:spcBef>
+                <a:spcPts val="0"/>
+              </a:spcBef>
+              <a:spcAft>
+                <a:spcPts val="0"/>
+              </a:spcAft>
+              <a:buNone/>
+            </a:pPr>
+            <a:r>
+              <a:rPr lang="en" sz="1100">
+                <a:solidFill>
+                  <a:schemeClr val="dk1"/>
+                </a:solidFill>
+              </a:rPr>
+              <a:t>•</a:t>
+            </a:r>
+            <a:r>
+              <a:rPr lang="en" sz="700">
+                <a:solidFill>
+                  <a:schemeClr val="dk1"/>
+                </a:solidFill>
+                <a:latin typeface="Times New Roman"/>
+                <a:ea typeface="Times New Roman"/>
+                <a:cs typeface="Times New Roman"/>
+                <a:sym typeface="Times New Roman"/>
+              </a:rPr>
+              <a:t>     </a:t>
+            </a:r>
+            <a:r>
+              <a:rPr lang="en" sz="1000">
+                <a:solidFill>
+                  <a:schemeClr val="dk1"/>
+                </a:solidFill>
+                <a:latin typeface="Times New Roman"/>
+                <a:ea typeface="Times New Roman"/>
+                <a:cs typeface="Times New Roman"/>
+                <a:sym typeface="Times New Roman"/>
+              </a:rPr>
+              <a:t> </a:t>
+            </a:r>
+            <a:r>
+              <a:rPr lang="en" sz="1400">
+                <a:solidFill>
+                  <a:schemeClr val="dk1"/>
+                </a:solidFill>
+              </a:rPr>
+              <a:t>Our model's “prediction” is the output of an image, given a random noise vector that is generated by the server when it is called.</a:t>
+            </a:r>
+            <a:endParaRPr sz="1400">
+              <a:solidFill>
+                <a:schemeClr val="dk1"/>
+              </a:solidFill>
+            </a:endParaRPr>
+          </a:p>
+          <a:p>
+            <a:pPr indent="0" lvl="0" marL="0" rtl="0" algn="l">
+              <a:lnSpc>
+                <a:spcPct val="90000"/>
+              </a:lnSpc>
+              <a:spcBef>
+                <a:spcPts val="1000"/>
+              </a:spcBef>
+              <a:spcAft>
+                <a:spcPts val="0"/>
+              </a:spcAft>
+              <a:buNone/>
+            </a:pPr>
+            <a:r>
+              <a:t/>
+            </a:r>
+            <a:endParaRPr sz="2200">
+              <a:solidFill>
+                <a:schemeClr val="dk1"/>
+              </a:solidFill>
+            </a:endParaRPr>
+          </a:p>
+          <a:p>
+            <a:pPr indent="0" lvl="0" marL="0" rtl="0" algn="l">
+              <a:lnSpc>
+                <a:spcPct val="90000"/>
+              </a:lnSpc>
+              <a:spcBef>
+                <a:spcPts val="1000"/>
+              </a:spcBef>
+              <a:spcAft>
+                <a:spcPts val="0"/>
+              </a:spcAft>
+              <a:buNone/>
+            </a:pPr>
+            <a:r>
+              <a:t/>
+            </a:r>
+            <a:endParaRPr sz="2200">
+              <a:solidFill>
+                <a:schemeClr val="dk1"/>
+              </a:solidFill>
+            </a:endParaRPr>
+          </a:p>
+          <a:p>
+            <a:pPr indent="0" lvl="0" marL="0" rtl="0" algn="l">
+              <a:spcBef>
+                <a:spcPts val="0"/>
+              </a:spcBef>
+              <a:spcAft>
+                <a:spcPts val="1600"/>
+              </a:spcAft>
+              <a:buNone/>
+            </a:pPr>
+            <a:r>
+              <a:t/>
+            </a:r>
+            <a:endParaRPr/>
+          </a:p>
+        </p:txBody>
+      </p:sp>
+    </p:spTree>
+  </p:cSld>
+  <p:clrMapOvr>
+    <a:masterClrMapping/>
+  </p:clrMapOvr>
+</p:sld>
+</file>
+
+<file path=ppt/slides/slide14.xml><?xml version="1.0" encoding="utf-8"?>
+<p:sld xmlns:a="http://schemas.openxmlformats.org/drawingml/2006/main" xmlns:r="http://schemas.openxmlformats.org/officeDocument/2006/relationships" xmlns:mc="http://schemas.openxmlformats.org/markup-compatibility/2006" xmlns:mv="urn:schemas-microsoft-com:mac:vml" xmlns:p="http://schemas.openxmlformats.org/presentationml/2006/main" xmlns:c="http://schemas.openxmlformats.org/drawingml/2006/chart" xmlns:dgm="http://schemas.openxmlformats.org/drawingml/2006/diagram" xmlns:o="urn:schemas-microsoft-com:office:office" xmlns:v="urn:schemas-microsoft-com:vml" xmlns:pvml="urn:schemas-microsoft-com:office:powerpoint" xmlns:com="http://schemas.openxmlformats.org/drawingml/2006/compatibility" xmlns:p14="http://schemas.microsoft.com/office/powerpoint/2010/main" xmlns:p15="http://schemas.microsoft.com/office/powerpoint/2012/main">
+  <p:cSld>
+    <p:spTree>
+      <p:nvGrpSpPr>
+        <p:cNvPr id="140" name="Shape 140"/>
+        <p:cNvGrpSpPr/>
+        <p:nvPr/>
+      </p:nvGrpSpPr>
+      <p:grpSpPr>
+        <a:xfrm>
+          <a:off x="0" y="0"/>
+          <a:ext cx="0" cy="0"/>
+          <a:chOff x="0" y="0"/>
+          <a:chExt cx="0" cy="0"/>
+        </a:xfrm>
+      </p:grpSpPr>
+      <p:sp>
+        <p:nvSpPr>
+          <p:cNvPr id="141" name="Google Shape;141;p26"/>
+          <p:cNvSpPr txBox="1"/>
+          <p:nvPr>
+            <p:ph type="title"/>
+          </p:nvPr>
+        </p:nvSpPr>
+        <p:spPr>
+          <a:xfrm>
+            <a:off x="371250" y="0"/>
+            <a:ext cx="8401500" cy="755700"/>
+          </a:xfrm>
+          <a:prstGeom prst="rect">
+            <a:avLst/>
+          </a:prstGeom>
+        </p:spPr>
+        <p:txBody>
+          <a:bodyPr anchorCtr="0" anchor="b" bIns="91425" lIns="91425" spcFirstLastPara="1" rIns="91425" wrap="square" tIns="91425">
+            <a:noAutofit/>
+          </a:bodyPr>
+          <a:lstStyle/>
+          <a:p>
+            <a:pPr indent="0" lvl="0" marL="0" rtl="0" algn="ctr">
+              <a:spcBef>
+                <a:spcPts val="0"/>
+              </a:spcBef>
+              <a:spcAft>
+                <a:spcPts val="0"/>
+              </a:spcAft>
+              <a:buNone/>
+            </a:pPr>
+            <a:r>
+              <a:rPr lang="en" sz="3100"/>
+              <a:t>Software</a:t>
+            </a:r>
+            <a:endParaRPr sz="1100"/>
+          </a:p>
+        </p:txBody>
+      </p:sp>
+      <p:sp>
+        <p:nvSpPr>
+          <p:cNvPr id="142" name="Google Shape;142;p26"/>
+          <p:cNvSpPr txBox="1"/>
+          <p:nvPr>
+            <p:ph idx="1" type="body"/>
+          </p:nvPr>
+        </p:nvSpPr>
+        <p:spPr>
+          <a:xfrm>
+            <a:off x="91675" y="573425"/>
+            <a:ext cx="8795400" cy="3179400"/>
+          </a:xfrm>
+          <a:prstGeom prst="rect">
+            <a:avLst/>
+          </a:prstGeom>
+        </p:spPr>
+        <p:txBody>
+          <a:bodyPr anchorCtr="0" anchor="t" bIns="91425" lIns="91425" spcFirstLastPara="1" rIns="91425" wrap="square" tIns="91425">
+            <a:noAutofit/>
+          </a:bodyPr>
+          <a:lstStyle/>
+          <a:p>
+            <a:pPr indent="0" lvl="0" marL="0" rtl="0" algn="l">
+              <a:lnSpc>
+                <a:spcPct val="90000"/>
+              </a:lnSpc>
+              <a:spcBef>
+                <a:spcPts val="1000"/>
+              </a:spcBef>
+              <a:spcAft>
+                <a:spcPts val="0"/>
+              </a:spcAft>
+              <a:buNone/>
+            </a:pPr>
+            <a:r>
+              <a:rPr lang="en" sz="2200">
+                <a:solidFill>
+                  <a:schemeClr val="dk1"/>
+                </a:solidFill>
+              </a:rPr>
+              <a:t>•Architecture</a:t>
+            </a:r>
+            <a:endParaRPr sz="2200">
+              <a:solidFill>
+                <a:schemeClr val="dk1"/>
+              </a:solidFill>
+            </a:endParaRPr>
+          </a:p>
+          <a:p>
+            <a:pPr indent="0" lvl="0" marL="0" rtl="0" algn="l">
+              <a:lnSpc>
+                <a:spcPct val="90000"/>
+              </a:lnSpc>
+              <a:spcBef>
+                <a:spcPts val="1000"/>
+              </a:spcBef>
+              <a:spcAft>
+                <a:spcPts val="0"/>
+              </a:spcAft>
+              <a:buNone/>
+            </a:pPr>
+            <a:r>
+              <a:rPr lang="en" sz="1100">
+                <a:solidFill>
+                  <a:schemeClr val="dk1"/>
+                </a:solidFill>
+              </a:rPr>
+              <a:t>•</a:t>
+            </a:r>
+            <a:r>
+              <a:rPr lang="en" sz="700">
+                <a:solidFill>
+                  <a:schemeClr val="dk1"/>
+                </a:solidFill>
+                <a:latin typeface="Times New Roman"/>
+                <a:ea typeface="Times New Roman"/>
+                <a:cs typeface="Times New Roman"/>
+                <a:sym typeface="Times New Roman"/>
+              </a:rPr>
+              <a:t>      </a:t>
+            </a:r>
+            <a:r>
+              <a:rPr lang="en" sz="1100">
+                <a:solidFill>
+                  <a:schemeClr val="dk1"/>
+                </a:solidFill>
+              </a:rPr>
+              <a:t>The project is delivered as a web service with an already trained model</a:t>
+            </a:r>
+            <a:endParaRPr sz="1100">
+              <a:solidFill>
+                <a:schemeClr val="dk1"/>
+              </a:solidFill>
+            </a:endParaRPr>
+          </a:p>
+          <a:p>
+            <a:pPr indent="0" lvl="0" marL="0" rtl="0" algn="just">
+              <a:spcBef>
+                <a:spcPts val="0"/>
+              </a:spcBef>
+              <a:spcAft>
+                <a:spcPts val="0"/>
+              </a:spcAft>
+              <a:buNone/>
+            </a:pPr>
+            <a:r>
+              <a:rPr lang="en" sz="1100">
+                <a:solidFill>
+                  <a:schemeClr val="dk1"/>
+                </a:solidFill>
+              </a:rPr>
+              <a:t>•</a:t>
+            </a:r>
+            <a:r>
+              <a:rPr lang="en" sz="700">
+                <a:solidFill>
+                  <a:schemeClr val="dk1"/>
+                </a:solidFill>
+                <a:latin typeface="Times New Roman"/>
+                <a:ea typeface="Times New Roman"/>
+                <a:cs typeface="Times New Roman"/>
+                <a:sym typeface="Times New Roman"/>
+              </a:rPr>
+              <a:t>      </a:t>
+            </a:r>
+            <a:r>
+              <a:rPr lang="en" sz="1100">
+                <a:solidFill>
+                  <a:schemeClr val="dk1"/>
+                </a:solidFill>
+              </a:rPr>
+              <a:t>We took multiple data sets and trained images using different noise figures in order to get a result that was usable on the web service.</a:t>
+            </a:r>
+            <a:endParaRPr sz="1100">
+              <a:solidFill>
+                <a:schemeClr val="dk1"/>
+              </a:solidFill>
+            </a:endParaRPr>
+          </a:p>
+          <a:p>
+            <a:pPr indent="0" lvl="0" marL="0" rtl="0" algn="l">
+              <a:lnSpc>
+                <a:spcPct val="90000"/>
+              </a:lnSpc>
+              <a:spcBef>
+                <a:spcPts val="1000"/>
+              </a:spcBef>
+              <a:spcAft>
+                <a:spcPts val="0"/>
+              </a:spcAft>
+              <a:buNone/>
+            </a:pPr>
+            <a:r>
+              <a:t/>
+            </a:r>
+            <a:endParaRPr sz="2200">
+              <a:solidFill>
+                <a:schemeClr val="dk1"/>
+              </a:solidFill>
+            </a:endParaRPr>
+          </a:p>
+          <a:p>
+            <a:pPr indent="0" lvl="0" marL="0" rtl="0" algn="l">
+              <a:lnSpc>
+                <a:spcPct val="90000"/>
+              </a:lnSpc>
+              <a:spcBef>
+                <a:spcPts val="1000"/>
+              </a:spcBef>
+              <a:spcAft>
+                <a:spcPts val="0"/>
+              </a:spcAft>
+              <a:buNone/>
+            </a:pPr>
+            <a:r>
+              <a:t/>
+            </a:r>
+            <a:endParaRPr sz="2200">
+              <a:solidFill>
+                <a:schemeClr val="dk1"/>
+              </a:solidFill>
+            </a:endParaRPr>
+          </a:p>
+          <a:p>
+            <a:pPr indent="0" lvl="0" marL="0" rtl="0" algn="l">
+              <a:spcBef>
+                <a:spcPts val="0"/>
+              </a:spcBef>
+              <a:spcAft>
+                <a:spcPts val="1600"/>
+              </a:spcAft>
+              <a:buNone/>
+            </a:pPr>
+            <a:r>
+              <a:t/>
+            </a:r>
+            <a:endParaRPr/>
+          </a:p>
+        </p:txBody>
+      </p:sp>
+      <p:pic>
+        <p:nvPicPr>
+          <p:cNvPr id="143" name="Google Shape;143;p26"/>
+          <p:cNvPicPr preferRelativeResize="0"/>
+          <p:nvPr/>
+        </p:nvPicPr>
+        <p:blipFill>
+          <a:blip r:embed="rId3">
+            <a:alphaModFix/>
+          </a:blip>
+          <a:stretch>
+            <a:fillRect/>
+          </a:stretch>
+        </p:blipFill>
+        <p:spPr>
+          <a:xfrm>
+            <a:off x="483625" y="1678775"/>
+            <a:ext cx="7694474" cy="3135051"/>
+          </a:xfrm>
+          <a:prstGeom prst="rect">
+            <a:avLst/>
+          </a:prstGeom>
+          <a:noFill/>
+          <a:ln>
+            <a:noFill/>
+          </a:ln>
+        </p:spPr>
+      </p:pic>
+    </p:spTree>
+  </p:cSld>
+  <p:clrMapOvr>
+    <a:masterClrMapping/>
+  </p:clrMapOvr>
+</p:sld>
+</file>
+
+<file path=ppt/slides/slide15.xml><?xml version="1.0" encoding="utf-8"?>
+<p:sld xmlns:a="http://schemas.openxmlformats.org/drawingml/2006/main" xmlns:r="http://schemas.openxmlformats.org/officeDocument/2006/relationships" xmlns:mc="http://schemas.openxmlformats.org/markup-compatibility/2006" xmlns:mv="urn:schemas-microsoft-com:mac:vml" xmlns:p="http://schemas.openxmlformats.org/presentationml/2006/main" xmlns:c="http://schemas.openxmlformats.org/drawingml/2006/chart" xmlns:dgm="http://schemas.openxmlformats.org/drawingml/2006/diagram" xmlns:o="urn:schemas-microsoft-com:office:office" xmlns:v="urn:schemas-microsoft-com:vml" xmlns:pvml="urn:schemas-microsoft-com:office:powerpoint" xmlns:com="http://schemas.openxmlformats.org/drawingml/2006/compatibility" xmlns:p14="http://schemas.microsoft.com/office/powerpoint/2010/main" xmlns:p15="http://schemas.microsoft.com/office/powerpoint/2012/main">
+  <p:cSld>
+    <p:spTree>
+      <p:nvGrpSpPr>
+        <p:cNvPr id="147" name="Shape 147"/>
+        <p:cNvGrpSpPr/>
+        <p:nvPr/>
+      </p:nvGrpSpPr>
+      <p:grpSpPr>
+        <a:xfrm>
+          <a:off x="0" y="0"/>
+          <a:ext cx="0" cy="0"/>
+          <a:chOff x="0" y="0"/>
+          <a:chExt cx="0" cy="0"/>
+        </a:xfrm>
+      </p:grpSpPr>
+      <p:sp>
+        <p:nvSpPr>
+          <p:cNvPr id="148" name="Google Shape;148;p27"/>
+          <p:cNvSpPr txBox="1"/>
+          <p:nvPr>
+            <p:ph type="title"/>
+          </p:nvPr>
+        </p:nvSpPr>
+        <p:spPr>
+          <a:xfrm>
+            <a:off x="371250" y="0"/>
+            <a:ext cx="8401500" cy="755700"/>
+          </a:xfrm>
+          <a:prstGeom prst="rect">
+            <a:avLst/>
+          </a:prstGeom>
+        </p:spPr>
+        <p:txBody>
+          <a:bodyPr anchorCtr="0" anchor="b" bIns="91425" lIns="91425" spcFirstLastPara="1" rIns="91425" wrap="square" tIns="91425">
+            <a:noAutofit/>
+          </a:bodyPr>
+          <a:lstStyle/>
+          <a:p>
+            <a:pPr indent="0" lvl="0" marL="0" rtl="0" algn="ctr">
+              <a:spcBef>
+                <a:spcPts val="0"/>
+              </a:spcBef>
+              <a:spcAft>
+                <a:spcPts val="0"/>
+              </a:spcAft>
+              <a:buNone/>
+            </a:pPr>
+            <a:r>
+              <a:rPr lang="en" sz="3100"/>
+              <a:t>Software</a:t>
+            </a:r>
+            <a:endParaRPr sz="1100"/>
+          </a:p>
+        </p:txBody>
+      </p:sp>
+      <p:sp>
+        <p:nvSpPr>
+          <p:cNvPr id="149" name="Google Shape;149;p27"/>
+          <p:cNvSpPr txBox="1"/>
+          <p:nvPr>
+            <p:ph idx="1" type="body"/>
+          </p:nvPr>
+        </p:nvSpPr>
+        <p:spPr>
+          <a:xfrm>
+            <a:off x="128400" y="569850"/>
+            <a:ext cx="8795400" cy="3179400"/>
+          </a:xfrm>
+          <a:prstGeom prst="rect">
+            <a:avLst/>
+          </a:prstGeom>
+        </p:spPr>
+        <p:txBody>
+          <a:bodyPr anchorCtr="0" anchor="t" bIns="91425" lIns="91425" spcFirstLastPara="1" rIns="91425" wrap="square" tIns="91425">
+            <a:noAutofit/>
+          </a:bodyPr>
+          <a:lstStyle/>
+          <a:p>
+            <a:pPr indent="0" lvl="0" marL="0" rtl="0" algn="l">
+              <a:lnSpc>
+                <a:spcPct val="90000"/>
+              </a:lnSpc>
+              <a:spcBef>
+                <a:spcPts val="1000"/>
+              </a:spcBef>
+              <a:spcAft>
+                <a:spcPts val="0"/>
+              </a:spcAft>
+              <a:buNone/>
+            </a:pPr>
+            <a:r>
+              <a:rPr lang="en" sz="2200">
+                <a:solidFill>
+                  <a:schemeClr val="dk1"/>
+                </a:solidFill>
+              </a:rPr>
+              <a:t>•User interface</a:t>
+            </a:r>
+            <a:endParaRPr sz="2200">
+              <a:solidFill>
+                <a:schemeClr val="dk1"/>
+              </a:solidFill>
+            </a:endParaRPr>
+          </a:p>
+          <a:p>
+            <a:pPr indent="0" lvl="0" marL="0" rtl="0" algn="l">
+              <a:lnSpc>
+                <a:spcPct val="90000"/>
+              </a:lnSpc>
+              <a:spcBef>
+                <a:spcPts val="1000"/>
+              </a:spcBef>
+              <a:spcAft>
+                <a:spcPts val="0"/>
+              </a:spcAft>
+              <a:buNone/>
+            </a:pPr>
+            <a:r>
+              <a:rPr lang="en" sz="2200">
+                <a:solidFill>
+                  <a:schemeClr val="dk1"/>
+                </a:solidFill>
+              </a:rPr>
+              <a:t>	</a:t>
+            </a:r>
+            <a:r>
+              <a:rPr lang="en" sz="1400">
+                <a:solidFill>
+                  <a:schemeClr val="dk1"/>
+                </a:solidFill>
+              </a:rPr>
+              <a:t>Is a static html page with a flask wrapper which uses GET and POST functionality in order to </a:t>
+            </a:r>
+            <a:r>
+              <a:rPr lang="en" sz="1400">
+                <a:solidFill>
+                  <a:schemeClr val="dk1"/>
+                </a:solidFill>
+              </a:rPr>
+              <a:t>utilize</a:t>
+            </a:r>
+            <a:r>
+              <a:rPr lang="en" sz="1400">
+                <a:solidFill>
+                  <a:schemeClr val="dk1"/>
+                </a:solidFill>
+              </a:rPr>
+              <a:t> the driver code.</a:t>
+            </a:r>
+            <a:endParaRPr sz="1400">
+              <a:solidFill>
+                <a:schemeClr val="dk1"/>
+              </a:solidFill>
+            </a:endParaRPr>
+          </a:p>
+          <a:p>
+            <a:pPr indent="0" lvl="0" marL="0" rtl="0" algn="l">
+              <a:lnSpc>
+                <a:spcPct val="90000"/>
+              </a:lnSpc>
+              <a:spcBef>
+                <a:spcPts val="1000"/>
+              </a:spcBef>
+              <a:spcAft>
+                <a:spcPts val="0"/>
+              </a:spcAft>
+              <a:buNone/>
+            </a:pPr>
+            <a:r>
+              <a:rPr lang="en" sz="1100" u="sng">
+                <a:solidFill>
+                  <a:schemeClr val="hlink"/>
+                </a:solidFill>
+                <a:hlinkClick r:id="rId3"/>
+              </a:rPr>
+              <a:t>https://sunlit-mix-274903.wl.r.appspot.com/</a:t>
+            </a:r>
+            <a:endParaRPr sz="2200">
+              <a:solidFill>
+                <a:schemeClr val="dk1"/>
+              </a:solidFill>
+            </a:endParaRPr>
+          </a:p>
+          <a:p>
+            <a:pPr indent="0" lvl="0" marL="0" rtl="0" algn="l">
+              <a:spcBef>
+                <a:spcPts val="0"/>
+              </a:spcBef>
+              <a:spcAft>
+                <a:spcPts val="1600"/>
+              </a:spcAft>
+              <a:buNone/>
+            </a:pPr>
+            <a:r>
+              <a:t/>
+            </a:r>
+            <a:endParaRPr/>
+          </a:p>
+        </p:txBody>
+      </p:sp>
+      <p:pic>
+        <p:nvPicPr>
+          <p:cNvPr id="150" name="Google Shape;150;p27"/>
+          <p:cNvPicPr preferRelativeResize="0"/>
+          <p:nvPr/>
+        </p:nvPicPr>
+        <p:blipFill>
+          <a:blip r:embed="rId4">
+            <a:alphaModFix/>
+          </a:blip>
+          <a:stretch>
+            <a:fillRect/>
+          </a:stretch>
+        </p:blipFill>
+        <p:spPr>
+          <a:xfrm>
+            <a:off x="2166000" y="3406350"/>
+            <a:ext cx="3881776" cy="1690600"/>
+          </a:xfrm>
+          <a:prstGeom prst="rect">
+            <a:avLst/>
+          </a:prstGeom>
+          <a:noFill/>
+          <a:ln>
+            <a:noFill/>
+          </a:ln>
+        </p:spPr>
+      </p:pic>
+      <p:pic>
+        <p:nvPicPr>
+          <p:cNvPr id="151" name="Google Shape;151;p27"/>
+          <p:cNvPicPr preferRelativeResize="0"/>
+          <p:nvPr/>
+        </p:nvPicPr>
+        <p:blipFill>
+          <a:blip r:embed="rId5">
+            <a:alphaModFix/>
+          </a:blip>
+          <a:stretch>
+            <a:fillRect/>
+          </a:stretch>
+        </p:blipFill>
+        <p:spPr>
+          <a:xfrm>
+            <a:off x="6177426" y="2192025"/>
+            <a:ext cx="2789500" cy="2829700"/>
+          </a:xfrm>
+          <a:prstGeom prst="rect">
+            <a:avLst/>
+          </a:prstGeom>
+          <a:noFill/>
+          <a:ln>
+            <a:noFill/>
+          </a:ln>
+        </p:spPr>
+      </p:pic>
+    </p:spTree>
+  </p:cSld>
+  <p:clrMapOvr>
+    <a:masterClrMapping/>
+  </p:clrMapOvr>
+</p:sld>
+</file>
+
+<file path=ppt/slides/slide16.xml><?xml version="1.0" encoding="utf-8"?>
+<p:sld xmlns:a="http://schemas.openxmlformats.org/drawingml/2006/main" xmlns:r="http://schemas.openxmlformats.org/officeDocument/2006/relationships" xmlns:mc="http://schemas.openxmlformats.org/markup-compatibility/2006" xmlns:mv="urn:schemas-microsoft-com:mac:vml" xmlns:p="http://schemas.openxmlformats.org/presentationml/2006/main" xmlns:c="http://schemas.openxmlformats.org/drawingml/2006/chart" xmlns:dgm="http://schemas.openxmlformats.org/drawingml/2006/diagram" xmlns:o="urn:schemas-microsoft-com:office:office" xmlns:v="urn:schemas-microsoft-com:vml" xmlns:pvml="urn:schemas-microsoft-com:office:powerpoint" xmlns:com="http://schemas.openxmlformats.org/drawingml/2006/compatibility" xmlns:p14="http://schemas.microsoft.com/office/powerpoint/2010/main" xmlns:p15="http://schemas.microsoft.com/office/powerpoint/2012/main">
+  <p:cSld>
+    <p:spTree>
+      <p:nvGrpSpPr>
+        <p:cNvPr id="155" name="Shape 155"/>
+        <p:cNvGrpSpPr/>
+        <p:nvPr/>
+      </p:nvGrpSpPr>
+      <p:grpSpPr>
+        <a:xfrm>
+          <a:off x="0" y="0"/>
+          <a:ext cx="0" cy="0"/>
+          <a:chOff x="0" y="0"/>
+          <a:chExt cx="0" cy="0"/>
+        </a:xfrm>
+      </p:grpSpPr>
+      <p:sp>
+        <p:nvSpPr>
+          <p:cNvPr id="156" name="Google Shape;156;p28"/>
+          <p:cNvSpPr txBox="1"/>
+          <p:nvPr>
+            <p:ph type="title"/>
+          </p:nvPr>
+        </p:nvSpPr>
+        <p:spPr>
+          <a:xfrm>
+            <a:off x="371250" y="0"/>
+            <a:ext cx="8401500" cy="755700"/>
+          </a:xfrm>
+          <a:prstGeom prst="rect">
+            <a:avLst/>
+          </a:prstGeom>
+        </p:spPr>
+        <p:txBody>
+          <a:bodyPr anchorCtr="0" anchor="b" bIns="91425" lIns="91425" spcFirstLastPara="1" rIns="91425" wrap="square" tIns="91425">
+            <a:noAutofit/>
+          </a:bodyPr>
+          <a:lstStyle/>
+          <a:p>
+            <a:pPr indent="0" lvl="0" marL="0" rtl="0" algn="ctr">
+              <a:spcBef>
+                <a:spcPts val="0"/>
+              </a:spcBef>
+              <a:spcAft>
+                <a:spcPts val="0"/>
+              </a:spcAft>
+              <a:buNone/>
+            </a:pPr>
+            <a:r>
+              <a:rPr lang="en" sz="3100"/>
+              <a:t>Tests/Demo</a:t>
+            </a:r>
+            <a:endParaRPr sz="1100"/>
+          </a:p>
+        </p:txBody>
+      </p:sp>
+      <p:sp>
+        <p:nvSpPr>
+          <p:cNvPr id="157" name="Google Shape;157;p28"/>
+          <p:cNvSpPr txBox="1"/>
+          <p:nvPr>
+            <p:ph idx="1" type="body"/>
+          </p:nvPr>
+        </p:nvSpPr>
+        <p:spPr>
+          <a:xfrm>
+            <a:off x="91675" y="573425"/>
+            <a:ext cx="8795400" cy="3179400"/>
+          </a:xfrm>
+          <a:prstGeom prst="rect">
+            <a:avLst/>
+          </a:prstGeom>
+        </p:spPr>
+        <p:txBody>
+          <a:bodyPr anchorCtr="0" anchor="t" bIns="91425" lIns="91425" spcFirstLastPara="1" rIns="91425" wrap="square" tIns="91425">
+            <a:noAutofit/>
+          </a:bodyPr>
+          <a:lstStyle/>
+          <a:p>
+            <a:pPr indent="0" lvl="0" marL="0" rtl="0" algn="l">
+              <a:lnSpc>
+                <a:spcPct val="90000"/>
+              </a:lnSpc>
+              <a:spcBef>
+                <a:spcPts val="1000"/>
+              </a:spcBef>
+              <a:spcAft>
+                <a:spcPts val="0"/>
+              </a:spcAft>
+              <a:buNone/>
+            </a:pPr>
+            <a:r>
+              <a:rPr lang="en" sz="2200">
+                <a:solidFill>
+                  <a:schemeClr val="dk1"/>
+                </a:solidFill>
+              </a:rPr>
+              <a:t>•Screen Capture Images</a:t>
+            </a:r>
+            <a:endParaRPr sz="1100">
+              <a:solidFill>
+                <a:schemeClr val="dk1"/>
+              </a:solidFill>
+              <a:highlight>
+                <a:srgbClr val="FFFF00"/>
+              </a:highlight>
+            </a:endParaRPr>
+          </a:p>
+          <a:p>
+            <a:pPr indent="0" lvl="0" marL="0" rtl="0" algn="l">
+              <a:lnSpc>
+                <a:spcPct val="90000"/>
+              </a:lnSpc>
+              <a:spcBef>
+                <a:spcPts val="1000"/>
+              </a:spcBef>
+              <a:spcAft>
+                <a:spcPts val="0"/>
+              </a:spcAft>
+              <a:buNone/>
+            </a:pPr>
+            <a:r>
+              <a:t/>
+            </a:r>
+            <a:endParaRPr sz="2200">
+              <a:solidFill>
+                <a:schemeClr val="dk1"/>
+              </a:solidFill>
+            </a:endParaRPr>
+          </a:p>
+          <a:p>
+            <a:pPr indent="0" lvl="0" marL="0" rtl="0" algn="l">
+              <a:spcBef>
+                <a:spcPts val="0"/>
+              </a:spcBef>
+              <a:spcAft>
+                <a:spcPts val="1600"/>
+              </a:spcAft>
+              <a:buNone/>
+            </a:pPr>
+            <a:r>
+              <a:t/>
+            </a:r>
+            <a:endParaRPr/>
+          </a:p>
+        </p:txBody>
+      </p:sp>
+    </p:spTree>
+  </p:cSld>
+  <p:clrMapOvr>
+    <a:masterClrMapping/>
+  </p:clrMapOvr>
+</p:sld>
+</file>
+
+<file path=ppt/slides/slide17.xml><?xml version="1.0" encoding="utf-8"?>
+<p:sld xmlns:a="http://schemas.openxmlformats.org/drawingml/2006/main" xmlns:r="http://schemas.openxmlformats.org/officeDocument/2006/relationships" xmlns:mc="http://schemas.openxmlformats.org/markup-compatibility/2006" xmlns:mv="urn:schemas-microsoft-com:mac:vml" xmlns:p="http://schemas.openxmlformats.org/presentationml/2006/main" xmlns:c="http://schemas.openxmlformats.org/drawingml/2006/chart" xmlns:dgm="http://schemas.openxmlformats.org/drawingml/2006/diagram" xmlns:o="urn:schemas-microsoft-com:office:office" xmlns:v="urn:schemas-microsoft-com:vml" xmlns:pvml="urn:schemas-microsoft-com:office:powerpoint" xmlns:com="http://schemas.openxmlformats.org/drawingml/2006/compatibility" xmlns:p14="http://schemas.microsoft.com/office/powerpoint/2010/main" xmlns:p15="http://schemas.microsoft.com/office/powerpoint/2012/main">
+  <p:cSld>
+    <p:spTree>
+      <p:nvGrpSpPr>
+        <p:cNvPr id="161" name="Shape 161"/>
+        <p:cNvGrpSpPr/>
+        <p:nvPr/>
+      </p:nvGrpSpPr>
+      <p:grpSpPr>
+        <a:xfrm>
+          <a:off x="0" y="0"/>
+          <a:ext cx="0" cy="0"/>
+          <a:chOff x="0" y="0"/>
+          <a:chExt cx="0" cy="0"/>
+        </a:xfrm>
+      </p:grpSpPr>
+      <p:sp>
+        <p:nvSpPr>
+          <p:cNvPr id="162" name="Google Shape;162;p29"/>
+          <p:cNvSpPr txBox="1"/>
+          <p:nvPr>
+            <p:ph type="title"/>
+          </p:nvPr>
+        </p:nvSpPr>
+        <p:spPr>
+          <a:xfrm>
+            <a:off x="371250" y="0"/>
+            <a:ext cx="8401500" cy="755700"/>
+          </a:xfrm>
+          <a:prstGeom prst="rect">
+            <a:avLst/>
+          </a:prstGeom>
+        </p:spPr>
+        <p:txBody>
+          <a:bodyPr anchorCtr="0" anchor="b" bIns="91425" lIns="91425" spcFirstLastPara="1" rIns="91425" wrap="square" tIns="91425">
+            <a:noAutofit/>
+          </a:bodyPr>
+          <a:lstStyle/>
+          <a:p>
+            <a:pPr indent="0" lvl="0" marL="0" rtl="0" algn="ctr">
+              <a:spcBef>
+                <a:spcPts val="0"/>
+              </a:spcBef>
+              <a:spcAft>
+                <a:spcPts val="0"/>
+              </a:spcAft>
+              <a:buNone/>
+            </a:pPr>
+            <a:r>
+              <a:rPr lang="en" sz="3100"/>
+              <a:t>Tests/Demo</a:t>
+            </a:r>
+            <a:endParaRPr sz="1100"/>
+          </a:p>
+        </p:txBody>
+      </p:sp>
+      <p:sp>
+        <p:nvSpPr>
+          <p:cNvPr id="163" name="Google Shape;163;p29"/>
+          <p:cNvSpPr txBox="1"/>
+          <p:nvPr>
+            <p:ph idx="1" type="body"/>
+          </p:nvPr>
+        </p:nvSpPr>
+        <p:spPr>
+          <a:xfrm>
+            <a:off x="91675" y="573425"/>
+            <a:ext cx="8795400" cy="3179400"/>
+          </a:xfrm>
+          <a:prstGeom prst="rect">
+            <a:avLst/>
+          </a:prstGeom>
+        </p:spPr>
+        <p:txBody>
+          <a:bodyPr anchorCtr="0" anchor="t" bIns="91425" lIns="91425" spcFirstLastPara="1" rIns="91425" wrap="square" tIns="91425">
+            <a:noAutofit/>
+          </a:bodyPr>
+          <a:lstStyle/>
+          <a:p>
+            <a:pPr indent="0" lvl="0" marL="0" rtl="0" algn="l">
+              <a:lnSpc>
+                <a:spcPct val="90000"/>
+              </a:lnSpc>
+              <a:spcBef>
+                <a:spcPts val="1000"/>
+              </a:spcBef>
+              <a:spcAft>
+                <a:spcPts val="0"/>
+              </a:spcAft>
+              <a:buNone/>
+            </a:pPr>
+            <a:r>
+              <a:rPr lang="en" sz="2200">
+                <a:solidFill>
+                  <a:schemeClr val="dk1"/>
+                </a:solidFill>
+              </a:rPr>
+              <a:t>•Use Cases</a:t>
+            </a:r>
+            <a:endParaRPr sz="1100">
+              <a:solidFill>
+                <a:schemeClr val="dk1"/>
+              </a:solidFill>
+              <a:highlight>
+                <a:srgbClr val="FFFF00"/>
+              </a:highlight>
+            </a:endParaRPr>
+          </a:p>
+          <a:p>
+            <a:pPr indent="0" lvl="0" marL="0" rtl="0" algn="l">
+              <a:lnSpc>
+                <a:spcPct val="90000"/>
+              </a:lnSpc>
+              <a:spcBef>
+                <a:spcPts val="1000"/>
+              </a:spcBef>
+              <a:spcAft>
+                <a:spcPts val="0"/>
+              </a:spcAft>
+              <a:buNone/>
+            </a:pPr>
+            <a:r>
+              <a:t/>
+            </a:r>
+            <a:endParaRPr sz="2200">
+              <a:solidFill>
+                <a:schemeClr val="dk1"/>
+              </a:solidFill>
+            </a:endParaRPr>
+          </a:p>
+          <a:p>
+            <a:pPr indent="0" lvl="0" marL="0" rtl="0" algn="l">
+              <a:spcBef>
+                <a:spcPts val="0"/>
+              </a:spcBef>
+              <a:spcAft>
+                <a:spcPts val="1600"/>
+              </a:spcAft>
+              <a:buNone/>
+            </a:pPr>
+            <a:r>
+              <a:t/>
+            </a:r>
+            <a:endParaRPr/>
+          </a:p>
+        </p:txBody>
+      </p:sp>
+    </p:spTree>
+  </p:cSld>
+  <p:clrMapOvr>
+    <a:masterClrMapping/>
+  </p:clrMapOvr>
+</p:sld>
+</file>
+
 <file path=ppt/slides/slide2.xml><?xml version="1.0" encoding="utf-8"?>
 <p:sld xmlns:a="http://schemas.openxmlformats.org/drawingml/2006/main" xmlns:r="http://schemas.openxmlformats.org/officeDocument/2006/relationships" xmlns:mc="http://schemas.openxmlformats.org/markup-compatibility/2006" xmlns:mv="urn:schemas-microsoft-com:mac:vml" xmlns:p="http://schemas.openxmlformats.org/presentationml/2006/main" xmlns:c="http://schemas.openxmlformats.org/drawingml/2006/chart" xmlns:dgm="http://schemas.openxmlformats.org/drawingml/2006/diagram" xmlns:o="urn:schemas-microsoft-com:office:office" xmlns:v="urn:schemas-microsoft-com:vml" xmlns:pvml="urn:schemas-microsoft-com:office:powerpoint" xmlns:com="http://schemas.openxmlformats.org/drawingml/2006/compatibility" xmlns:p14="http://schemas.microsoft.com/office/powerpoint/2010/main" xmlns:p15="http://schemas.microsoft.com/office/powerpoint/2012/main">
   <p:cSld>
@@ -5908,8 +9067,8 @@
         </p:nvSpPr>
         <p:spPr>
           <a:xfrm>
-            <a:off x="311700" y="555600"/>
-            <a:ext cx="2808000" cy="755700"/>
+            <a:off x="2161325" y="0"/>
+            <a:ext cx="6264900" cy="842700"/>
           </a:xfrm>
           <a:prstGeom prst="rect">
             <a:avLst/>
@@ -5928,13 +9087,26 @@
               <a:spcAft>
                 <a:spcPts val="0"/>
               </a:spcAft>
-              <a:buNone/>
-            </a:pPr>
-            <a:r>
-              <a:rPr lang="en"/>
-              <a:t>Overview</a:t>
-            </a:r>
-            <a:endParaRPr/>
+              <a:buClr>
+                <a:schemeClr val="dk1"/>
+              </a:buClr>
+              <a:buSzPts val="1100"/>
+              <a:buFont typeface="Arial"/>
+              <a:buNone/>
+            </a:pPr>
+            <a:r>
+              <a:rPr lang="en" sz="3100"/>
+              <a:t>GAN </a:t>
+            </a:r>
+            <a:r>
+              <a:rPr lang="en" sz="3100"/>
+              <a:t>Album</a:t>
+            </a:r>
+            <a:r>
+              <a:rPr lang="en" sz="3100"/>
+              <a:t> Generator</a:t>
+            </a:r>
+            <a:endParaRPr sz="1700"/>
           </a:p>
         </p:txBody>
       </p:sp>
@@ -5948,8 +9120,8 @@
         </p:nvSpPr>
         <p:spPr>
           <a:xfrm>
-            <a:off x="311700" y="1389600"/>
-            <a:ext cx="2808000" cy="3179400"/>
+            <a:off x="175675" y="792600"/>
+            <a:ext cx="8182500" cy="3179400"/>
           </a:xfrm>
           <a:prstGeom prst="rect">
             <a:avLst/>
@@ -5960,6 +9132,108 @@
             <a:noAutofit/>
           </a:bodyPr>
           <a:lstStyle/>
+          <a:p>
+            <a:pPr indent="0" lvl="0" marL="0" rtl="0" algn="l">
+              <a:lnSpc>
+                <a:spcPct val="90000"/>
+              </a:lnSpc>
+              <a:spcBef>
+                <a:spcPts val="1000"/>
+              </a:spcBef>
+              <a:spcAft>
+                <a:spcPts val="0"/>
+              </a:spcAft>
+              <a:buNone/>
+            </a:pPr>
+            <a:r>
+              <a:rPr lang="en" sz="2400">
+                <a:solidFill>
+                  <a:schemeClr val="dk1"/>
+                </a:solidFill>
+              </a:rPr>
+              <a:t>•</a:t>
+            </a:r>
+            <a:r>
+              <a:rPr b="1" lang="en" sz="2400">
+                <a:solidFill>
+                  <a:schemeClr val="dk1"/>
+                </a:solidFill>
+              </a:rPr>
+              <a:t>Project Summary</a:t>
+            </a:r>
+            <a:endParaRPr b="1" sz="2400">
+              <a:solidFill>
+                <a:schemeClr val="dk1"/>
+              </a:solidFill>
+            </a:endParaRPr>
+          </a:p>
+          <a:p>
+            <a:pPr indent="457200" lvl="0" marL="0" rtl="0" algn="l">
+              <a:lnSpc>
+                <a:spcPct val="90000"/>
+              </a:lnSpc>
+              <a:spcBef>
+                <a:spcPts val="500"/>
+              </a:spcBef>
+              <a:spcAft>
+                <a:spcPts val="0"/>
+              </a:spcAft>
+              <a:buNone/>
+            </a:pPr>
+            <a:r>
+              <a:rPr lang="en" sz="1600">
+                <a:solidFill>
+                  <a:schemeClr val="dk1"/>
+                </a:solidFill>
+              </a:rPr>
+              <a:t>•The purpose of GAAAN was to offer a tool for musicians and artists to have unique album artwork generated quickly at no cost. The tool is a website with a backend running on flask and a Deep Convolutional Generative Adversarial Network using tensorflow-keras. To train the GAAAN, we curated our own dataset using the Spotify API and some custom functions to grab about 54,000 images for training.</a:t>
+            </a:r>
+            <a:endParaRPr sz="1600">
+              <a:solidFill>
+                <a:schemeClr val="dk1"/>
+              </a:solidFill>
+            </a:endParaRPr>
+          </a:p>
+          <a:p>
+            <a:pPr indent="457200" lvl="0" marL="0" rtl="0" algn="l">
+              <a:lnSpc>
+                <a:spcPct val="90000"/>
+              </a:lnSpc>
+              <a:spcBef>
+                <a:spcPts val="500"/>
+              </a:spcBef>
+              <a:spcAft>
+                <a:spcPts val="0"/>
+              </a:spcAft>
+              <a:buClr>
+                <a:schemeClr val="dk1"/>
+              </a:buClr>
+              <a:buSzPts val="1100"/>
+              <a:buFont typeface="Arial"/>
+              <a:buNone/>
+            </a:pPr>
+            <a:r>
+              <a:rPr lang="en" sz="1600">
+                <a:solidFill>
+                  <a:schemeClr val="dk1"/>
+                </a:solidFill>
+              </a:rPr>
+              <a:t>	</a:t>
+            </a:r>
+            <a:r>
+              <a:rPr b="1" lang="en" sz="1600">
+                <a:solidFill>
+                  <a:schemeClr val="dk1"/>
+                </a:solidFill>
+              </a:rPr>
+              <a:t>	</a:t>
+            </a:r>
+            <a:endParaRPr b="1" sz="1600">
+              <a:solidFill>
+                <a:schemeClr val="dk1"/>
+              </a:solidFill>
+            </a:endParaRPr>
+          </a:p>
           <a:p>
             <a:pPr indent="0" lvl="0" marL="0" rtl="0" algn="l">
               <a:spcBef>
@@ -6012,8 +9286,8 @@
         </p:nvSpPr>
         <p:spPr>
           <a:xfrm>
-            <a:off x="2336975" y="98225"/>
-            <a:ext cx="4086600" cy="842700"/>
+            <a:off x="3818150" y="117275"/>
+            <a:ext cx="2265300" cy="755700"/>
           </a:xfrm>
           <a:prstGeom prst="rect">
             <a:avLst/>
@@ -6035,18 +9309,10 @@
               <a:buNone/>
             </a:pPr>
             <a:r>
-              <a:rPr lang="en"/>
-              <a:t>GAN </a:t>
-            </a:r>
-            <a:r>
-              <a:rPr lang="en"/>
-              <a:t>Album</a:t>
-            </a:r>
-            <a:r>
-              <a:rPr lang="en"/>
-              <a:t> Generator</a:t>
-            </a:r>
-            <a:endParaRPr/>
+              <a:rPr lang="en" sz="3100"/>
+              <a:t>Team</a:t>
+            </a:r>
+            <a:endParaRPr sz="3100"/>
           </a:p>
         </p:txBody>
       </p:sp>
@@ -6060,8 +9326,8 @@
         </p:nvSpPr>
         <p:spPr>
           <a:xfrm>
-            <a:off x="311700" y="1389600"/>
-            <a:ext cx="8182500" cy="3179400"/>
+            <a:off x="357050" y="982050"/>
+            <a:ext cx="7676100" cy="3179400"/>
           </a:xfrm>
           <a:prstGeom prst="rect">
             <a:avLst/>
@@ -6073,111 +9339,153 @@
           </a:bodyPr>
           <a:lstStyle/>
           <a:p>
-            <a:pPr indent="0" lvl="0" marL="0" rtl="0" algn="l">
-              <a:lnSpc>
-                <a:spcPct val="90000"/>
-              </a:lnSpc>
-              <a:spcBef>
-                <a:spcPts val="1000"/>
-              </a:spcBef>
-              <a:spcAft>
-                <a:spcPts val="0"/>
-              </a:spcAft>
-              <a:buNone/>
-            </a:pPr>
-            <a:r>
-              <a:rPr lang="en" sz="2400">
+            <a:pPr indent="0" lvl="0" marL="0" rtl="0" algn="just">
+              <a:spcBef>
+                <a:spcPts val="1200"/>
+              </a:spcBef>
+              <a:spcAft>
+                <a:spcPts val="0"/>
+              </a:spcAft>
+              <a:buNone/>
+            </a:pPr>
+            <a:r>
+              <a:rPr b="1" lang="en" sz="1400">
                 <a:solidFill>
-                  <a:schemeClr val="dk1"/>
+                  <a:srgbClr val="000000"/>
                 </a:solidFill>
               </a:rPr>
-              <a:t>•</a:t>
-            </a:r>
-            <a:r>
-              <a:rPr b="1" lang="en" sz="2400">
+              <a:t>Patrick Caldwell</a:t>
+            </a:r>
+            <a:endParaRPr b="1" sz="1400">
+              <a:solidFill>
+                <a:srgbClr val="000000"/>
+              </a:solidFill>
+            </a:endParaRPr>
+          </a:p>
+          <a:p>
+            <a:pPr indent="457200" lvl="0" marL="0" rtl="0" algn="just">
+              <a:spcBef>
+                <a:spcPts val="1200"/>
+              </a:spcBef>
+              <a:spcAft>
+                <a:spcPts val="0"/>
+              </a:spcAft>
+              <a:buNone/>
+            </a:pPr>
+            <a:r>
+              <a:rPr lang="en" sz="1400">
                 <a:solidFill>
-                  <a:schemeClr val="dk1"/>
+                  <a:srgbClr val="000000"/>
                 </a:solidFill>
               </a:rPr>
-              <a:t>Project Summary</a:t>
-            </a:r>
-            <a:endParaRPr b="1" sz="2400">
+              <a:t>-Configuration of Flask server and deployment to Google App Engine and GCP</a:t>
+            </a:r>
+            <a:endParaRPr sz="1400">
               <a:solidFill>
-                <a:schemeClr val="dk1"/>
+                <a:srgbClr val="000000"/>
               </a:solidFill>
             </a:endParaRPr>
           </a:p>
           <a:p>
-            <a:pPr indent="457200" lvl="0" marL="0" rtl="0" algn="l">
-              <a:lnSpc>
-                <a:spcPct val="90000"/>
-              </a:lnSpc>
-              <a:spcBef>
-                <a:spcPts val="500"/>
-              </a:spcBef>
-              <a:spcAft>
-                <a:spcPts val="0"/>
-              </a:spcAft>
-              <a:buNone/>
-            </a:pPr>
-            <a:r>
-              <a:rPr lang="en" sz="1600">
+            <a:pPr indent="0" lvl="0" marL="0" rtl="0" algn="just">
+              <a:spcBef>
+                <a:spcPts val="1200"/>
+              </a:spcBef>
+              <a:spcAft>
+                <a:spcPts val="0"/>
+              </a:spcAft>
+              <a:buNone/>
+            </a:pPr>
+            <a:r>
+              <a:rPr b="1" lang="en" sz="1400">
                 <a:solidFill>
-                  <a:schemeClr val="dk1"/>
+                  <a:srgbClr val="000000"/>
                 </a:solidFill>
               </a:rPr>
-              <a:t>•The purpose of GAAAN was to offer a tool for musicians and artists to have unique album artwork generated quickly at no cost. The tool is a website with a backend running on flask and a Deep Convolutional Generative Adversarial Network using tensorflow-keras. To train the GAAAN, we curated our own dataset using the Spotify API and some custom functions to grab about 54,000 images for training.</a:t>
-            </a:r>
-            <a:endParaRPr sz="1600">
+              <a:t>Joshua Matthews</a:t>
+            </a:r>
+            <a:endParaRPr b="1" sz="1400">
               <a:solidFill>
-                <a:schemeClr val="dk1"/>
+                <a:srgbClr val="000000"/>
               </a:solidFill>
             </a:endParaRPr>
           </a:p>
           <a:p>
-            <a:pPr indent="457200" lvl="0" marL="0" rtl="0" algn="l">
-              <a:lnSpc>
-                <a:spcPct val="90000"/>
-              </a:lnSpc>
-              <a:spcBef>
-                <a:spcPts val="500"/>
-              </a:spcBef>
-              <a:spcAft>
-                <a:spcPts val="0"/>
-              </a:spcAft>
-              <a:buClr>
-                <a:schemeClr val="dk1"/>
-              </a:buClr>
-              <a:buSzPts val="1100"/>
-              <a:buFont typeface="Arial"/>
-              <a:buNone/>
-            </a:pPr>
-            <a:r>
-              <a:rPr lang="en" sz="1600">
+            <a:pPr indent="457200" lvl="0" marL="0" rtl="0" algn="just">
+              <a:spcBef>
+                <a:spcPts val="1200"/>
+              </a:spcBef>
+              <a:spcAft>
+                <a:spcPts val="0"/>
+              </a:spcAft>
+              <a:buNone/>
+            </a:pPr>
+            <a:r>
+              <a:rPr lang="en" sz="1400">
                 <a:solidFill>
-                  <a:schemeClr val="dk1"/>
+                  <a:srgbClr val="000000"/>
                 </a:solidFill>
               </a:rPr>
-              <a:t>	</a:t>
-            </a:r>
-            <a:r>
-              <a:rPr b="1" lang="en" sz="1600">
+              <a:t>-Training GAN and tuning hyperparameters</a:t>
+            </a:r>
+            <a:endParaRPr sz="1400">
+              <a:solidFill>
+                <a:srgbClr val="000000"/>
+              </a:solidFill>
+            </a:endParaRPr>
+          </a:p>
+          <a:p>
+            <a:pPr indent="0" lvl="0" marL="0" rtl="0" algn="just">
+              <a:spcBef>
+                <a:spcPts val="1200"/>
+              </a:spcBef>
+              <a:spcAft>
+                <a:spcPts val="0"/>
+              </a:spcAft>
+              <a:buNone/>
+            </a:pPr>
+            <a:r>
+              <a:rPr b="1" lang="en" sz="1400">
                 <a:solidFill>
-                  <a:schemeClr val="dk1"/>
+                  <a:srgbClr val="000000"/>
                 </a:solidFill>
               </a:rPr>
-              <a:t>	</a:t>
-            </a:r>
-            <a:endParaRPr b="1" sz="1600">
+              <a:t>Michael McDermott</a:t>
+            </a:r>
+            <a:endParaRPr b="1" sz="1400">
               <a:solidFill>
-                <a:schemeClr val="dk1"/>
+                <a:srgbClr val="000000"/>
               </a:solidFill>
             </a:endParaRPr>
           </a:p>
           <a:p>
+            <a:pPr indent="457200" lvl="0" marL="0" rtl="0" algn="just">
+              <a:spcBef>
+                <a:spcPts val="1200"/>
+              </a:spcBef>
+              <a:spcAft>
+                <a:spcPts val="0"/>
+              </a:spcAft>
+              <a:buNone/>
+            </a:pPr>
+            <a:r>
+              <a:rPr lang="en" sz="1400">
+                <a:solidFill>
+                  <a:srgbClr val="000000"/>
+                </a:solidFill>
+              </a:rPr>
+              <a:t>-Data sourcing &amp; cleaning, GAN modeling and training</a:t>
+            </a:r>
+            <a:endParaRPr sz="1400">
+              <a:solidFill>
+                <a:srgbClr val="000000"/>
+              </a:solidFill>
+            </a:endParaRPr>
+          </a:p>
+          <a:p>
             <a:pPr indent="0" lvl="0" marL="0" rtl="0" algn="l">
               <a:spcBef>
-                <a:spcPts val="0"/>
+                <a:spcPts val="600"/>
               </a:spcBef>
               <a:spcAft>
                 <a:spcPts val="1600"/>
@@ -6226,8 +9534,8 @@
         </p:nvSpPr>
         <p:spPr>
           <a:xfrm>
-            <a:off x="3213600" y="132400"/>
-            <a:ext cx="2808000" cy="755700"/>
+            <a:off x="2342650" y="162625"/>
+            <a:ext cx="3913200" cy="755700"/>
           </a:xfrm>
           <a:prstGeom prst="rect">
             <a:avLst/>
@@ -6249,10 +9557,10 @@
               <a:buNone/>
             </a:pPr>
             <a:r>
-              <a:rPr lang="en"/>
+              <a:rPr lang="en" sz="3100"/>
               <a:t>Our Deliverables</a:t>
             </a:r>
-            <a:endParaRPr/>
+            <a:endParaRPr sz="3100"/>
           </a:p>
         </p:txBody>
       </p:sp>
@@ -6266,8 +9574,8 @@
         </p:nvSpPr>
         <p:spPr>
           <a:xfrm>
-            <a:off x="311700" y="1389600"/>
-            <a:ext cx="7744200" cy="3179400"/>
+            <a:off x="273925" y="982050"/>
+            <a:ext cx="8824800" cy="3179400"/>
           </a:xfrm>
           <a:prstGeom prst="rect">
             <a:avLst/>
@@ -6313,7 +9621,7 @@
               <a:t>:</a:t>
             </a:r>
             <a:r>
-              <a:rPr lang="en" sz="1100" u="sng">
+              <a:rPr lang="en" u="sng">
                 <a:solidFill>
                   <a:schemeClr val="hlink"/>
                 </a:solidFill>
@@ -6321,7 +9629,7 @@
               </a:rPr>
               <a:t>https://github.com/mmcdermott011/GAAAN/tree/master</a:t>
             </a:r>
-            <a:endParaRPr sz="2800">
+            <a:endParaRPr sz="2900">
               <a:solidFill>
                 <a:schemeClr val="dk1"/>
               </a:solidFill>
@@ -6354,15 +9662,15 @@
               <a:t>•Presentation Slides (URL):</a:t>
             </a:r>
             <a:r>
-              <a:rPr lang="en" sz="1100" u="sng">
+              <a:rPr lang="en" u="sng">
                 <a:solidFill>
-                  <a:schemeClr val="accent5"/>
+                  <a:schemeClr val="hlink"/>
                 </a:solidFill>
                 <a:hlinkClick r:id="rId4"/>
               </a:rPr>
-              <a:t>https://github.com/mmcdermott011/GAAAN/tree/maste</a:t>
-            </a:r>
-            <a:endParaRPr sz="1800">
+              <a:t>https://github.com/mmcdermott011/GAAAN/tree/master/Deliverables</a:t>
+            </a:r>
+            <a:endParaRPr sz="1900">
               <a:solidFill>
                 <a:schemeClr val="dk1"/>
               </a:solidFill>
@@ -6394,12 +9702,125 @@
               </a:rPr>
               <a:t>•Demo Screen Capture Images (URL):</a:t>
             </a:r>
-            <a:endParaRPr sz="1800">
+            <a:r>
+              <a:rPr lang="en" u="sng">
+                <a:solidFill>
+                  <a:schemeClr val="hlink"/>
+                </a:solidFill>
+                <a:hlinkClick r:id="rId5"/>
+              </a:rPr>
+              <a:t>https://github.com/mmcdermott011/GAAAN/tree/master/Deliverables</a:t>
+            </a:r>
+            <a:endParaRPr sz="1900">
               <a:solidFill>
                 <a:schemeClr val="dk1"/>
               </a:solidFill>
             </a:endParaRPr>
           </a:p>
+          <a:p>
+            <a:pPr indent="0" lvl="0" marL="0" rtl="0" algn="l">
+              <a:spcBef>
+                <a:spcPts val="0"/>
+              </a:spcBef>
+              <a:spcAft>
+                <a:spcPts val="1600"/>
+              </a:spcAft>
+              <a:buNone/>
+            </a:pPr>
+            <a:r>
+              <a:t/>
+            </a:r>
+            <a:endParaRPr/>
+          </a:p>
+        </p:txBody>
+      </p:sp>
+    </p:spTree>
+  </p:cSld>
+  <p:clrMapOvr>
+    <a:masterClrMapping/>
+  </p:clrMapOvr>
+</p:sld>
+</file>
+
+<file path=ppt/slides/slide5.xml><?xml version="1.0" encoding="utf-8"?>
+<p:sld xmlns:a="http://schemas.openxmlformats.org/drawingml/2006/main" xmlns:r="http://schemas.openxmlformats.org/officeDocument/2006/relationships" xmlns:mc="http://schemas.openxmlformats.org/markup-compatibility/2006" xmlns:mv="urn:schemas-microsoft-com:mac:vml" xmlns:p="http://schemas.openxmlformats.org/presentationml/2006/main" xmlns:c="http://schemas.openxmlformats.org/drawingml/2006/chart" xmlns:dgm="http://schemas.openxmlformats.org/drawingml/2006/diagram" xmlns:o="urn:schemas-microsoft-com:office:office" xmlns:v="urn:schemas-microsoft-com:vml" xmlns:pvml="urn:schemas-microsoft-com:office:powerpoint" xmlns:com="http://schemas.openxmlformats.org/drawingml/2006/compatibility" xmlns:p14="http://schemas.microsoft.com/office/powerpoint/2010/main" xmlns:p15="http://schemas.microsoft.com/office/powerpoint/2012/main">
+  <p:cSld>
+    <p:spTree>
+      <p:nvGrpSpPr>
+        <p:cNvPr id="78" name="Shape 78"/>
+        <p:cNvGrpSpPr/>
+        <p:nvPr/>
+      </p:nvGrpSpPr>
+      <p:grpSpPr>
+        <a:xfrm>
+          <a:off x="0" y="0"/>
+          <a:ext cx="0" cy="0"/>
+          <a:chOff x="0" y="0"/>
+          <a:chExt cx="0" cy="0"/>
+        </a:xfrm>
+      </p:grpSpPr>
+      <p:sp>
+        <p:nvSpPr>
+          <p:cNvPr id="79" name="Google Shape;79;p17"/>
+          <p:cNvSpPr txBox="1"/>
+          <p:nvPr>
+            <p:ph type="title"/>
+          </p:nvPr>
+        </p:nvSpPr>
+        <p:spPr>
+          <a:xfrm>
+            <a:off x="2291675" y="117250"/>
+            <a:ext cx="6822000" cy="755700"/>
+          </a:xfrm>
+          <a:prstGeom prst="rect">
+            <a:avLst/>
+          </a:prstGeom>
+        </p:spPr>
+        <p:txBody>
+          <a:bodyPr anchorCtr="0" anchor="b" bIns="91425" lIns="91425" spcFirstLastPara="1" rIns="91425" wrap="square" tIns="91425">
+            <a:noAutofit/>
+          </a:bodyPr>
+          <a:lstStyle/>
+          <a:p>
+            <a:pPr indent="0" lvl="0" marL="0" rtl="0" algn="l">
+              <a:spcBef>
+                <a:spcPts val="0"/>
+              </a:spcBef>
+              <a:spcAft>
+                <a:spcPts val="0"/>
+              </a:spcAft>
+              <a:buNone/>
+            </a:pPr>
+            <a:r>
+              <a:rPr lang="en" sz="3800"/>
+              <a:t>Project Summary</a:t>
+            </a:r>
+            <a:endParaRPr sz="1800"/>
+          </a:p>
+        </p:txBody>
+      </p:sp>
+      <p:sp>
+        <p:nvSpPr>
+          <p:cNvPr id="80" name="Google Shape;80;p17"/>
+          <p:cNvSpPr txBox="1"/>
+          <p:nvPr>
+            <p:ph idx="1" type="body"/>
+          </p:nvPr>
+        </p:nvSpPr>
+        <p:spPr>
+          <a:xfrm>
+            <a:off x="-73700" y="747250"/>
+            <a:ext cx="6353700" cy="3179400"/>
+          </a:xfrm>
+          <a:prstGeom prst="rect">
+            <a:avLst/>
+          </a:prstGeom>
+        </p:spPr>
+        <p:txBody>
+          <a:bodyPr anchorCtr="0" anchor="t" bIns="91425" lIns="91425" spcFirstLastPara="1" rIns="91425" wrap="square" tIns="91425">
+            <a:noAutofit/>
+          </a:bodyPr>
+          <a:lstStyle/>
           <a:p>
             <a:pPr indent="0" lvl="0" marL="0" rtl="0" algn="l">
               <a:lnSpc>
@@ -6419,14 +9840,1002 @@
               <a:buNone/>
             </a:pPr>
             <a:r>
-              <a:rPr lang="en" sz="1800">
+              <a:rPr lang="en" sz="2800">
                 <a:solidFill>
                   <a:schemeClr val="dk1"/>
                 </a:solidFill>
               </a:rPr>
-              <a:t>•Demo Video URL (Optional):</a:t>
-            </a:r>
-            <a:endParaRPr sz="1800">
+              <a:t>•Code What it is and what results you’ve got</a:t>
+            </a:r>
+            <a:endParaRPr sz="2800">
+              <a:solidFill>
+                <a:schemeClr val="dk1"/>
+              </a:solidFill>
+            </a:endParaRPr>
+          </a:p>
+          <a:p>
+            <a:pPr indent="0" lvl="0" marL="0" rtl="0" algn="l">
+              <a:spcBef>
+                <a:spcPts val="0"/>
+              </a:spcBef>
+              <a:spcAft>
+                <a:spcPts val="1600"/>
+              </a:spcAft>
+              <a:buNone/>
+            </a:pPr>
+            <a:r>
+              <a:t/>
+            </a:r>
+            <a:endParaRPr/>
+          </a:p>
+        </p:txBody>
+      </p:sp>
+    </p:spTree>
+  </p:cSld>
+  <p:clrMapOvr>
+    <a:masterClrMapping/>
+  </p:clrMapOvr>
+</p:sld>
+</file>
+
+<file path=ppt/slides/slide6.xml><?xml version="1.0" encoding="utf-8"?>
+<p:sld xmlns:a="http://schemas.openxmlformats.org/drawingml/2006/main" xmlns:r="http://schemas.openxmlformats.org/officeDocument/2006/relationships" xmlns:mc="http://schemas.openxmlformats.org/markup-compatibility/2006" xmlns:mv="urn:schemas-microsoft-com:mac:vml" xmlns:p="http://schemas.openxmlformats.org/presentationml/2006/main" xmlns:c="http://schemas.openxmlformats.org/drawingml/2006/chart" xmlns:dgm="http://schemas.openxmlformats.org/drawingml/2006/diagram" xmlns:o="urn:schemas-microsoft-com:office:office" xmlns:v="urn:schemas-microsoft-com:vml" xmlns:pvml="urn:schemas-microsoft-com:office:powerpoint" xmlns:com="http://schemas.openxmlformats.org/drawingml/2006/compatibility" xmlns:p14="http://schemas.microsoft.com/office/powerpoint/2010/main" xmlns:p15="http://schemas.microsoft.com/office/powerpoint/2012/main">
+  <p:cSld>
+    <p:spTree>
+      <p:nvGrpSpPr>
+        <p:cNvPr id="84" name="Shape 84"/>
+        <p:cNvGrpSpPr/>
+        <p:nvPr/>
+      </p:nvGrpSpPr>
+      <p:grpSpPr>
+        <a:xfrm>
+          <a:off x="0" y="0"/>
+          <a:ext cx="0" cy="0"/>
+          <a:chOff x="0" y="0"/>
+          <a:chExt cx="0" cy="0"/>
+        </a:xfrm>
+      </p:grpSpPr>
+      <p:sp>
+        <p:nvSpPr>
+          <p:cNvPr id="85" name="Google Shape;85;p18"/>
+          <p:cNvSpPr txBox="1"/>
+          <p:nvPr>
+            <p:ph type="title"/>
+          </p:nvPr>
+        </p:nvSpPr>
+        <p:spPr>
+          <a:xfrm>
+            <a:off x="371250" y="79525"/>
+            <a:ext cx="8401500" cy="755700"/>
+          </a:xfrm>
+          <a:prstGeom prst="rect">
+            <a:avLst/>
+          </a:prstGeom>
+        </p:spPr>
+        <p:txBody>
+          <a:bodyPr anchorCtr="0" anchor="b" bIns="91425" lIns="91425" spcFirstLastPara="1" rIns="91425" wrap="square" tIns="91425">
+            <a:noAutofit/>
+          </a:bodyPr>
+          <a:lstStyle/>
+          <a:p>
+            <a:pPr indent="0" lvl="0" marL="0" rtl="0" algn="ctr">
+              <a:spcBef>
+                <a:spcPts val="0"/>
+              </a:spcBef>
+              <a:spcAft>
+                <a:spcPts val="0"/>
+              </a:spcAft>
+              <a:buNone/>
+            </a:pPr>
+            <a:r>
+              <a:rPr lang="en" sz="3100"/>
+              <a:t>Machine Learning Aspects </a:t>
+            </a:r>
+            <a:endParaRPr sz="1100"/>
+          </a:p>
+        </p:txBody>
+      </p:sp>
+      <p:sp>
+        <p:nvSpPr>
+          <p:cNvPr id="86" name="Google Shape;86;p18"/>
+          <p:cNvSpPr txBox="1"/>
+          <p:nvPr>
+            <p:ph idx="1" type="body"/>
+          </p:nvPr>
+        </p:nvSpPr>
+        <p:spPr>
+          <a:xfrm>
+            <a:off x="130325" y="709450"/>
+            <a:ext cx="2808000" cy="3179400"/>
+          </a:xfrm>
+          <a:prstGeom prst="rect">
+            <a:avLst/>
+          </a:prstGeom>
+        </p:spPr>
+        <p:txBody>
+          <a:bodyPr anchorCtr="0" anchor="t" bIns="91425" lIns="91425" spcFirstLastPara="1" rIns="91425" wrap="square" tIns="91425">
+            <a:noAutofit/>
+          </a:bodyPr>
+          <a:lstStyle/>
+          <a:p>
+            <a:pPr indent="0" lvl="0" marL="0" rtl="0" algn="l">
+              <a:lnSpc>
+                <a:spcPct val="90000"/>
+              </a:lnSpc>
+              <a:spcBef>
+                <a:spcPts val="1000"/>
+              </a:spcBef>
+              <a:spcAft>
+                <a:spcPts val="0"/>
+              </a:spcAft>
+              <a:buClr>
+                <a:schemeClr val="dk1"/>
+              </a:buClr>
+              <a:buSzPts val="1100"/>
+              <a:buFont typeface="Arial"/>
+              <a:buNone/>
+            </a:pPr>
+            <a:r>
+              <a:rPr lang="en" sz="2800">
+                <a:solidFill>
+                  <a:schemeClr val="dk1"/>
+                </a:solidFill>
+              </a:rPr>
+              <a:t>•Data</a:t>
+            </a:r>
+            <a:endParaRPr sz="2800">
+              <a:solidFill>
+                <a:schemeClr val="dk1"/>
+              </a:solidFill>
+            </a:endParaRPr>
+          </a:p>
+          <a:p>
+            <a:pPr indent="0" lvl="0" marL="0" rtl="0" algn="l">
+              <a:spcBef>
+                <a:spcPts val="0"/>
+              </a:spcBef>
+              <a:spcAft>
+                <a:spcPts val="1600"/>
+              </a:spcAft>
+              <a:buNone/>
+            </a:pPr>
+            <a:r>
+              <a:t/>
+            </a:r>
+            <a:endParaRPr/>
+          </a:p>
+        </p:txBody>
+      </p:sp>
+    </p:spTree>
+  </p:cSld>
+  <p:clrMapOvr>
+    <a:masterClrMapping/>
+  </p:clrMapOvr>
+</p:sld>
+</file>
+
+<file path=ppt/slides/slide7.xml><?xml version="1.0" encoding="utf-8"?>
+<p:sld xmlns:a="http://schemas.openxmlformats.org/drawingml/2006/main" xmlns:r="http://schemas.openxmlformats.org/officeDocument/2006/relationships" xmlns:mc="http://schemas.openxmlformats.org/markup-compatibility/2006" xmlns:mv="urn:schemas-microsoft-com:mac:vml" xmlns:p="http://schemas.openxmlformats.org/presentationml/2006/main" xmlns:c="http://schemas.openxmlformats.org/drawingml/2006/chart" xmlns:dgm="http://schemas.openxmlformats.org/drawingml/2006/diagram" xmlns:o="urn:schemas-microsoft-com:office:office" xmlns:v="urn:schemas-microsoft-com:vml" xmlns:pvml="urn:schemas-microsoft-com:office:powerpoint" xmlns:com="http://schemas.openxmlformats.org/drawingml/2006/compatibility" xmlns:p14="http://schemas.microsoft.com/office/powerpoint/2010/main" xmlns:p15="http://schemas.microsoft.com/office/powerpoint/2012/main">
+  <p:cSld>
+    <p:spTree>
+      <p:nvGrpSpPr>
+        <p:cNvPr id="90" name="Shape 90"/>
+        <p:cNvGrpSpPr/>
+        <p:nvPr/>
+      </p:nvGrpSpPr>
+      <p:grpSpPr>
+        <a:xfrm>
+          <a:off x="0" y="0"/>
+          <a:ext cx="0" cy="0"/>
+          <a:chOff x="0" y="0"/>
+          <a:chExt cx="0" cy="0"/>
+        </a:xfrm>
+      </p:grpSpPr>
+      <p:sp>
+        <p:nvSpPr>
+          <p:cNvPr id="91" name="Google Shape;91;p19"/>
+          <p:cNvSpPr txBox="1"/>
+          <p:nvPr>
+            <p:ph type="title"/>
+          </p:nvPr>
+        </p:nvSpPr>
+        <p:spPr>
+          <a:xfrm>
+            <a:off x="304150" y="117300"/>
+            <a:ext cx="8401500" cy="755700"/>
+          </a:xfrm>
+          <a:prstGeom prst="rect">
+            <a:avLst/>
+          </a:prstGeom>
+        </p:spPr>
+        <p:txBody>
+          <a:bodyPr anchorCtr="0" anchor="b" bIns="91425" lIns="91425" spcFirstLastPara="1" rIns="91425" wrap="square" tIns="91425">
+            <a:noAutofit/>
+          </a:bodyPr>
+          <a:lstStyle/>
+          <a:p>
+            <a:pPr indent="0" lvl="0" marL="0" rtl="0" algn="ctr">
+              <a:spcBef>
+                <a:spcPts val="0"/>
+              </a:spcBef>
+              <a:spcAft>
+                <a:spcPts val="0"/>
+              </a:spcAft>
+              <a:buNone/>
+            </a:pPr>
+            <a:r>
+              <a:rPr lang="en" sz="3100"/>
+              <a:t>Machine Learning Aspects </a:t>
+            </a:r>
+            <a:endParaRPr sz="1100"/>
+          </a:p>
+        </p:txBody>
+      </p:sp>
+      <p:sp>
+        <p:nvSpPr>
+          <p:cNvPr id="92" name="Google Shape;92;p19"/>
+          <p:cNvSpPr txBox="1"/>
+          <p:nvPr>
+            <p:ph idx="1" type="body"/>
+          </p:nvPr>
+        </p:nvSpPr>
+        <p:spPr>
+          <a:xfrm>
+            <a:off x="213475" y="769925"/>
+            <a:ext cx="8401500" cy="3179400"/>
+          </a:xfrm>
+          <a:prstGeom prst="rect">
+            <a:avLst/>
+          </a:prstGeom>
+        </p:spPr>
+        <p:txBody>
+          <a:bodyPr anchorCtr="0" anchor="t" bIns="91425" lIns="91425" spcFirstLastPara="1" rIns="91425" wrap="square" tIns="91425">
+            <a:noAutofit/>
+          </a:bodyPr>
+          <a:lstStyle/>
+          <a:p>
+            <a:pPr indent="0" lvl="0" marL="0" rtl="0" algn="l">
+              <a:lnSpc>
+                <a:spcPct val="90000"/>
+              </a:lnSpc>
+              <a:spcBef>
+                <a:spcPts val="1000"/>
+              </a:spcBef>
+              <a:spcAft>
+                <a:spcPts val="0"/>
+              </a:spcAft>
+              <a:buNone/>
+            </a:pPr>
+            <a:r>
+              <a:rPr lang="en" sz="2200">
+                <a:solidFill>
+                  <a:schemeClr val="dk1"/>
+                </a:solidFill>
+              </a:rPr>
+              <a:t>•Mode</a:t>
+            </a:r>
+            <a:r>
+              <a:rPr lang="en" sz="2200">
+                <a:solidFill>
+                  <a:schemeClr val="dk1"/>
+                </a:solidFill>
+              </a:rPr>
+              <a:t>l</a:t>
+            </a:r>
+            <a:endParaRPr sz="2200">
+              <a:solidFill>
+                <a:schemeClr val="dk1"/>
+              </a:solidFill>
+            </a:endParaRPr>
+          </a:p>
+          <a:p>
+            <a:pPr indent="0" lvl="0" marL="0" rtl="0" algn="just">
+              <a:spcBef>
+                <a:spcPts val="0"/>
+              </a:spcBef>
+              <a:spcAft>
+                <a:spcPts val="0"/>
+              </a:spcAft>
+              <a:buClr>
+                <a:schemeClr val="dk1"/>
+              </a:buClr>
+              <a:buSzPts val="1100"/>
+              <a:buFont typeface="Arial"/>
+              <a:buNone/>
+            </a:pPr>
+            <a:r>
+              <a:rPr lang="en" sz="1100">
+                <a:solidFill>
+                  <a:schemeClr val="dk1"/>
+                </a:solidFill>
+              </a:rPr>
+              <a:t>The model was mainly measured on loss and our own interpretation of whether we thought the output could pass as an album art image or not. The accuracy and loss metrics were mainly helpful if the generator or discriminator rapidly approached zero or mode collapsed. From our research, we have seen that the loss can fluctuate and even if the generator or discriminator have a loss between .5 – 5 the output could still be good or bad. Metrics really just helped us keep an eye on the training to alert us if there were any drastic changes made. Otherwise, every 50 or so epochs we would have the output printed to screen to see what it looked like and judged our model based off of that.</a:t>
+            </a:r>
+            <a:endParaRPr sz="1100">
+              <a:solidFill>
+                <a:schemeClr val="dk1"/>
+              </a:solidFill>
+            </a:endParaRPr>
+          </a:p>
+          <a:p>
+            <a:pPr indent="457200" lvl="0" marL="457200" rtl="0" algn="just">
+              <a:spcBef>
+                <a:spcPts val="600"/>
+              </a:spcBef>
+              <a:spcAft>
+                <a:spcPts val="0"/>
+              </a:spcAft>
+              <a:buNone/>
+            </a:pPr>
+            <a:r>
+              <a:rPr b="1" lang="en" sz="1100">
+                <a:solidFill>
+                  <a:schemeClr val="dk1"/>
+                </a:solidFill>
+              </a:rPr>
+              <a:t>Graph of first version loss</a:t>
+            </a:r>
+            <a:endParaRPr b="1" sz="1100">
+              <a:solidFill>
+                <a:schemeClr val="dk1"/>
+              </a:solidFill>
+            </a:endParaRPr>
+          </a:p>
+          <a:p>
+            <a:pPr indent="0" lvl="0" marL="0" rtl="0" algn="just">
+              <a:spcBef>
+                <a:spcPts val="600"/>
+              </a:spcBef>
+              <a:spcAft>
+                <a:spcPts val="0"/>
+              </a:spcAft>
+              <a:buClr>
+                <a:schemeClr val="dk1"/>
+              </a:buClr>
+              <a:buSzPts val="1100"/>
+              <a:buFont typeface="Arial"/>
+              <a:buNone/>
+            </a:pPr>
+            <a:r>
+              <a:t/>
+            </a:r>
+            <a:endParaRPr sz="1100">
+              <a:solidFill>
+                <a:schemeClr val="dk1"/>
+              </a:solidFill>
+            </a:endParaRPr>
+          </a:p>
+          <a:p>
+            <a:pPr indent="0" lvl="0" marL="0" rtl="0" algn="l">
+              <a:spcBef>
+                <a:spcPts val="600"/>
+              </a:spcBef>
+              <a:spcAft>
+                <a:spcPts val="1600"/>
+              </a:spcAft>
+              <a:buNone/>
+            </a:pPr>
+            <a:r>
+              <a:t/>
+            </a:r>
+            <a:endParaRPr/>
+          </a:p>
+        </p:txBody>
+      </p:sp>
+      <p:pic>
+        <p:nvPicPr>
+          <p:cNvPr id="93" name="Google Shape;93;p19"/>
+          <p:cNvPicPr preferRelativeResize="0"/>
+          <p:nvPr/>
+        </p:nvPicPr>
+        <p:blipFill>
+          <a:blip r:embed="rId3">
+            <a:alphaModFix/>
+          </a:blip>
+          <a:stretch>
+            <a:fillRect/>
+          </a:stretch>
+        </p:blipFill>
+        <p:spPr>
+          <a:xfrm>
+            <a:off x="175675" y="2790875"/>
+            <a:ext cx="4082674" cy="2172200"/>
+          </a:xfrm>
+          <a:prstGeom prst="rect">
+            <a:avLst/>
+          </a:prstGeom>
+          <a:noFill/>
+          <a:ln>
+            <a:noFill/>
+          </a:ln>
+        </p:spPr>
+      </p:pic>
+      <p:pic>
+        <p:nvPicPr>
+          <p:cNvPr id="94" name="Google Shape;94;p19"/>
+          <p:cNvPicPr preferRelativeResize="0"/>
+          <p:nvPr/>
+        </p:nvPicPr>
+        <p:blipFill>
+          <a:blip r:embed="rId4">
+            <a:alphaModFix/>
+          </a:blip>
+          <a:stretch>
+            <a:fillRect/>
+          </a:stretch>
+        </p:blipFill>
+        <p:spPr>
+          <a:xfrm>
+            <a:off x="4572000" y="2531600"/>
+            <a:ext cx="4368825" cy="2431475"/>
+          </a:xfrm>
+          <a:prstGeom prst="rect">
+            <a:avLst/>
+          </a:prstGeom>
+          <a:noFill/>
+          <a:ln>
+            <a:noFill/>
+          </a:ln>
+        </p:spPr>
+      </p:pic>
+      <p:sp>
+        <p:nvSpPr>
+          <p:cNvPr id="95" name="Google Shape;95;p19"/>
+          <p:cNvSpPr txBox="1"/>
+          <p:nvPr/>
+        </p:nvSpPr>
+        <p:spPr>
+          <a:xfrm>
+            <a:off x="5256413" y="2322500"/>
+            <a:ext cx="3000000" cy="3000000"/>
+          </a:xfrm>
+          <a:prstGeom prst="rect">
+            <a:avLst/>
+          </a:prstGeom>
+          <a:noFill/>
+          <a:ln>
+            <a:noFill/>
+          </a:ln>
+        </p:spPr>
+        <p:txBody>
+          <a:bodyPr anchorCtr="0" anchor="t" bIns="91425" lIns="91425" spcFirstLastPara="1" rIns="91425" wrap="square" tIns="91425">
+            <a:noAutofit/>
+          </a:bodyPr>
+          <a:lstStyle/>
+          <a:p>
+            <a:pPr indent="0" lvl="0" marL="0" rtl="0" algn="l">
+              <a:spcBef>
+                <a:spcPts val="0"/>
+              </a:spcBef>
+              <a:spcAft>
+                <a:spcPts val="0"/>
+              </a:spcAft>
+              <a:buNone/>
+            </a:pPr>
+            <a:r>
+              <a:rPr b="1" lang="en" sz="1200">
+                <a:solidFill>
+                  <a:schemeClr val="dk1"/>
+                </a:solidFill>
+              </a:rPr>
+              <a:t>Loss Graph after architecture revision</a:t>
+            </a:r>
+            <a:endParaRPr/>
+          </a:p>
+        </p:txBody>
+      </p:sp>
+    </p:spTree>
+  </p:cSld>
+  <p:clrMapOvr>
+    <a:masterClrMapping/>
+  </p:clrMapOvr>
+</p:sld>
+</file>
+
+<file path=ppt/slides/slide8.xml><?xml version="1.0" encoding="utf-8"?>
+<p:sld xmlns:a="http://schemas.openxmlformats.org/drawingml/2006/main" xmlns:r="http://schemas.openxmlformats.org/officeDocument/2006/relationships" xmlns:mc="http://schemas.openxmlformats.org/markup-compatibility/2006" xmlns:mv="urn:schemas-microsoft-com:mac:vml" xmlns:p="http://schemas.openxmlformats.org/presentationml/2006/main" xmlns:c="http://schemas.openxmlformats.org/drawingml/2006/chart" xmlns:dgm="http://schemas.openxmlformats.org/drawingml/2006/diagram" xmlns:o="urn:schemas-microsoft-com:office:office" xmlns:v="urn:schemas-microsoft-com:vml" xmlns:pvml="urn:schemas-microsoft-com:office:powerpoint" xmlns:com="http://schemas.openxmlformats.org/drawingml/2006/compatibility" xmlns:p14="http://schemas.microsoft.com/office/powerpoint/2010/main" xmlns:p15="http://schemas.microsoft.com/office/powerpoint/2012/main">
+  <p:cSld>
+    <p:spTree>
+      <p:nvGrpSpPr>
+        <p:cNvPr id="99" name="Shape 99"/>
+        <p:cNvGrpSpPr/>
+        <p:nvPr/>
+      </p:nvGrpSpPr>
+      <p:grpSpPr>
+        <a:xfrm>
+          <a:off x="0" y="0"/>
+          <a:ext cx="0" cy="0"/>
+          <a:chOff x="0" y="0"/>
+          <a:chExt cx="0" cy="0"/>
+        </a:xfrm>
+      </p:grpSpPr>
+      <p:sp>
+        <p:nvSpPr>
+          <p:cNvPr id="100" name="Google Shape;100;p20"/>
+          <p:cNvSpPr txBox="1"/>
+          <p:nvPr>
+            <p:ph type="title"/>
+          </p:nvPr>
+        </p:nvSpPr>
+        <p:spPr>
+          <a:xfrm>
+            <a:off x="304150" y="117300"/>
+            <a:ext cx="8401500" cy="755700"/>
+          </a:xfrm>
+          <a:prstGeom prst="rect">
+            <a:avLst/>
+          </a:prstGeom>
+        </p:spPr>
+        <p:txBody>
+          <a:bodyPr anchorCtr="0" anchor="b" bIns="91425" lIns="91425" spcFirstLastPara="1" rIns="91425" wrap="square" tIns="91425">
+            <a:noAutofit/>
+          </a:bodyPr>
+          <a:lstStyle/>
+          <a:p>
+            <a:pPr indent="0" lvl="0" marL="0" rtl="0" algn="ctr">
+              <a:spcBef>
+                <a:spcPts val="0"/>
+              </a:spcBef>
+              <a:spcAft>
+                <a:spcPts val="0"/>
+              </a:spcAft>
+              <a:buNone/>
+            </a:pPr>
+            <a:r>
+              <a:rPr lang="en" sz="3100"/>
+              <a:t>Machine Learning Aspects </a:t>
+            </a:r>
+            <a:endParaRPr sz="1100"/>
+          </a:p>
+        </p:txBody>
+      </p:sp>
+      <p:sp>
+        <p:nvSpPr>
+          <p:cNvPr id="101" name="Google Shape;101;p20"/>
+          <p:cNvSpPr txBox="1"/>
+          <p:nvPr>
+            <p:ph idx="1" type="body"/>
+          </p:nvPr>
+        </p:nvSpPr>
+        <p:spPr>
+          <a:xfrm>
+            <a:off x="213475" y="769925"/>
+            <a:ext cx="8401500" cy="3179400"/>
+          </a:xfrm>
+          <a:prstGeom prst="rect">
+            <a:avLst/>
+          </a:prstGeom>
+        </p:spPr>
+        <p:txBody>
+          <a:bodyPr anchorCtr="0" anchor="t" bIns="91425" lIns="91425" spcFirstLastPara="1" rIns="91425" wrap="square" tIns="91425">
+            <a:noAutofit/>
+          </a:bodyPr>
+          <a:lstStyle/>
+          <a:p>
+            <a:pPr indent="0" lvl="0" marL="0" rtl="0" algn="l">
+              <a:lnSpc>
+                <a:spcPct val="90000"/>
+              </a:lnSpc>
+              <a:spcBef>
+                <a:spcPts val="1000"/>
+              </a:spcBef>
+              <a:spcAft>
+                <a:spcPts val="0"/>
+              </a:spcAft>
+              <a:buNone/>
+            </a:pPr>
+            <a:r>
+              <a:rPr lang="en" sz="2200">
+                <a:solidFill>
+                  <a:schemeClr val="dk1"/>
+                </a:solidFill>
+              </a:rPr>
+              <a:t>•Model</a:t>
+            </a:r>
+            <a:endParaRPr sz="2200">
+              <a:solidFill>
+                <a:schemeClr val="dk1"/>
+              </a:solidFill>
+            </a:endParaRPr>
+          </a:p>
+          <a:p>
+            <a:pPr indent="0" lvl="0" marL="0" rtl="0" algn="l">
+              <a:lnSpc>
+                <a:spcPct val="90000"/>
+              </a:lnSpc>
+              <a:spcBef>
+                <a:spcPts val="1000"/>
+              </a:spcBef>
+              <a:spcAft>
+                <a:spcPts val="0"/>
+              </a:spcAft>
+              <a:buNone/>
+            </a:pPr>
+            <a:r>
+              <a:rPr lang="en" sz="700">
+                <a:solidFill>
+                  <a:schemeClr val="dk1"/>
+                </a:solidFill>
+                <a:latin typeface="Times New Roman"/>
+                <a:ea typeface="Times New Roman"/>
+                <a:cs typeface="Times New Roman"/>
+                <a:sym typeface="Times New Roman"/>
+              </a:rPr>
+              <a:t> </a:t>
+            </a:r>
+            <a:r>
+              <a:rPr lang="en" sz="1100">
+                <a:solidFill>
+                  <a:schemeClr val="dk1"/>
+                </a:solidFill>
+              </a:rPr>
+              <a:t>Our model is a deep convolutional generative adversarial network. We chose this architecture due to it being more stable than other GAN’s. We considered using StyleGAN, but the custom libraries and setup would have taken more time which would have given us less time to experiment. The architecture consists of a generator model and discriminator model. Both have convolutional layers and batch normalization layers. The discriminator model is trained on both the dataset of sourced images, and the output of the generator. Each epoch, the discriminator is updated on whether it was good at detecting a real vs generated image, and the generator is updated on whether it was able to trick the discriminator or not.</a:t>
+            </a:r>
+            <a:endParaRPr sz="1100">
+              <a:solidFill>
+                <a:schemeClr val="dk1"/>
+              </a:solidFill>
+            </a:endParaRPr>
+          </a:p>
+          <a:p>
+            <a:pPr indent="0" lvl="0" marL="0" rtl="0" algn="just">
+              <a:spcBef>
+                <a:spcPts val="0"/>
+              </a:spcBef>
+              <a:spcAft>
+                <a:spcPts val="0"/>
+              </a:spcAft>
+              <a:buNone/>
+            </a:pPr>
+            <a:r>
+              <a:t/>
+            </a:r>
+            <a:endParaRPr sz="1100">
+              <a:solidFill>
+                <a:schemeClr val="dk1"/>
+              </a:solidFill>
+            </a:endParaRPr>
+          </a:p>
+          <a:p>
+            <a:pPr indent="0" lvl="0" marL="0" rtl="0" algn="l">
+              <a:spcBef>
+                <a:spcPts val="600"/>
+              </a:spcBef>
+              <a:spcAft>
+                <a:spcPts val="1600"/>
+              </a:spcAft>
+              <a:buNone/>
+            </a:pPr>
+            <a:r>
+              <a:t/>
+            </a:r>
+            <a:endParaRPr/>
+          </a:p>
+        </p:txBody>
+      </p:sp>
+    </p:spTree>
+  </p:cSld>
+  <p:clrMapOvr>
+    <a:masterClrMapping/>
+  </p:clrMapOvr>
+</p:sld>
+</file>
+
+<file path=ppt/slides/slide9.xml><?xml version="1.0" encoding="utf-8"?>
+<p:sld xmlns:a="http://schemas.openxmlformats.org/drawingml/2006/main" xmlns:r="http://schemas.openxmlformats.org/officeDocument/2006/relationships" xmlns:mc="http://schemas.openxmlformats.org/markup-compatibility/2006" xmlns:mv="urn:schemas-microsoft-com:mac:vml" xmlns:p="http://schemas.openxmlformats.org/presentationml/2006/main" xmlns:c="http://schemas.openxmlformats.org/drawingml/2006/chart" xmlns:dgm="http://schemas.openxmlformats.org/drawingml/2006/diagram" xmlns:o="urn:schemas-microsoft-com:office:office" xmlns:v="urn:schemas-microsoft-com:vml" xmlns:pvml="urn:schemas-microsoft-com:office:powerpoint" xmlns:com="http://schemas.openxmlformats.org/drawingml/2006/compatibility" xmlns:p14="http://schemas.microsoft.com/office/powerpoint/2010/main" xmlns:p15="http://schemas.microsoft.com/office/powerpoint/2012/main">
+  <p:cSld>
+    <p:spTree>
+      <p:nvGrpSpPr>
+        <p:cNvPr id="105" name="Shape 105"/>
+        <p:cNvGrpSpPr/>
+        <p:nvPr/>
+      </p:nvGrpSpPr>
+      <p:grpSpPr>
+        <a:xfrm>
+          <a:off x="0" y="0"/>
+          <a:ext cx="0" cy="0"/>
+          <a:chOff x="0" y="0"/>
+          <a:chExt cx="0" cy="0"/>
+        </a:xfrm>
+      </p:grpSpPr>
+      <p:sp>
+        <p:nvSpPr>
+          <p:cNvPr id="106" name="Google Shape;106;p21"/>
+          <p:cNvSpPr txBox="1"/>
+          <p:nvPr>
+            <p:ph type="title"/>
+          </p:nvPr>
+        </p:nvSpPr>
+        <p:spPr>
+          <a:xfrm>
+            <a:off x="371250" y="0"/>
+            <a:ext cx="8401500" cy="755700"/>
+          </a:xfrm>
+          <a:prstGeom prst="rect">
+            <a:avLst/>
+          </a:prstGeom>
+        </p:spPr>
+        <p:txBody>
+          <a:bodyPr anchorCtr="0" anchor="b" bIns="91425" lIns="91425" spcFirstLastPara="1" rIns="91425" wrap="square" tIns="91425">
+            <a:noAutofit/>
+          </a:bodyPr>
+          <a:lstStyle/>
+          <a:p>
+            <a:pPr indent="0" lvl="0" marL="0" rtl="0" algn="ctr">
+              <a:spcBef>
+                <a:spcPts val="0"/>
+              </a:spcBef>
+              <a:spcAft>
+                <a:spcPts val="0"/>
+              </a:spcAft>
+              <a:buNone/>
+            </a:pPr>
+            <a:r>
+              <a:rPr lang="en" sz="3100"/>
+              <a:t>Machine Learning Aspects </a:t>
+            </a:r>
+            <a:endParaRPr sz="1100"/>
+          </a:p>
+        </p:txBody>
+      </p:sp>
+      <p:sp>
+        <p:nvSpPr>
+          <p:cNvPr id="107" name="Google Shape;107;p21"/>
+          <p:cNvSpPr txBox="1"/>
+          <p:nvPr>
+            <p:ph idx="1" type="body"/>
+          </p:nvPr>
+        </p:nvSpPr>
+        <p:spPr>
+          <a:xfrm>
+            <a:off x="91675" y="573425"/>
+            <a:ext cx="8795400" cy="3179400"/>
+          </a:xfrm>
+          <a:prstGeom prst="rect">
+            <a:avLst/>
+          </a:prstGeom>
+        </p:spPr>
+        <p:txBody>
+          <a:bodyPr anchorCtr="0" anchor="t" bIns="91425" lIns="91425" spcFirstLastPara="1" rIns="91425" wrap="square" tIns="91425">
+            <a:noAutofit/>
+          </a:bodyPr>
+          <a:lstStyle/>
+          <a:p>
+            <a:pPr indent="0" lvl="0" marL="0" rtl="0" algn="l">
+              <a:lnSpc>
+                <a:spcPct val="90000"/>
+              </a:lnSpc>
+              <a:spcBef>
+                <a:spcPts val="1000"/>
+              </a:spcBef>
+              <a:spcAft>
+                <a:spcPts val="0"/>
+              </a:spcAft>
+              <a:buNone/>
+            </a:pPr>
+            <a:r>
+              <a:rPr lang="en" sz="2200">
+                <a:solidFill>
+                  <a:schemeClr val="dk1"/>
+                </a:solidFill>
+              </a:rPr>
+              <a:t>•Training</a:t>
+            </a:r>
+            <a:endParaRPr sz="2200">
+              <a:solidFill>
+                <a:schemeClr val="dk1"/>
+              </a:solidFill>
+            </a:endParaRPr>
+          </a:p>
+          <a:p>
+            <a:pPr indent="0" lvl="0" marL="0" rtl="0" algn="just">
+              <a:spcBef>
+                <a:spcPts val="0"/>
+              </a:spcBef>
+              <a:spcAft>
+                <a:spcPts val="0"/>
+              </a:spcAft>
+              <a:buNone/>
+            </a:pPr>
+            <a:r>
+              <a:rPr lang="en" sz="1100">
+                <a:solidFill>
+                  <a:schemeClr val="dk1"/>
+                </a:solidFill>
+                <a:latin typeface="Courier New"/>
+                <a:ea typeface="Courier New"/>
+                <a:cs typeface="Courier New"/>
+                <a:sym typeface="Courier New"/>
+              </a:rPr>
+              <a:t>o</a:t>
+            </a:r>
+            <a:r>
+              <a:rPr lang="en" sz="700">
+                <a:solidFill>
+                  <a:schemeClr val="dk1"/>
+                </a:solidFill>
+                <a:latin typeface="Times New Roman"/>
+                <a:ea typeface="Times New Roman"/>
+                <a:cs typeface="Times New Roman"/>
+                <a:sym typeface="Times New Roman"/>
+              </a:rPr>
+              <a:t>   </a:t>
+            </a:r>
+            <a:r>
+              <a:rPr lang="en" sz="1100">
+                <a:solidFill>
+                  <a:schemeClr val="dk1"/>
+                </a:solidFill>
+              </a:rPr>
+              <a:t>We experimented with multiple epoch lengths and sizes of training data.</a:t>
+            </a:r>
+            <a:endParaRPr sz="1100">
+              <a:solidFill>
+                <a:schemeClr val="dk1"/>
+              </a:solidFill>
+            </a:endParaRPr>
+          </a:p>
+          <a:p>
+            <a:pPr indent="0" lvl="0" marL="0" rtl="0" algn="just">
+              <a:spcBef>
+                <a:spcPts val="600"/>
+              </a:spcBef>
+              <a:spcAft>
+                <a:spcPts val="0"/>
+              </a:spcAft>
+              <a:buNone/>
+            </a:pPr>
+            <a:r>
+              <a:rPr lang="en" sz="1100">
+                <a:solidFill>
+                  <a:schemeClr val="dk1"/>
+                </a:solidFill>
+                <a:latin typeface="Courier New"/>
+                <a:ea typeface="Courier New"/>
+                <a:cs typeface="Courier New"/>
+                <a:sym typeface="Courier New"/>
+              </a:rPr>
+              <a:t>o</a:t>
+            </a:r>
+            <a:r>
+              <a:rPr lang="en" sz="700">
+                <a:solidFill>
+                  <a:schemeClr val="dk1"/>
+                </a:solidFill>
+                <a:latin typeface="Times New Roman"/>
+                <a:ea typeface="Times New Roman"/>
+                <a:cs typeface="Times New Roman"/>
+                <a:sym typeface="Times New Roman"/>
+              </a:rPr>
+              <a:t>   </a:t>
+            </a:r>
+            <a:r>
+              <a:rPr lang="en" sz="1100">
+                <a:solidFill>
+                  <a:schemeClr val="dk1"/>
+                </a:solidFill>
+              </a:rPr>
+              <a:t>Epoch lengths of 5,000, 10,000, 50,000, 75,000, and 100,000 were used.</a:t>
+            </a:r>
+            <a:endParaRPr sz="1100">
+              <a:solidFill>
+                <a:schemeClr val="dk1"/>
+              </a:solidFill>
+            </a:endParaRPr>
+          </a:p>
+          <a:p>
+            <a:pPr indent="0" lvl="0" marL="0" rtl="0" algn="just">
+              <a:spcBef>
+                <a:spcPts val="600"/>
+              </a:spcBef>
+              <a:spcAft>
+                <a:spcPts val="0"/>
+              </a:spcAft>
+              <a:buNone/>
+            </a:pPr>
+            <a:r>
+              <a:rPr lang="en" sz="1100">
+                <a:solidFill>
+                  <a:schemeClr val="dk1"/>
+                </a:solidFill>
+                <a:latin typeface="Courier New"/>
+                <a:ea typeface="Courier New"/>
+                <a:cs typeface="Courier New"/>
+                <a:sym typeface="Courier New"/>
+              </a:rPr>
+              <a:t>o</a:t>
+            </a:r>
+            <a:r>
+              <a:rPr lang="en" sz="700">
+                <a:solidFill>
+                  <a:schemeClr val="dk1"/>
+                </a:solidFill>
+                <a:latin typeface="Times New Roman"/>
+                <a:ea typeface="Times New Roman"/>
+                <a:cs typeface="Times New Roman"/>
+                <a:sym typeface="Times New Roman"/>
+              </a:rPr>
+              <a:t>   </a:t>
+            </a:r>
+            <a:r>
+              <a:rPr lang="en" sz="1100">
+                <a:solidFill>
+                  <a:schemeClr val="dk1"/>
+                </a:solidFill>
+              </a:rPr>
+              <a:t>Training data sizes consisted of 54,000 images for a version that was trained on the whole dataset, 8,000 images for the subset of electronic and psychedelic images, and about 5,000 images for the metal/alt rock subset.</a:t>
+            </a:r>
+            <a:endParaRPr sz="1100">
+              <a:solidFill>
+                <a:schemeClr val="dk1"/>
+              </a:solidFill>
+            </a:endParaRPr>
+          </a:p>
+          <a:p>
+            <a:pPr indent="0" lvl="0" marL="0" rtl="0" algn="just">
+              <a:spcBef>
+                <a:spcPts val="600"/>
+              </a:spcBef>
+              <a:spcAft>
+                <a:spcPts val="0"/>
+              </a:spcAft>
+              <a:buNone/>
+            </a:pPr>
+            <a:r>
+              <a:rPr lang="en" sz="1100">
+                <a:solidFill>
+                  <a:schemeClr val="dk1"/>
+                </a:solidFill>
+                <a:latin typeface="Courier New"/>
+                <a:ea typeface="Courier New"/>
+                <a:cs typeface="Courier New"/>
+                <a:sym typeface="Courier New"/>
+              </a:rPr>
+              <a:t>o</a:t>
+            </a:r>
+            <a:r>
+              <a:rPr lang="en" sz="700">
+                <a:solidFill>
+                  <a:schemeClr val="dk1"/>
+                </a:solidFill>
+                <a:latin typeface="Times New Roman"/>
+                <a:ea typeface="Times New Roman"/>
+                <a:cs typeface="Times New Roman"/>
+                <a:sym typeface="Times New Roman"/>
+              </a:rPr>
+              <a:t>   </a:t>
+            </a:r>
+            <a:r>
+              <a:rPr lang="en" sz="1100">
+                <a:solidFill>
+                  <a:schemeClr val="dk1"/>
+                </a:solidFill>
+              </a:rPr>
+              <a:t>The main hyperparameters that we tuned were the learning rate for the discriminator and generator, number of epochs, noise vector size, strides and kernel size in the convolutional layers, and momentum in batch normalization layers. The current versions have a learning rate of .0015 for the discriminator and learning rate of .0015 for the generator. The batch normalization momentum is currently 0.8.</a:t>
+            </a:r>
+            <a:endParaRPr sz="1100">
+              <a:solidFill>
+                <a:schemeClr val="dk1"/>
+              </a:solidFill>
+            </a:endParaRPr>
+          </a:p>
+          <a:p>
+            <a:pPr indent="0" lvl="0" marL="0" rtl="0" algn="l">
+              <a:lnSpc>
+                <a:spcPct val="90000"/>
+              </a:lnSpc>
+              <a:spcBef>
+                <a:spcPts val="1000"/>
+              </a:spcBef>
+              <a:spcAft>
+                <a:spcPts val="0"/>
+              </a:spcAft>
+              <a:buNone/>
+            </a:pPr>
+            <a:r>
+              <a:t/>
+            </a:r>
+            <a:endParaRPr sz="2200">
               <a:solidFill>
                 <a:schemeClr val="dk1"/>
               </a:solidFill>
@@ -6458,6 +10867,285 @@
 </file>
 
 <file path=ppt/theme/theme1.xml><?xml version="1.0" encoding="utf-8"?>
+<a:theme xmlns:a="http://schemas.openxmlformats.org/drawingml/2006/main" xmlns:r="http://schemas.openxmlformats.org/officeDocument/2006/relationships">
+  <a:themeElements>
+    <a:clrScheme name="Default">
+      <a:dk1>
+        <a:srgbClr val="000000"/>
+      </a:dk1>
+      <a:lt1>
+        <a:srgbClr val="FFFFFF"/>
+      </a:lt1>
+      <a:dk2>
+        <a:srgbClr val="158158"/>
+      </a:dk2>
+      <a:lt2>
+        <a:srgbClr val="F3F3F3"/>
+      </a:lt2>
+      <a:accent1>
+        <a:srgbClr val="058DC7"/>
+      </a:accent1>
+      <a:accent2>
+        <a:srgbClr val="50B432"/>
+      </a:accent2>
+      <a:accent3>
+        <a:srgbClr val="ED561B"/>
+      </a:accent3>
+      <a:accent4>
+        <a:srgbClr val="EDEF00"/>
+      </a:accent4>
+      <a:accent5>
+        <a:srgbClr val="24CBE5"/>
+      </a:accent5>
+      <a:accent6>
+        <a:srgbClr val="64E572"/>
+      </a:accent6>
+      <a:hlink>
+        <a:srgbClr val="2200CC"/>
+      </a:hlink>
+      <a:folHlink>
+        <a:srgbClr val="551A8B"/>
+      </a:folHlink>
+    </a:clrScheme>
+    <a:fontScheme name="Office">
+      <a:majorFont>
+        <a:latin typeface="Arial"/>
+        <a:ea typeface=""/>
+        <a:cs typeface=""/>
+        <a:font script="Jpan" typeface="ＭＳ Ｐゴシック"/>
+        <a:font script="Hang" typeface="맑은 고딕"/>
+        <a:font script="Hans" typeface="宋体"/>
+        <a:font script="Hant" typeface="新細明體"/>
+        <a:font script="Arab" typeface="Times New Roman"/>
+        <a:font script="Hebr" typeface="Times New Roman"/>
+        <a:font script="Thai" typeface="Angsana New"/>
+        <a:font script="Ethi" typeface="Nyala"/>
+        <a:font script="Beng" typeface="Vrinda"/>
+        <a:font script="Gujr" typeface="Shruti"/>
+        <a:font script="Khmr" typeface="MoolBoran"/>
+        <a:font script="Knda" typeface="Tunga"/>
+        <a:font script="Guru" typeface="Raavi"/>
+        <a:font script="Cans" typeface="Euphemia"/>
+        <a:font script="Cher" typeface="Plantagenet Cherokee"/>
+        <a:font script="Yiii" typeface="Microsoft Yi Baiti"/>
+        <a:font script="Tibt" typeface="Microsoft Himalaya"/>
+        <a:font script="Thaa" typeface="MV Boli"/>
+        <a:font script="Deva" typeface="Mangal"/>
+        <a:font script="Telu" typeface="Gautami"/>
+        <a:font script="Taml" typeface="Latha"/>
+        <a:font script="Syrc" typeface="Estrangelo Edessa"/>
+        <a:font script="Orya" typeface="Kalinga"/>
+        <a:font script="Mlym" typeface="Kartika"/>
+        <a:font script="Laoo" typeface="DokChampa"/>
+        <a:font script="Sinh" typeface="Iskoola Pota"/>
+        <a:font script="Mong" typeface="Mongolian Baiti"/>
+        <a:font script="Viet" typeface="Times New Roman"/>
+        <a:font script="Uigh" typeface="Microsoft Uighur"/>
+        <a:font script="Geor" typeface="Sylfaen"/>
+      </a:majorFont>
+      <a:minorFont>
+        <a:latin typeface="Arial"/>
+        <a:ea typeface=""/>
+        <a:cs typeface=""/>
+        <a:font script="Jpan" typeface="ＭＳ Ｐゴシック"/>
+        <a:font script="Hang" typeface="맑은 고딕"/>
+        <a:font script="Hans" typeface="宋体"/>
+        <a:font script="Hant" typeface="新細明體"/>
+        <a:font script="Arab" typeface="Arial"/>
+        <a:font script="Hebr" typeface="Arial"/>
+        <a:font script="Thai" typeface="Cordia New"/>
+        <a:font script="Ethi" typeface="Nyala"/>
+        <a:font script="Beng" typeface="Vrinda"/>
+        <a:font script="Gujr" typeface="Shruti"/>
+        <a:font script="Khmr" typeface="DaunPenh"/>
+        <a:font script="Knda" typeface="Tunga"/>
+        <a:font script="Guru" typeface="Raavi"/>
+        <a:font script="Cans" typeface="Euphemia"/>
+        <a:font script="Cher" typeface="Plantagenet Cherokee"/>
+        <a:font script="Yiii" typeface="Microsoft Yi Baiti"/>
+        <a:font script="Tibt" typeface="Microsoft Himalaya"/>
+        <a:font script="Thaa" typeface="MV Boli"/>
+        <a:font script="Deva" typeface="Mangal"/>
+        <a:font script="Telu" typeface="Gautami"/>
+        <a:font script="Taml" typeface="Latha"/>
+        <a:font script="Syrc" typeface="Estrangelo Edessa"/>
+        <a:font script="Orya" typeface="Kalinga"/>
+        <a:font script="Mlym" typeface="Kartika"/>
+        <a:font script="Laoo" typeface="DokChampa"/>
+        <a:font script="Sinh" typeface="Iskoola Pota"/>
+        <a:font script="Mong" typeface="Mongolian Baiti"/>
+        <a:font script="Viet" typeface="Arial"/>
+        <a:font script="Uigh" typeface="Microsoft Uighur"/>
+        <a:font script="Geor" typeface="Sylfaen"/>
+      </a:minorFont>
+    </a:fontScheme>
+    <a:fmtScheme name="Office">
+      <a:fillStyleLst>
+        <a:solidFill>
+          <a:schemeClr val="phClr"/>
+        </a:solidFill>
+        <a:gradFill rotWithShape="1">
+          <a:gsLst>
+            <a:gs pos="0">
+              <a:schemeClr val="phClr">
+                <a:tint val="50000"/>
+                <a:satMod val="300000"/>
+              </a:schemeClr>
+            </a:gs>
+            <a:gs pos="35000">
+              <a:schemeClr val="phClr">
+                <a:tint val="37000"/>
+                <a:satMod val="300000"/>
+              </a:schemeClr>
+            </a:gs>
+            <a:gs pos="100000">
+              <a:schemeClr val="phClr">
+                <a:tint val="15000"/>
+                <a:satMod val="350000"/>
+              </a:schemeClr>
+            </a:gs>
+          </a:gsLst>
+          <a:lin ang="16200000" scaled="1"/>
+        </a:gradFill>
+        <a:gradFill rotWithShape="1">
+          <a:gsLst>
+            <a:gs pos="0">
+              <a:schemeClr val="phClr">
+                <a:tint val="100000"/>
+                <a:shade val="100000"/>
+                <a:satMod val="130000"/>
+              </a:schemeClr>
+            </a:gs>
+            <a:gs pos="100000">
+              <a:schemeClr val="phClr">
+                <a:tint val="50000"/>
+                <a:shade val="100000"/>
+                <a:satMod val="350000"/>
+              </a:schemeClr>
+            </a:gs>
+          </a:gsLst>
+          <a:lin ang="16200000" scaled="0"/>
+        </a:gradFill>
+      </a:fillStyleLst>
+      <a:lnStyleLst>
+        <a:ln w="9525" cap="flat" cmpd="sng" algn="ctr">
+          <a:solidFill>
+            <a:schemeClr val="phClr">
+              <a:shade val="95000"/>
+              <a:satMod val="105000"/>
+            </a:schemeClr>
+          </a:solidFill>
+          <a:prstDash val="solid"/>
+        </a:ln>
+        <a:ln w="25400" cap="flat" cmpd="sng" algn="ctr">
+          <a:solidFill>
+            <a:schemeClr val="phClr"/>
+          </a:solidFill>
+          <a:prstDash val="solid"/>
+        </a:ln>
+        <a:ln w="38100" cap="flat" cmpd="sng" algn="ctr">
+          <a:solidFill>
+            <a:schemeClr val="phClr"/>
+          </a:solidFill>
+          <a:prstDash val="solid"/>
+        </a:ln>
+      </a:lnStyleLst>
+      <a:effectStyleLst>
+        <a:effectStyle>
+          <a:effectLst>
+            <a:outerShdw blurRad="40000" dist="20000" dir="5400000" rotWithShape="0">
+              <a:srgbClr val="000000">
+                <a:alpha val="38000"/>
+              </a:srgbClr>
+            </a:outerShdw>
+          </a:effectLst>
+        </a:effectStyle>
+        <a:effectStyle>
+          <a:effectLst>
+            <a:outerShdw blurRad="40000" dist="23000" dir="5400000" rotWithShape="0">
+              <a:srgbClr val="000000">
+                <a:alpha val="35000"/>
+              </a:srgbClr>
+            </a:outerShdw>
+          </a:effectLst>
+        </a:effectStyle>
+        <a:effectStyle>
+          <a:effectLst>
+            <a:outerShdw blurRad="40000" dist="23000" dir="5400000" rotWithShape="0">
+              <a:srgbClr val="000000">
+                <a:alpha val="35000"/>
+              </a:srgbClr>
+            </a:outerShdw>
+          </a:effectLst>
+          <a:scene3d>
+            <a:camera prst="orthographicFront">
+              <a:rot lat="0" lon="0" rev="0"/>
+            </a:camera>
+            <a:lightRig rig="threePt" dir="t">
+              <a:rot lat="0" lon="0" rev="1200000"/>
+            </a:lightRig>
+          </a:scene3d>
+          <a:sp3d>
+            <a:bevelT w="63500" h="25400"/>
+          </a:sp3d>
+        </a:effectStyle>
+      </a:effectStyleLst>
+      <a:bgFillStyleLst>
+        <a:solidFill>
+          <a:schemeClr val="phClr"/>
+        </a:solidFill>
+        <a:gradFill rotWithShape="1">
+          <a:gsLst>
+            <a:gs pos="0">
+              <a:schemeClr val="phClr">
+                <a:tint val="40000"/>
+                <a:satMod val="350000"/>
+              </a:schemeClr>
+            </a:gs>
+            <a:gs pos="40000">
+              <a:schemeClr val="phClr">
+                <a:tint val="45000"/>
+                <a:shade val="99000"/>
+                <a:satMod val="350000"/>
+              </a:schemeClr>
+            </a:gs>
+            <a:gs pos="100000">
+              <a:schemeClr val="phClr">
+                <a:shade val="20000"/>
+                <a:satMod val="255000"/>
+              </a:schemeClr>
+            </a:gs>
+          </a:gsLst>
+          <a:path path="circle">
+            <a:fillToRect l="50000" t="-80000" r="50000" b="180000"/>
+          </a:path>
+        </a:gradFill>
+        <a:gradFill rotWithShape="1">
+          <a:gsLst>
+            <a:gs pos="0">
+              <a:schemeClr val="phClr">
+                <a:tint val="80000"/>
+                <a:satMod val="300000"/>
+              </a:schemeClr>
+            </a:gs>
+            <a:gs pos="100000">
+              <a:schemeClr val="phClr">
+                <a:shade val="30000"/>
+                <a:satMod val="200000"/>
+              </a:schemeClr>
+            </a:gs>
+          </a:gsLst>
+          <a:path path="circle">
+            <a:fillToRect l="50000" t="50000" r="50000" b="50000"/>
+          </a:path>
+        </a:gradFill>
+      </a:bgFillStyleLst>
+    </a:fmtScheme>
+  </a:themeElements>
+</a:theme>
+</file>
+
+<file path=ppt/theme/theme2.xml><?xml version="1.0" encoding="utf-8"?>
 <a:theme xmlns:a="http://schemas.openxmlformats.org/drawingml/2006/main" xmlns:r="http://schemas.openxmlformats.org/officeDocument/2006/relationships" name="Simple Light">
   <a:themeElements>
     <a:clrScheme name="Simple Light">
@@ -6734,283 +11422,4 @@
     </a:fmtScheme>
   </a:themeElements>
 </a:theme>
-</file>
-
-<file path=ppt/theme/theme2.xml><?xml version="1.0" encoding="utf-8"?>
-<a:theme xmlns:a="http://schemas.openxmlformats.org/drawingml/2006/main" xmlns:r="http://schemas.openxmlformats.org/officeDocument/2006/relationships">
-  <a:themeElements>
-    <a:clrScheme name="Default">
-      <a:dk1>
-        <a:srgbClr val="000000"/>
-      </a:dk1>
-      <a:lt1>
-        <a:srgbClr val="FFFFFF"/>
-      </a:lt1>
-      <a:dk2>
-        <a:srgbClr val="158158"/>
-      </a:dk2>
-      <a:lt2>
-        <a:srgbClr val="F3F3F3"/>
-      </a:lt2>
-      <a:accent1>
-        <a:srgbClr val="058DC7"/>
-      </a:accent1>
-      <a:accent2>
-        <a:srgbClr val="50B432"/>
-      </a:accent2>
-      <a:accent3>
-        <a:srgbClr val="ED561B"/>
-      </a:accent3>
-      <a:accent4>
-        <a:srgbClr val="EDEF00"/>
-      </a:accent4>
-      <a:accent5>
-        <a:srgbClr val="24CBE5"/>
-      </a:accent5>
-      <a:accent6>
-        <a:srgbClr val="64E572"/>
-      </a:accent6>
-      <a:hlink>
-        <a:srgbClr val="2200CC"/>
-      </a:hlink>
-      <a:folHlink>
-        <a:srgbClr val="551A8B"/>
-      </a:folHlink>
-    </a:clrScheme>
-    <a:fontScheme name="Office">
-      <a:majorFont>
-        <a:latin typeface="Arial"/>
-        <a:ea typeface=""/>
-        <a:cs typeface=""/>
-        <a:font script="Jpan" typeface="ＭＳ Ｐゴシック"/>
-        <a:font script="Hang" typeface="맑은 고딕"/>
-        <a:font script="Hans" typeface="宋体"/>
-        <a:font script="Hant" typeface="新細明體"/>
-        <a:font script="Arab" typeface="Times New Roman"/>
-        <a:font script="Hebr" typeface="Times New Roman"/>
-        <a:font script="Thai" typeface="Angsana New"/>
-        <a:font script="Ethi" typeface="Nyala"/>
-        <a:font script="Beng" typeface="Vrinda"/>
-        <a:font script="Gujr" typeface="Shruti"/>
-        <a:font script="Khmr" typeface="MoolBoran"/>
-        <a:font script="Knda" typeface="Tunga"/>
-        <a:font script="Guru" typeface="Raavi"/>
-        <a:font script="Cans" typeface="Euphemia"/>
-        <a:font script="Cher" typeface="Plantagenet Cherokee"/>
-        <a:font script="Yiii" typeface="Microsoft Yi Baiti"/>
-        <a:font script="Tibt" typeface="Microsoft Himalaya"/>
-        <a:font script="Thaa" typeface="MV Boli"/>
-        <a:font script="Deva" typeface="Mangal"/>
-        <a:font script="Telu" typeface="Gautami"/>
-        <a:font script="Taml" typeface="Latha"/>
-        <a:font script="Syrc" typeface="Estrangelo Edessa"/>
-        <a:font script="Orya" typeface="Kalinga"/>
-        <a:font script="Mlym" typeface="Kartika"/>
-        <a:font script="Laoo" typeface="DokChampa"/>
-        <a:font script="Sinh" typeface="Iskoola Pota"/>
-        <a:font script="Mong" typeface="Mongolian Baiti"/>
-        <a:font script="Viet" typeface="Times New Roman"/>
-        <a:font script="Uigh" typeface="Microsoft Uighur"/>
-        <a:font script="Geor" typeface="Sylfaen"/>
-      </a:majorFont>
-      <a:minorFont>
-        <a:latin typeface="Arial"/>
-        <a:ea typeface=""/>
-        <a:cs typeface=""/>
-        <a:font script="Jpan" typeface="ＭＳ Ｐゴシック"/>
-        <a:font script="Hang" typeface="맑은 고딕"/>
-        <a:font script="Hans" typeface="宋体"/>
-        <a:font script="Hant" typeface="新細明體"/>
-        <a:font script="Arab" typeface="Arial"/>
-        <a:font script="Hebr" typeface="Arial"/>
-        <a:font script="Thai" typeface="Cordia New"/>
-        <a:font script="Ethi" typeface="Nyala"/>
-        <a:font script="Beng" typeface="Vrinda"/>
-        <a:font script="Gujr" typeface="Shruti"/>
-        <a:font script="Khmr" typeface="DaunPenh"/>
-        <a:font script="Knda" typeface="Tunga"/>
-        <a:font script="Guru" typeface="Raavi"/>
-        <a:font script="Cans" typeface="Euphemia"/>
-        <a:font script="Cher" typeface="Plantagenet Cherokee"/>
-        <a:font script="Yiii" typeface="Microsoft Yi Baiti"/>
-        <a:font script="Tibt" typeface="Microsoft Himalaya"/>
-        <a:font script="Thaa" typeface="MV Boli"/>
-        <a:font script="Deva" typeface="Mangal"/>
-        <a:font script="Telu" typeface="Gautami"/>
-        <a:font script="Taml" typeface="Latha"/>
-        <a:font script="Syrc" typeface="Estrangelo Edessa"/>
-        <a:font script="Orya" typeface="Kalinga"/>
-        <a:font script="Mlym" typeface="Kartika"/>
-        <a:font script="Laoo" typeface="DokChampa"/>
-        <a:font script="Sinh" typeface="Iskoola Pota"/>
-        <a:font script="Mong" typeface="Mongolian Baiti"/>
-        <a:font script="Viet" typeface="Arial"/>
-        <a:font script="Uigh" typeface="Microsoft Uighur"/>
-        <a:font script="Geor" typeface="Sylfaen"/>
-      </a:minorFont>
-    </a:fontScheme>
-    <a:fmtScheme name="Office">
-      <a:fillStyleLst>
-        <a:solidFill>
-          <a:schemeClr val="phClr"/>
-        </a:solidFill>
-        <a:gradFill rotWithShape="1">
-          <a:gsLst>
-            <a:gs pos="0">
-              <a:schemeClr val="phClr">
-                <a:tint val="50000"/>
-                <a:satMod val="300000"/>
-              </a:schemeClr>
-            </a:gs>
-            <a:gs pos="35000">
-              <a:schemeClr val="phClr">
-                <a:tint val="37000"/>
-                <a:satMod val="300000"/>
-              </a:schemeClr>
-            </a:gs>
-            <a:gs pos="100000">
-              <a:schemeClr val="phClr">
-                <a:tint val="15000"/>
-                <a:satMod val="350000"/>
-              </a:schemeClr>
-            </a:gs>
-          </a:gsLst>
-          <a:lin ang="16200000" scaled="1"/>
-        </a:gradFill>
-        <a:gradFill rotWithShape="1">
-          <a:gsLst>
-            <a:gs pos="0">
-              <a:schemeClr val="phClr">
-                <a:tint val="100000"/>
-                <a:shade val="100000"/>
-                <a:satMod val="130000"/>
-              </a:schemeClr>
-            </a:gs>
-            <a:gs pos="100000">
-              <a:schemeClr val="phClr">
-                <a:tint val="50000"/>
-                <a:shade val="100000"/>
-                <a:satMod val="350000"/>
-              </a:schemeClr>
-            </a:gs>
-          </a:gsLst>
-          <a:lin ang="16200000" scaled="0"/>
-        </a:gradFill>
-      </a:fillStyleLst>
-      <a:lnStyleLst>
-        <a:ln w="9525" cap="flat" cmpd="sng" algn="ctr">
-          <a:solidFill>
-            <a:schemeClr val="phClr">
-              <a:shade val="95000"/>
-              <a:satMod val="105000"/>
-            </a:schemeClr>
-          </a:solidFill>
-          <a:prstDash val="solid"/>
-        </a:ln>
-        <a:ln w="25400" cap="flat" cmpd="sng" algn="ctr">
-          <a:solidFill>
-            <a:schemeClr val="phClr"/>
-          </a:solidFill>
-          <a:prstDash val="solid"/>
-        </a:ln>
-        <a:ln w="38100" cap="flat" cmpd="sng" algn="ctr">
-          <a:solidFill>
-            <a:schemeClr val="phClr"/>
-          </a:solidFill>
-          <a:prstDash val="solid"/>
-        </a:ln>
-      </a:lnStyleLst>
-      <a:effectStyleLst>
-        <a:effectStyle>
-          <a:effectLst>
-            <a:outerShdw blurRad="40000" dist="20000" dir="5400000" rotWithShape="0">
-              <a:srgbClr val="000000">
-                <a:alpha val="38000"/>
-              </a:srgbClr>
-            </a:outerShdw>
-          </a:effectLst>
-        </a:effectStyle>
-        <a:effectStyle>
-          <a:effectLst>
-            <a:outerShdw blurRad="40000" dist="23000" dir="5400000" rotWithShape="0">
-              <a:srgbClr val="000000">
-                <a:alpha val="35000"/>
-              </a:srgbClr>
-            </a:outerShdw>
-          </a:effectLst>
-        </a:effectStyle>
-        <a:effectStyle>
-          <a:effectLst>
-            <a:outerShdw blurRad="40000" dist="23000" dir="5400000" rotWithShape="0">
-              <a:srgbClr val="000000">
-                <a:alpha val="35000"/>
-              </a:srgbClr>
-            </a:outerShdw>
-          </a:effectLst>
-          <a:scene3d>
-            <a:camera prst="orthographicFront">
-              <a:rot lat="0" lon="0" rev="0"/>
-            </a:camera>
-            <a:lightRig rig="threePt" dir="t">
-              <a:rot lat="0" lon="0" rev="1200000"/>
-            </a:lightRig>
-          </a:scene3d>
-          <a:sp3d>
-            <a:bevelT w="63500" h="25400"/>
-          </a:sp3d>
-        </a:effectStyle>
-      </a:effectStyleLst>
-      <a:bgFillStyleLst>
-        <a:solidFill>
-          <a:schemeClr val="phClr"/>
-        </a:solidFill>
-        <a:gradFill rotWithShape="1">
-          <a:gsLst>
-            <a:gs pos="0">
-              <a:schemeClr val="phClr">
-                <a:tint val="40000"/>
-                <a:satMod val="350000"/>
-              </a:schemeClr>
-            </a:gs>
-            <a:gs pos="40000">
-              <a:schemeClr val="phClr">
-                <a:tint val="45000"/>
-                <a:shade val="99000"/>
-                <a:satMod val="350000"/>
-              </a:schemeClr>
-            </a:gs>
-            <a:gs pos="100000">
-              <a:schemeClr val="phClr">
-                <a:shade val="20000"/>
-                <a:satMod val="255000"/>
-              </a:schemeClr>
-            </a:gs>
-          </a:gsLst>
-          <a:path path="circle">
-            <a:fillToRect l="50000" t="-80000" r="50000" b="180000"/>
-          </a:path>
-        </a:gradFill>
-        <a:gradFill rotWithShape="1">
-          <a:gsLst>
-            <a:gs pos="0">
-              <a:schemeClr val="phClr">
-                <a:tint val="80000"/>
-                <a:satMod val="300000"/>
-              </a:schemeClr>
-            </a:gs>
-            <a:gs pos="100000">
-              <a:schemeClr val="phClr">
-                <a:shade val="30000"/>
-                <a:satMod val="200000"/>
-              </a:schemeClr>
-            </a:gs>
-          </a:gsLst>
-          <a:path path="circle">
-            <a:fillToRect l="50000" t="50000" r="50000" b="50000"/>
-          </a:path>
-        </a:gradFill>
-      </a:bgFillStyleLst>
-    </a:fmtScheme>
-  </a:themeElements>
-</a:theme>
 </file>